--- a/Courses/Computer-Modeling-and-IT/Computer-Modeling-and-IT-6-Class/30-Lists/30-Lists.pptx
+++ b/Courses/Computer-Modeling-and-IT/Computer-Modeling-and-IT-6-Class/30-Lists/30-Lists.pptx
@@ -335,7 +335,7 @@
           <a:p>
             <a:fld id="{4E087215-0C8F-4762-A664-737A353EC9A4}" type="datetimeFigureOut">
               <a:rPr lang="bg-BG" smtClean="0"/>
-              <a:t>30.11.2024 г.</a:t>
+              <a:t>3.9.2025 г.</a:t>
             </a:fld>
             <a:endParaRPr lang="bg-BG"/>
           </a:p>
@@ -531,7 +531,7 @@
           <a:p>
             <a:fld id="{72D84649-876A-46C9-8472-14CB09C070D8}" type="datetimeFigureOut">
               <a:rPr lang="en-US" smtClean="0"/>
-              <a:t>11/30/2024</a:t>
+              <a:t>3-Sep-25</a:t>
             </a:fld>
             <a:endParaRPr lang="en-US" dirty="0"/>
           </a:p>
@@ -1286,19 +1286,19 @@
           <a:lstStyle/>
           <a:p>
             <a:r>
-              <a:rPr lang="bg-BG" sz="1100" dirty="0" smtClean="0"/>
+              <a:rPr lang="bg-BG" sz="1100" dirty="0"/>
               <a:t>Работна група </a:t>
             </a:r>
             <a:r>
-              <a:rPr lang="bg-BG" dirty="0" smtClean="0"/>
+              <a:rPr lang="bg-BG" dirty="0"/>
               <a:t>"Образование по програмиране и ИТ"</a:t>
             </a:r>
             <a:r>
-              <a:rPr lang="bg-BG" sz="1100" dirty="0" smtClean="0"/>
+              <a:rPr lang="bg-BG" sz="1100" dirty="0"/>
               <a:t>, с подкрепата на </a:t>
             </a:r>
             <a:r>
-              <a:rPr lang="en-US" sz="1100" dirty="0" smtClean="0">
+              <a:rPr lang="en-US" sz="1100" dirty="0">
                 <a:hlinkClick r:id="rId3"/>
               </a:rPr>
               <a:t>SoftUni</a:t>
@@ -7092,7 +7092,7 @@
           <a:lstStyle/>
           <a:p>
             <a:r>
-              <a:rPr lang="bg-BG" dirty="0" smtClean="0"/>
+              <a:rPr lang="bg-BG" dirty="0"/>
               <a:t>Основни действия и ползи от списъци</a:t>
             </a:r>
             <a:endParaRPr lang="en-US" dirty="0"/>
@@ -7128,7 +7128,7 @@
           <a:lstStyle/>
           <a:p>
             <a:r>
-              <a:rPr lang="bg-BG" dirty="0" smtClean="0"/>
+              <a:rPr lang="bg-BG" dirty="0"/>
               <a:t>Списъци</a:t>
             </a:r>
             <a:endParaRPr lang="en-US" dirty="0"/>
@@ -7216,21 +7216,14 @@
   <p:clrMapOvr>
     <a:masterClrMapping/>
   </p:clrMapOvr>
-  <mc:AlternateContent xmlns:mc="http://schemas.openxmlformats.org/markup-compatibility/2006">
-    <mc:Choice xmlns:p14="http://schemas.microsoft.com/office/powerpoint/2010/main" Requires="p14">
+  <mc:AlternateContent xmlns:mc="http://schemas.openxmlformats.org/markup-compatibility/2006" xmlns:p14="http://schemas.microsoft.com/office/powerpoint/2010/main">
+    <mc:Choice Requires="p14">
       <p:transition spd="slow" p14:dur="2000" advClick="0" advTm="890"/>
     </mc:Choice>
-    <mc:Fallback>
+    <mc:Fallback xmlns="">
       <p:transition spd="slow" advClick="0" advTm="890"/>
     </mc:Fallback>
   </mc:AlternateContent>
-  <p:timing>
-    <p:tnLst>
-      <p:par>
-        <p:cTn id="1" dur="indefinite" restart="never" nodeType="tmRoot"/>
-      </p:par>
-    </p:tnLst>
-  </p:timing>
 </p:sld>
 </file>
 
@@ -7267,45 +7260,45 @@
           <a:lstStyle/>
           <a:p>
             <a:r>
-              <a:rPr lang="bg-BG" b="1" dirty="0" smtClean="0"/>
+              <a:rPr lang="bg-BG" b="1" dirty="0"/>
               <a:t>Списък</a:t>
             </a:r>
             <a:r>
-              <a:rPr lang="bg-BG" dirty="0" smtClean="0"/>
+              <a:rPr lang="bg-BG" dirty="0"/>
               <a:t> може да бъде </a:t>
             </a:r>
             <a:r>
-              <a:rPr lang="bg-BG" b="1" dirty="0" smtClean="0"/>
+              <a:rPr lang="bg-BG" b="1" dirty="0"/>
               <a:t>създаден</a:t>
             </a:r>
             <a:r>
-              <a:rPr lang="bg-BG" dirty="0" smtClean="0"/>
+              <a:rPr lang="bg-BG" dirty="0"/>
               <a:t> като:</a:t>
             </a:r>
           </a:p>
           <a:p>
             <a:pPr lvl="1"/>
             <a:r>
-              <a:rPr lang="bg-BG" b="1" dirty="0" smtClean="0"/>
+              <a:rPr lang="bg-BG" b="1" dirty="0"/>
               <a:t>Изредим съдържанието </a:t>
             </a:r>
             <a:r>
-              <a:rPr lang="bg-BG" dirty="0" smtClean="0"/>
+              <a:rPr lang="bg-BG" dirty="0"/>
               <a:t>на списъка със </a:t>
             </a:r>
             <a:r>
-              <a:rPr lang="bg-BG" b="1" dirty="0" smtClean="0"/>
+              <a:rPr lang="bg-BG" b="1" dirty="0"/>
               <a:t>запетаи</a:t>
             </a:r>
             <a:r>
-              <a:rPr lang="bg-BG" dirty="0" smtClean="0"/>
+              <a:rPr lang="bg-BG" dirty="0"/>
               <a:t> в </a:t>
             </a:r>
             <a:r>
-              <a:rPr lang="bg-BG" b="1" dirty="0" smtClean="0"/>
+              <a:rPr lang="bg-BG" b="1" dirty="0"/>
               <a:t>квадратни скоби</a:t>
             </a:r>
-            <a:endParaRPr lang="en-US" b="1" dirty="0" smtClean="0"/>
+            <a:endParaRPr lang="en-US" b="1" dirty="0"/>
           </a:p>
           <a:p>
             <a:pPr lvl="1"/>
@@ -7314,15 +7307,15 @@
           <a:p>
             <a:pPr lvl="1"/>
             <a:r>
-              <a:rPr lang="bg-BG" dirty="0" smtClean="0"/>
+              <a:rPr lang="bg-BG" dirty="0"/>
               <a:t>Използваме </a:t>
             </a:r>
             <a:r>
-              <a:rPr lang="bg-BG" b="1" dirty="0" smtClean="0"/>
+              <a:rPr lang="bg-BG" b="1" dirty="0"/>
               <a:t>функцията </a:t>
             </a:r>
             <a:r>
-              <a:rPr lang="en-US" b="1" dirty="0" smtClean="0">
+              <a:rPr lang="en-US" b="1" dirty="0">
                 <a:solidFill>
                   <a:schemeClr val="bg1"/>
                 </a:solidFill>
@@ -7352,14 +7345,13 @@
           <a:lstStyle/>
           <a:p>
             <a:r>
-              <a:rPr lang="bg-BG" dirty="0" smtClean="0"/>
+              <a:rPr lang="bg-BG" dirty="0"/>
               <a:t>Създаване на списък в </a:t>
             </a:r>
             <a:r>
-              <a:rPr lang="en-US" dirty="0" smtClean="0"/>
+              <a:rPr lang="en-US" dirty="0"/>
               <a:t>Python</a:t>
             </a:r>
-            <a:endParaRPr lang="en-US" dirty="0"/>
           </a:p>
         </p:txBody>
       </p:sp>
@@ -7410,19 +7402,13 @@
               <a:buSzPct val="70000"/>
             </a:pPr>
             <a:r>
-              <a:rPr lang="en-US" sz="2400" b="1" dirty="0" smtClean="0">
-                <a:latin typeface="Consolas" panose="020B0609020204030204" pitchFamily="49" charset="0"/>
-              </a:rPr>
-              <a:t>my_list </a:t>
-            </a:r>
-            <a:r>
               <a:rPr lang="en-US" sz="2400" b="1" dirty="0">
                 <a:latin typeface="Consolas" panose="020B0609020204030204" pitchFamily="49" charset="0"/>
               </a:rPr>
-              <a:t>= </a:t>
-            </a:r>
-            <a:r>
-              <a:rPr lang="en-US" sz="2400" b="1" dirty="0" smtClean="0">
+              <a:t>my_list = </a:t>
+            </a:r>
+            <a:r>
+              <a:rPr lang="en-US" sz="2400" b="1" dirty="0">
                 <a:solidFill>
                   <a:schemeClr val="bg1"/>
                 </a:solidFill>
@@ -7431,13 +7417,13 @@
               <a:t>[</a:t>
             </a:r>
             <a:r>
-              <a:rPr lang="en-US" sz="2400" b="1" dirty="0" smtClean="0">
+              <a:rPr lang="en-US" sz="2400" b="1" dirty="0">
                 <a:latin typeface="Consolas" panose="020B0609020204030204" pitchFamily="49" charset="0"/>
               </a:rPr>
               <a:t>1, 2, 3</a:t>
             </a:r>
             <a:r>
-              <a:rPr lang="en-US" sz="2400" b="1" dirty="0" smtClean="0">
+              <a:rPr lang="en-US" sz="2400" b="1" dirty="0">
                 <a:solidFill>
                   <a:schemeClr val="bg1"/>
                 </a:solidFill>
@@ -7445,12 +7431,6 @@
               </a:rPr>
               <a:t>]</a:t>
             </a:r>
-            <a:endParaRPr lang="en-US" sz="2400" b="1" dirty="0">
-              <a:solidFill>
-                <a:schemeClr val="bg1"/>
-              </a:solidFill>
-              <a:latin typeface="Consolas" panose="020B0609020204030204" pitchFamily="49" charset="0"/>
-            </a:endParaRPr>
           </a:p>
         </p:txBody>
       </p:sp>
@@ -7501,19 +7481,13 @@
               <a:buSzPct val="70000"/>
             </a:pPr>
             <a:r>
-              <a:rPr lang="en-US" sz="2400" b="1" dirty="0" smtClean="0">
-                <a:latin typeface="Consolas" panose="020B0609020204030204" pitchFamily="49" charset="0"/>
-              </a:rPr>
-              <a:t>empty_list </a:t>
-            </a:r>
-            <a:r>
               <a:rPr lang="en-US" sz="2400" b="1" dirty="0">
                 <a:latin typeface="Consolas" panose="020B0609020204030204" pitchFamily="49" charset="0"/>
               </a:rPr>
-              <a:t>= </a:t>
-            </a:r>
-            <a:r>
-              <a:rPr lang="en-US" sz="2400" b="1" dirty="0" smtClean="0">
+              <a:t>empty_list = </a:t>
+            </a:r>
+            <a:r>
+              <a:rPr lang="en-US" sz="2400" b="1" dirty="0">
                 <a:solidFill>
                   <a:schemeClr val="bg1"/>
                 </a:solidFill>
@@ -7521,12 +7495,6 @@
               </a:rPr>
               <a:t>list()</a:t>
             </a:r>
-            <a:endParaRPr lang="en-US" sz="2400" b="1" dirty="0">
-              <a:solidFill>
-                <a:schemeClr val="bg1"/>
-              </a:solidFill>
-              <a:latin typeface="Consolas" panose="020B0609020204030204" pitchFamily="49" charset="0"/>
-            </a:endParaRPr>
           </a:p>
         </p:txBody>
       </p:sp>
@@ -7847,7 +7815,7 @@
               <a:t> </a:t>
             </a:r>
             <a:r>
-              <a:rPr lang="ru-RU" b="1" dirty="0" smtClean="0">
+              <a:rPr lang="ru-RU" b="1" dirty="0">
                 <a:solidFill>
                   <a:schemeClr val="bg1"/>
                 </a:solidFill>
@@ -7855,12 +7823,8 @@
               <a:t>split()</a:t>
             </a:r>
             <a:r>
-              <a:rPr lang="ru-RU" dirty="0" smtClean="0"/>
-              <a:t>, </a:t>
-            </a:r>
-            <a:r>
               <a:rPr lang="ru-RU" dirty="0"/>
-              <a:t>за да </a:t>
+              <a:t>, за да </a:t>
             </a:r>
             <a:r>
               <a:rPr lang="ru-RU" b="1" dirty="0"/>
@@ -7871,22 +7835,14 @@
               <a:t> </a:t>
             </a:r>
             <a:r>
-              <a:rPr lang="ru-RU" b="1" dirty="0" smtClean="0"/>
+              <a:rPr lang="ru-RU" b="1" dirty="0"/>
               <a:t>текст</a:t>
             </a:r>
             <a:r>
-              <a:rPr lang="ru-RU" dirty="0" smtClean="0"/>
-              <a:t> </a:t>
-            </a:r>
-            <a:r>
               <a:rPr lang="ru-RU" dirty="0"/>
-              <a:t>и да </a:t>
-            </a:r>
-            <a:r>
-              <a:rPr lang="ru-RU" dirty="0" smtClean="0"/>
-              <a:t>създадете списък</a:t>
-            </a:r>
-            <a:endParaRPr lang="en-US" dirty="0" smtClean="0"/>
+              <a:t> и да създадете списък</a:t>
+            </a:r>
+            <a:endParaRPr lang="en-US" dirty="0"/>
           </a:p>
           <a:p>
             <a:endParaRPr lang="en-US" dirty="0"/>
@@ -7895,19 +7851,19 @@
             <a:pPr marL="0" indent="0">
               <a:buNone/>
             </a:pPr>
-            <a:endParaRPr lang="en-US" dirty="0" smtClean="0"/>
-          </a:p>
-          <a:p>
-            <a:r>
-              <a:rPr lang="bg-BG" dirty="0" smtClean="0"/>
+            <a:endParaRPr lang="en-US" dirty="0"/>
+          </a:p>
+          <a:p>
+            <a:r>
+              <a:rPr lang="bg-BG" dirty="0"/>
               <a:t>Можете да подадете </a:t>
             </a:r>
             <a:r>
-              <a:rPr lang="bg-BG" b="1" dirty="0" smtClean="0"/>
+              <a:rPr lang="bg-BG" b="1" dirty="0"/>
               <a:t>различен </a:t>
             </a:r>
             <a:r>
-              <a:rPr lang="bg-BG" b="1" dirty="0" smtClean="0">
+              <a:rPr lang="bg-BG" b="1" dirty="0">
                 <a:solidFill>
                   <a:schemeClr val="bg1"/>
                 </a:solidFill>
@@ -7938,7 +7894,7 @@
           <a:lstStyle/>
           <a:p>
             <a:r>
-              <a:rPr lang="bg-BG" dirty="0" smtClean="0"/>
+              <a:rPr lang="bg-BG" dirty="0"/>
               <a:t>Създаване на списък от текст</a:t>
             </a:r>
             <a:endParaRPr lang="en-US" dirty="0"/>
@@ -7992,7 +7948,7 @@
               <a:buSzPct val="70000"/>
             </a:pPr>
             <a:r>
-              <a:rPr lang="en-US" sz="2400" b="1" dirty="0" smtClean="0">
+              <a:rPr lang="en-US" sz="2400" b="1" dirty="0">
                 <a:latin typeface="Consolas" panose="020B0609020204030204" pitchFamily="49" charset="0"/>
               </a:rPr>
               <a:t>some_text = "a b c"</a:t>
@@ -8012,13 +7968,13 @@
               <a:buSzPct val="70000"/>
             </a:pPr>
             <a:r>
-              <a:rPr lang="en-US" sz="2400" b="1" dirty="0" smtClean="0">
+              <a:rPr lang="en-US" sz="2400" b="1" dirty="0">
                 <a:latin typeface="Consolas" panose="020B0609020204030204" pitchFamily="49" charset="0"/>
               </a:rPr>
               <a:t>my_list = some_text.</a:t>
             </a:r>
             <a:r>
-              <a:rPr lang="en-US" sz="2400" b="1" dirty="0" smtClean="0">
+              <a:rPr lang="en-US" sz="2400" b="1" dirty="0">
                 <a:solidFill>
                   <a:schemeClr val="bg1"/>
                 </a:solidFill>
@@ -8027,13 +7983,13 @@
               <a:t>split(</a:t>
             </a:r>
             <a:r>
-              <a:rPr lang="en-US" sz="2400" b="1" dirty="0" smtClean="0">
+              <a:rPr lang="en-US" sz="2400" b="1" dirty="0">
                 <a:latin typeface="Consolas" panose="020B0609020204030204" pitchFamily="49" charset="0"/>
               </a:rPr>
               <a:t>" "</a:t>
             </a:r>
             <a:r>
-              <a:rPr lang="en-US" sz="2400" b="1" dirty="0" smtClean="0">
+              <a:rPr lang="en-US" sz="2400" b="1" dirty="0">
                 <a:solidFill>
                   <a:schemeClr val="bg1"/>
                 </a:solidFill>
@@ -8056,13 +8012,13 @@
               <a:buSzPct val="70000"/>
             </a:pPr>
             <a:r>
-              <a:rPr lang="en-US" sz="2400" b="1" dirty="0" smtClean="0">
+              <a:rPr lang="en-US" sz="2400" b="1" dirty="0">
                 <a:latin typeface="Consolas" panose="020B0609020204030204" pitchFamily="49" charset="0"/>
               </a:rPr>
               <a:t>print(my_list) </a:t>
             </a:r>
             <a:r>
-              <a:rPr lang="en-US" sz="2400" b="1" i="1" dirty="0" smtClean="0">
+              <a:rPr lang="en-US" sz="2400" b="1" i="1" dirty="0">
                 <a:solidFill>
                   <a:schemeClr val="accent2"/>
                 </a:solidFill>
@@ -8070,12 +8026,6 @@
               </a:rPr>
               <a:t># ['a', 'b', 'c']</a:t>
             </a:r>
-            <a:endParaRPr lang="en-US" sz="2400" b="1" i="1" dirty="0">
-              <a:solidFill>
-                <a:schemeClr val="accent2"/>
-              </a:solidFill>
-              <a:latin typeface="Consolas" panose="020B0609020204030204" pitchFamily="49" charset="0"/>
-            </a:endParaRPr>
           </a:p>
         </p:txBody>
       </p:sp>
@@ -8151,22 +8101,7 @@
                   </a:outerShdw>
                 </a:effectLst>
               </a:rPr>
-              <a:t>Р</a:t>
-            </a:r>
-            <a:r>
-              <a:rPr lang="bg-BG" sz="2800" b="1" dirty="0" smtClean="0">
-                <a:solidFill>
-                  <a:srgbClr val="FFFFFF"/>
-                </a:solidFill>
-                <a:effectLst>
-                  <a:outerShdw blurRad="38100" dist="38100" dir="2700000" algn="tl">
-                    <a:srgbClr val="000000">
-                      <a:alpha val="43137"/>
-                    </a:srgbClr>
-                  </a:outerShdw>
-                </a:effectLst>
-              </a:rPr>
-              <a:t>азделител</a:t>
+              <a:t>Разделител</a:t>
             </a:r>
             <a:endParaRPr lang="en-US" sz="2800" b="1" dirty="0">
               <a:solidFill>
@@ -8230,31 +8165,31 @@
               <a:buSzPct val="70000"/>
             </a:pPr>
             <a:r>
-              <a:rPr lang="en-US" sz="2400" b="1" dirty="0" smtClean="0">
+              <a:rPr lang="en-US" sz="2400" b="1" dirty="0">
                 <a:latin typeface="Consolas" panose="020B0609020204030204" pitchFamily="49" charset="0"/>
               </a:rPr>
               <a:t>some_text = "a</a:t>
             </a:r>
             <a:r>
-              <a:rPr lang="bg-BG" sz="2400" b="1" dirty="0" smtClean="0">
+              <a:rPr lang="bg-BG" sz="2400" b="1" dirty="0">
                 <a:latin typeface="Consolas" panose="020B0609020204030204" pitchFamily="49" charset="0"/>
               </a:rPr>
               <a:t>,</a:t>
             </a:r>
             <a:r>
-              <a:rPr lang="en-US" sz="2400" b="1" dirty="0" smtClean="0">
+              <a:rPr lang="en-US" sz="2400" b="1" dirty="0">
                 <a:latin typeface="Consolas" panose="020B0609020204030204" pitchFamily="49" charset="0"/>
               </a:rPr>
               <a:t> b</a:t>
             </a:r>
             <a:r>
-              <a:rPr lang="bg-BG" sz="2400" b="1" dirty="0" smtClean="0">
+              <a:rPr lang="bg-BG" sz="2400" b="1" dirty="0">
                 <a:latin typeface="Consolas" panose="020B0609020204030204" pitchFamily="49" charset="0"/>
               </a:rPr>
               <a:t>,</a:t>
             </a:r>
             <a:r>
-              <a:rPr lang="en-US" sz="2400" b="1" dirty="0" smtClean="0">
+              <a:rPr lang="en-US" sz="2400" b="1" dirty="0">
                 <a:latin typeface="Consolas" panose="020B0609020204030204" pitchFamily="49" charset="0"/>
               </a:rPr>
               <a:t> c"</a:t>
@@ -8274,13 +8209,13 @@
               <a:buSzPct val="70000"/>
             </a:pPr>
             <a:r>
-              <a:rPr lang="en-US" sz="2400" b="1" dirty="0" smtClean="0">
+              <a:rPr lang="en-US" sz="2400" b="1" dirty="0">
                 <a:latin typeface="Consolas" panose="020B0609020204030204" pitchFamily="49" charset="0"/>
               </a:rPr>
               <a:t>my_list = some_text.</a:t>
             </a:r>
             <a:r>
-              <a:rPr lang="en-US" sz="2400" b="1" dirty="0" smtClean="0">
+              <a:rPr lang="en-US" sz="2400" b="1" dirty="0">
                 <a:solidFill>
                   <a:schemeClr val="bg1"/>
                 </a:solidFill>
@@ -8289,13 +8224,13 @@
               <a:t>split(</a:t>
             </a:r>
             <a:r>
-              <a:rPr lang="en-US" sz="2400" b="1" dirty="0" smtClean="0">
+              <a:rPr lang="en-US" sz="2400" b="1" dirty="0">
                 <a:latin typeface="Consolas" panose="020B0609020204030204" pitchFamily="49" charset="0"/>
               </a:rPr>
               <a:t>"</a:t>
             </a:r>
             <a:r>
-              <a:rPr lang="bg-BG" sz="2400" b="1" dirty="0" smtClean="0">
+              <a:rPr lang="bg-BG" sz="2400" b="1" dirty="0">
                 <a:solidFill>
                   <a:schemeClr val="bg1"/>
                 </a:solidFill>
@@ -8304,13 +8239,13 @@
               <a:t>,</a:t>
             </a:r>
             <a:r>
-              <a:rPr lang="en-US" sz="2400" b="1" dirty="0" smtClean="0">
+              <a:rPr lang="en-US" sz="2400" b="1" dirty="0">
                 <a:latin typeface="Consolas" panose="020B0609020204030204" pitchFamily="49" charset="0"/>
               </a:rPr>
               <a:t> "</a:t>
             </a:r>
             <a:r>
-              <a:rPr lang="en-US" sz="2400" b="1" dirty="0" smtClean="0">
+              <a:rPr lang="en-US" sz="2400" b="1" dirty="0">
                 <a:solidFill>
                   <a:schemeClr val="bg1"/>
                 </a:solidFill>
@@ -8333,13 +8268,13 @@
               <a:buSzPct val="70000"/>
             </a:pPr>
             <a:r>
-              <a:rPr lang="en-US" sz="2400" b="1" dirty="0" smtClean="0">
+              <a:rPr lang="en-US" sz="2400" b="1" dirty="0">
                 <a:latin typeface="Consolas" panose="020B0609020204030204" pitchFamily="49" charset="0"/>
               </a:rPr>
               <a:t>print(my_list) </a:t>
             </a:r>
             <a:r>
-              <a:rPr lang="en-US" sz="2400" b="1" i="1" dirty="0" smtClean="0">
+              <a:rPr lang="en-US" sz="2400" b="1" i="1" dirty="0">
                 <a:solidFill>
                   <a:schemeClr val="accent2"/>
                 </a:solidFill>
@@ -8347,12 +8282,6 @@
               </a:rPr>
               <a:t># ['a', 'b', 'c']</a:t>
             </a:r>
-            <a:endParaRPr lang="en-US" sz="2400" b="1" i="1" dirty="0">
-              <a:solidFill>
-                <a:schemeClr val="accent2"/>
-              </a:solidFill>
-              <a:latin typeface="Consolas" panose="020B0609020204030204" pitchFamily="49" charset="0"/>
-            </a:endParaRPr>
           </a:p>
         </p:txBody>
       </p:sp>
@@ -8662,16 +8591,12 @@
               <a:t>Можете да създадете </a:t>
             </a:r>
             <a:r>
-              <a:rPr lang="ru-RU" b="1" dirty="0" smtClean="0"/>
+              <a:rPr lang="ru-RU" b="1" dirty="0"/>
               <a:t>текст</a:t>
             </a:r>
             <a:r>
-              <a:rPr lang="ru-RU" dirty="0" smtClean="0"/>
-              <a:t> </a:t>
-            </a:r>
-            <a:r>
               <a:rPr lang="ru-RU" dirty="0"/>
-              <a:t>от </a:t>
+              <a:t> от </a:t>
             </a:r>
             <a:r>
               <a:rPr lang="ru-RU" b="1" dirty="0"/>
@@ -8695,23 +8620,8 @@
                   <a:schemeClr val="bg1"/>
                 </a:solidFill>
               </a:rPr>
-              <a:t>string.join</a:t>
-            </a:r>
-            <a:r>
-              <a:rPr lang="ru-RU" b="1" dirty="0" smtClean="0">
-                <a:solidFill>
-                  <a:schemeClr val="bg1"/>
-                </a:solidFill>
-              </a:rPr>
-              <a:t>()</a:t>
-            </a:r>
-            <a:endParaRPr lang="en-US" b="1" dirty="0" smtClean="0">
-              <a:solidFill>
-                <a:schemeClr val="bg1"/>
-              </a:solidFill>
-            </a:endParaRPr>
-          </a:p>
-          <a:p>
+              <a:t>string.join()</a:t>
+            </a:r>
             <a:endParaRPr lang="en-US" b="1" dirty="0">
               <a:solidFill>
                 <a:schemeClr val="bg1"/>
@@ -8719,19 +8629,26 @@
             </a:endParaRPr>
           </a:p>
           <a:p>
-            <a:endParaRPr lang="bg-BG" b="1" dirty="0" smtClean="0">
+            <a:endParaRPr lang="en-US" b="1" dirty="0">
               <a:solidFill>
                 <a:schemeClr val="bg1"/>
               </a:solidFill>
             </a:endParaRPr>
           </a:p>
           <a:p>
-            <a:r>
-              <a:rPr lang="bg-BG" dirty="0" smtClean="0"/>
+            <a:endParaRPr lang="bg-BG" b="1" dirty="0">
+              <a:solidFill>
+                <a:schemeClr val="bg1"/>
+              </a:solidFill>
+            </a:endParaRPr>
+          </a:p>
+          <a:p>
+            <a:r>
+              <a:rPr lang="bg-BG" dirty="0"/>
               <a:t>Резултатър от </a:t>
             </a:r>
             <a:r>
-              <a:rPr lang="en-US" b="1" dirty="0" smtClean="0">
+              <a:rPr lang="en-US" b="1" dirty="0">
                 <a:solidFill>
                   <a:schemeClr val="bg1"/>
                 </a:solidFill>
@@ -8739,46 +8656,46 @@
               <a:t>join</a:t>
             </a:r>
             <a:r>
-              <a:rPr lang="en-US" dirty="0" smtClean="0"/>
+              <a:rPr lang="en-US" dirty="0"/>
               <a:t> </a:t>
             </a:r>
             <a:r>
-              <a:rPr lang="bg-BG" b="1" dirty="0" smtClean="0"/>
+              <a:rPr lang="bg-BG" b="1" dirty="0"/>
               <a:t>функцията</a:t>
             </a:r>
             <a:r>
-              <a:rPr lang="bg-BG" dirty="0" smtClean="0"/>
+              <a:rPr lang="bg-BG" dirty="0"/>
               <a:t> винаги е </a:t>
             </a:r>
             <a:r>
-              <a:rPr lang="bg-BG" b="1" dirty="0" smtClean="0"/>
+              <a:rPr lang="bg-BG" b="1" dirty="0"/>
               <a:t>текст</a:t>
             </a:r>
             <a:r>
-              <a:rPr lang="bg-BG" dirty="0" smtClean="0"/>
+              <a:rPr lang="bg-BG" dirty="0"/>
               <a:t> (</a:t>
             </a:r>
             <a:r>
-              <a:rPr lang="en-US" b="1" dirty="0" smtClean="0"/>
+              <a:rPr lang="en-US" b="1" dirty="0"/>
               <a:t>string</a:t>
             </a:r>
             <a:r>
-              <a:rPr lang="bg-BG" dirty="0" smtClean="0"/>
+              <a:rPr lang="bg-BG" dirty="0"/>
               <a:t>)</a:t>
             </a:r>
-            <a:endParaRPr lang="en-US" dirty="0" smtClean="0"/>
-          </a:p>
-          <a:p>
-            <a:r>
-              <a:rPr lang="bg-BG" dirty="0" smtClean="0"/>
+            <a:endParaRPr lang="en-US" dirty="0"/>
+          </a:p>
+          <a:p>
+            <a:r>
+              <a:rPr lang="bg-BG" dirty="0"/>
               <a:t>В </a:t>
             </a:r>
             <a:r>
-              <a:rPr lang="en-US" dirty="0" smtClean="0"/>
+              <a:rPr lang="en-US" dirty="0"/>
               <a:t>Python </a:t>
             </a:r>
             <a:r>
-              <a:rPr lang="en-US" b="1" dirty="0" smtClean="0">
+              <a:rPr lang="en-US" b="1" dirty="0">
                 <a:solidFill>
                   <a:schemeClr val="bg1"/>
                 </a:solidFill>
@@ -8786,15 +8703,15 @@
               <a:t>join</a:t>
             </a:r>
             <a:r>
-              <a:rPr lang="en-US" dirty="0" smtClean="0"/>
+              <a:rPr lang="en-US" dirty="0"/>
               <a:t> </a:t>
             </a:r>
             <a:r>
-              <a:rPr lang="bg-BG" dirty="0" smtClean="0"/>
+              <a:rPr lang="bg-BG" dirty="0"/>
               <a:t>може да се използва само при </a:t>
             </a:r>
             <a:r>
-              <a:rPr lang="bg-BG" b="1" dirty="0" smtClean="0"/>
+              <a:rPr lang="bg-BG" b="1" dirty="0"/>
               <a:t>списъци с текст</a:t>
             </a:r>
             <a:endParaRPr lang="en-US" b="1" dirty="0"/>
@@ -8818,11 +8735,7 @@
           <a:p>
             <a:r>
               <a:rPr lang="ru-RU" dirty="0"/>
-              <a:t>Обединяване на списъци в </a:t>
-            </a:r>
-            <a:r>
-              <a:rPr lang="ru-RU" dirty="0" smtClean="0"/>
-              <a:t>текст</a:t>
+              <a:t>Обединяване на списъци в текст</a:t>
             </a:r>
             <a:endParaRPr lang="en-US" dirty="0"/>
           </a:p>
@@ -8875,12 +8788,12 @@
               <a:buSzPct val="70000"/>
             </a:pPr>
             <a:r>
-              <a:rPr lang="en-US" sz="2400" b="1" dirty="0" smtClean="0">
+              <a:rPr lang="en-US" sz="2400" b="1" dirty="0">
                 <a:latin typeface="Consolas" panose="020B0609020204030204" pitchFamily="49" charset="0"/>
               </a:rPr>
               <a:t>my_list = ["a", "b", "c"]</a:t>
             </a:r>
-            <a:endParaRPr lang="bg-BG" sz="2400" b="1" dirty="0" smtClean="0">
+            <a:endParaRPr lang="bg-BG" sz="2400" b="1" dirty="0">
               <a:latin typeface="Consolas" panose="020B0609020204030204" pitchFamily="49" charset="0"/>
             </a:endParaRPr>
           </a:p>
@@ -8898,40 +8811,28 @@
               <a:buSzPct val="70000"/>
             </a:pPr>
             <a:r>
-              <a:rPr lang="en-US" sz="2400" b="1" dirty="0" smtClean="0">
-                <a:latin typeface="Consolas" panose="020B0609020204030204" pitchFamily="49" charset="0"/>
-              </a:rPr>
-              <a:t>print(</a:t>
-            </a:r>
-            <a:r>
-              <a:rPr lang="en-US" sz="2400" b="1" dirty="0" smtClean="0">
-                <a:solidFill>
-                  <a:schemeClr val="bg1"/>
-                </a:solidFill>
-                <a:latin typeface="Consolas" panose="020B0609020204030204" pitchFamily="49" charset="0"/>
-              </a:rPr>
-              <a:t>"-".join</a:t>
-            </a:r>
-            <a:r>
-              <a:rPr lang="en-US" sz="2400" b="1" dirty="0" smtClean="0">
-                <a:latin typeface="Consolas" panose="020B0609020204030204" pitchFamily="49" charset="0"/>
-              </a:rPr>
-              <a:t>(</a:t>
-            </a:r>
-            <a:r>
               <a:rPr lang="en-US" sz="2400" b="1" dirty="0">
                 <a:latin typeface="Consolas" panose="020B0609020204030204" pitchFamily="49" charset="0"/>
               </a:rPr>
-              <a:t>my_list</a:t>
-            </a:r>
-            <a:r>
-              <a:rPr lang="en-US" sz="2400" b="1" dirty="0" smtClean="0">
+              <a:t>print(</a:t>
+            </a:r>
+            <a:r>
+              <a:rPr lang="en-US" sz="2400" b="1" dirty="0">
+                <a:solidFill>
+                  <a:schemeClr val="bg1"/>
+                </a:solidFill>
                 <a:latin typeface="Consolas" panose="020B0609020204030204" pitchFamily="49" charset="0"/>
               </a:rPr>
-              <a:t>)) </a:t>
-            </a:r>
-            <a:r>
-              <a:rPr lang="en-US" sz="2400" b="1" i="1" dirty="0" smtClean="0">
+              <a:t>"-".join</a:t>
+            </a:r>
+            <a:r>
+              <a:rPr lang="en-US" sz="2400" b="1" dirty="0">
+                <a:latin typeface="Consolas" panose="020B0609020204030204" pitchFamily="49" charset="0"/>
+              </a:rPr>
+              <a:t>(my_list)) </a:t>
+            </a:r>
+            <a:r>
+              <a:rPr lang="en-US" sz="2400" b="1" i="1" dirty="0">
                 <a:solidFill>
                   <a:schemeClr val="accent2"/>
                 </a:solidFill>
@@ -8939,12 +8840,6 @@
               </a:rPr>
               <a:t># a-b-c</a:t>
             </a:r>
-            <a:endParaRPr lang="en-US" sz="2400" b="1" i="1" dirty="0">
-              <a:solidFill>
-                <a:schemeClr val="accent2"/>
-              </a:solidFill>
-              <a:latin typeface="Consolas" panose="020B0609020204030204" pitchFamily="49" charset="0"/>
-            </a:endParaRPr>
           </a:p>
         </p:txBody>
       </p:sp>
@@ -8995,13 +8890,13 @@
               <a:buSzPct val="70000"/>
             </a:pPr>
             <a:r>
-              <a:rPr lang="en-US" sz="2400" b="1" dirty="0" smtClean="0">
+              <a:rPr lang="en-US" sz="2400" b="1" dirty="0">
                 <a:latin typeface="Consolas" panose="020B0609020204030204" pitchFamily="49" charset="0"/>
               </a:rPr>
               <a:t>print(</a:t>
             </a:r>
             <a:r>
-              <a:rPr lang="en-US" sz="2400" b="1" dirty="0" smtClean="0">
+              <a:rPr lang="en-US" sz="2400" b="1" dirty="0">
                 <a:solidFill>
                   <a:schemeClr val="bg1"/>
                 </a:solidFill>
@@ -9010,13 +8905,13 @@
               <a:t>"-".join</a:t>
             </a:r>
             <a:r>
-              <a:rPr lang="en-US" sz="2400" b="1" dirty="0" smtClean="0">
+              <a:rPr lang="en-US" sz="2400" b="1" dirty="0">
                 <a:latin typeface="Consolas" panose="020B0609020204030204" pitchFamily="49" charset="0"/>
               </a:rPr>
               <a:t>([1, 2, 3])) </a:t>
             </a:r>
             <a:r>
-              <a:rPr lang="en-US" sz="2400" b="1" i="1" dirty="0" smtClean="0">
+              <a:rPr lang="en-US" sz="2400" b="1" i="1" dirty="0">
                 <a:solidFill>
                   <a:schemeClr val="accent2"/>
                 </a:solidFill>
@@ -9024,12 +8919,6 @@
               </a:rPr>
               <a:t># error</a:t>
             </a:r>
-            <a:endParaRPr lang="en-US" sz="2400" b="1" i="1" dirty="0">
-              <a:solidFill>
-                <a:schemeClr val="accent2"/>
-              </a:solidFill>
-              <a:latin typeface="Consolas" panose="020B0609020204030204" pitchFamily="49" charset="0"/>
-            </a:endParaRPr>
           </a:p>
         </p:txBody>
       </p:sp>
@@ -9093,7 +8982,7 @@
           <a:p>
             <a:pPr algn="ctr"/>
             <a:r>
-              <a:rPr lang="bg-BG" sz="2800" b="1" dirty="0" smtClean="0">
+              <a:rPr lang="bg-BG" sz="2800" b="1" dirty="0">
                 <a:solidFill>
                   <a:srgbClr val="FFFFFF"/>
                 </a:solidFill>
@@ -9444,7 +9333,7 @@
           <a:lstStyle/>
           <a:p>
             <a:r>
-              <a:rPr lang="bg-BG" dirty="0" smtClean="0"/>
+              <a:rPr lang="bg-BG" dirty="0"/>
               <a:t>Използване на индексите на отделните елементи</a:t>
             </a:r>
             <a:endParaRPr lang="en-US" dirty="0"/>
@@ -9468,11 +9357,7 @@
           <a:p>
             <a:r>
               <a:rPr lang="bg-BG" dirty="0"/>
-              <a:t>Достъпване на </a:t>
-            </a:r>
-            <a:r>
-              <a:rPr lang="bg-BG" dirty="0" smtClean="0"/>
-              <a:t>елементи</a:t>
+              <a:t>Достъпване на елементи</a:t>
             </a:r>
             <a:endParaRPr lang="en-US" dirty="0"/>
           </a:p>
@@ -9516,18 +9401,13 @@
               <a:buSzPct val="70000"/>
             </a:pPr>
             <a:r>
-              <a:rPr lang="en-US" sz="7200" dirty="0" smtClean="0">
+              <a:rPr lang="en-US" sz="7200" dirty="0">
                 <a:solidFill>
                   <a:schemeClr val="bg2"/>
                 </a:solidFill>
               </a:rPr>
               <a:t>[index]</a:t>
             </a:r>
-            <a:endParaRPr lang="en-US" sz="7200" dirty="0">
-              <a:solidFill>
-                <a:schemeClr val="bg2"/>
-              </a:solidFill>
-            </a:endParaRPr>
           </a:p>
         </p:txBody>
       </p:sp>
@@ -9549,13 +9429,6 @@
       <p:transition spd="slow" advClick="0" advTm="5000"/>
     </mc:Fallback>
   </mc:AlternateContent>
-  <p:timing>
-    <p:tnLst>
-      <p:par>
-        <p:cTn id="1" dur="indefinite" restart="never" nodeType="tmRoot"/>
-      </p:par>
-    </p:tnLst>
-  </p:timing>
 </p:sld>
 </file>
 
@@ -9605,38 +9478,30 @@
             </a:r>
             <a:r>
               <a:rPr lang="ru-RU" dirty="0"/>
-              <a:t>, за да получите елемент </a:t>
-            </a:r>
-            <a:r>
-              <a:rPr lang="ru-RU" dirty="0" smtClean="0"/>
-              <a:t>по</a:t>
-            </a:r>
-            <a:r>
-              <a:rPr lang="en-US" dirty="0" smtClean="0"/>
+              <a:t>, за да получите елемент по</a:t>
+            </a:r>
+            <a:r>
+              <a:rPr lang="en-US" dirty="0"/>
               <a:t> </a:t>
             </a:r>
             <a:r>
-              <a:rPr lang="bg-BG" dirty="0" smtClean="0"/>
+              <a:rPr lang="bg-BG" dirty="0"/>
               <a:t>неговия</a:t>
             </a:r>
             <a:r>
-              <a:rPr lang="ru-RU" dirty="0" smtClean="0"/>
+              <a:rPr lang="ru-RU" dirty="0"/>
               <a:t> </a:t>
             </a:r>
             <a:r>
-              <a:rPr lang="ru-RU" b="1" dirty="0" smtClean="0"/>
+              <a:rPr lang="ru-RU" b="1" dirty="0"/>
               <a:t>индекс</a:t>
             </a:r>
-            <a:endParaRPr lang="en-US" b="1" dirty="0" smtClean="0"/>
-          </a:p>
-          <a:p>
-            <a:r>
-              <a:rPr lang="ru-RU" dirty="0" smtClean="0"/>
-              <a:t>Индексите </a:t>
-            </a:r>
+            <a:endParaRPr lang="en-US" b="1" dirty="0"/>
+          </a:p>
+          <a:p>
             <a:r>
               <a:rPr lang="ru-RU" dirty="0"/>
-              <a:t>описват </a:t>
+              <a:t>Индексите описват </a:t>
             </a:r>
             <a:r>
               <a:rPr lang="ru-RU" b="1" dirty="0"/>
@@ -9644,17 +9509,13 @@
             </a:r>
             <a:r>
               <a:rPr lang="ru-RU" dirty="0"/>
-              <a:t> на даден </a:t>
-            </a:r>
-            <a:r>
-              <a:rPr lang="ru-RU" dirty="0" smtClean="0"/>
-              <a:t>елемент</a:t>
-            </a:r>
-            <a:endParaRPr lang="en-US" dirty="0" smtClean="0"/>
-          </a:p>
-          <a:p>
-            <a:r>
-              <a:rPr lang="ru-RU" dirty="0" smtClean="0"/>
+              <a:t> на даден елемент</a:t>
+            </a:r>
+            <a:endParaRPr lang="en-US" dirty="0"/>
+          </a:p>
+          <a:p>
+            <a:r>
+              <a:rPr lang="ru-RU" dirty="0"/>
               <a:t>Винаги </a:t>
             </a:r>
             <a:r>
@@ -9697,7 +9558,7 @@
           <a:lstStyle/>
           <a:p>
             <a:r>
-              <a:rPr lang="bg-BG" dirty="0" smtClean="0"/>
+              <a:rPr lang="bg-BG" dirty="0"/>
               <a:t>Използване на индекси</a:t>
             </a:r>
             <a:endParaRPr lang="en-US" dirty="0"/>
@@ -9751,7 +9612,7 @@
               <a:buSzPct val="70000"/>
             </a:pPr>
             <a:r>
-              <a:rPr lang="en-US" sz="2400" b="1" dirty="0" smtClean="0">
+              <a:rPr lang="en-US" sz="2400" b="1" dirty="0">
                 <a:latin typeface="Consolas" panose="020B0609020204030204" pitchFamily="49" charset="0"/>
               </a:rPr>
               <a:t>list_of_numbers = [1, 6, 9]</a:t>
@@ -9774,31 +9635,25 @@
               <a:rPr lang="en-US" sz="2400" b="1" dirty="0">
                 <a:latin typeface="Consolas" panose="020B0609020204030204" pitchFamily="49" charset="0"/>
               </a:rPr>
-              <a:t>p</a:t>
-            </a:r>
-            <a:r>
-              <a:rPr lang="en-US" sz="2400" b="1" dirty="0" smtClean="0">
+              <a:t>print(list_of_numbers</a:t>
+            </a:r>
+            <a:r>
+              <a:rPr lang="en-US" sz="2400" b="1" dirty="0">
+                <a:solidFill>
+                  <a:schemeClr val="bg1"/>
+                </a:solidFill>
                 <a:latin typeface="Consolas" panose="020B0609020204030204" pitchFamily="49" charset="0"/>
               </a:rPr>
-              <a:t>rint(list_of_numbers</a:t>
-            </a:r>
-            <a:r>
-              <a:rPr lang="en-US" sz="2400" b="1" dirty="0" smtClean="0">
-                <a:solidFill>
-                  <a:schemeClr val="bg1"/>
-                </a:solidFill>
+              <a:t>[0]</a:t>
+            </a:r>
+            <a:r>
+              <a:rPr lang="en-US" sz="2400" b="1" dirty="0">
                 <a:latin typeface="Consolas" panose="020B0609020204030204" pitchFamily="49" charset="0"/>
               </a:rPr>
-              <a:t>[0]</a:t>
-            </a:r>
-            <a:r>
-              <a:rPr lang="en-US" sz="2400" b="1" dirty="0" smtClean="0">
-                <a:latin typeface="Consolas" panose="020B0609020204030204" pitchFamily="49" charset="0"/>
-              </a:rPr>
               <a:t>) </a:t>
             </a:r>
             <a:r>
-              <a:rPr lang="en-US" sz="2400" b="1" i="1" dirty="0" smtClean="0">
+              <a:rPr lang="en-US" sz="2400" b="1" i="1" dirty="0">
                 <a:solidFill>
                   <a:schemeClr val="accent2"/>
                 </a:solidFill>
@@ -9821,13 +9676,13 @@
               <a:buSzPct val="70000"/>
             </a:pPr>
             <a:r>
-              <a:rPr lang="en-US" sz="2400" b="1" dirty="0" smtClean="0">
+              <a:rPr lang="en-US" sz="2400" b="1" dirty="0">
                 <a:latin typeface="Consolas" panose="020B0609020204030204" pitchFamily="49" charset="0"/>
               </a:rPr>
               <a:t>print(list_of_numbers</a:t>
             </a:r>
             <a:r>
-              <a:rPr lang="en-US" sz="2400" b="1" dirty="0" smtClean="0">
+              <a:rPr lang="en-US" sz="2400" b="1" dirty="0">
                 <a:solidFill>
                   <a:schemeClr val="bg1"/>
                 </a:solidFill>
@@ -9836,13 +9691,13 @@
               <a:t>[1]</a:t>
             </a:r>
             <a:r>
-              <a:rPr lang="en-US" sz="2400" b="1" dirty="0" smtClean="0">
+              <a:rPr lang="en-US" sz="2400" b="1" dirty="0">
                 <a:latin typeface="Consolas" panose="020B0609020204030204" pitchFamily="49" charset="0"/>
               </a:rPr>
               <a:t>) </a:t>
             </a:r>
             <a:r>
-              <a:rPr lang="en-US" sz="2400" b="1" i="1" dirty="0" smtClean="0">
+              <a:rPr lang="en-US" sz="2400" b="1" i="1" dirty="0">
                 <a:solidFill>
                   <a:schemeClr val="accent2"/>
                 </a:solidFill>
@@ -9871,13 +9726,13 @@
               <a:buSzPct val="70000"/>
             </a:pPr>
             <a:r>
-              <a:rPr lang="en-US" sz="2400" b="1" dirty="0" smtClean="0">
+              <a:rPr lang="en-US" sz="2400" b="1" dirty="0">
                 <a:latin typeface="Consolas" panose="020B0609020204030204" pitchFamily="49" charset="0"/>
               </a:rPr>
               <a:t>print(list_of_numbers</a:t>
             </a:r>
             <a:r>
-              <a:rPr lang="en-US" sz="2400" b="1" dirty="0" smtClean="0">
+              <a:rPr lang="en-US" sz="2400" b="1" dirty="0">
                 <a:solidFill>
                   <a:schemeClr val="bg1"/>
                 </a:solidFill>
@@ -9886,13 +9741,13 @@
               <a:t>[2]</a:t>
             </a:r>
             <a:r>
-              <a:rPr lang="en-US" sz="2400" b="1" dirty="0" smtClean="0">
+              <a:rPr lang="en-US" sz="2400" b="1" dirty="0">
                 <a:latin typeface="Consolas" panose="020B0609020204030204" pitchFamily="49" charset="0"/>
               </a:rPr>
               <a:t>) </a:t>
             </a:r>
             <a:r>
-              <a:rPr lang="en-US" sz="2400" b="1" i="1" dirty="0" smtClean="0">
+              <a:rPr lang="en-US" sz="2400" b="1" i="1" dirty="0">
                 <a:solidFill>
                   <a:schemeClr val="accent2"/>
                 </a:solidFill>
@@ -10357,19 +10212,19 @@
               <a:t> можете да използвате </a:t>
             </a:r>
             <a:r>
-              <a:rPr lang="ru-RU" b="1" dirty="0" smtClean="0"/>
+              <a:rPr lang="ru-RU" b="1" dirty="0"/>
               <a:t>отрицателния</a:t>
             </a:r>
             <a:r>
-              <a:rPr lang="en-US" dirty="0" smtClean="0"/>
+              <a:rPr lang="en-US" dirty="0"/>
               <a:t> </a:t>
             </a:r>
             <a:r>
-              <a:rPr lang="ru-RU" b="1" dirty="0" smtClean="0"/>
+              <a:rPr lang="ru-RU" b="1" dirty="0"/>
               <a:t>знак</a:t>
             </a:r>
             <a:r>
-              <a:rPr lang="en-US" b="1" dirty="0" smtClean="0"/>
+              <a:rPr lang="en-US" b="1" dirty="0"/>
               <a:t> </a:t>
             </a:r>
             <a:r>
@@ -10385,27 +10240,15 @@
               <a:t>")</a:t>
             </a:r>
             <a:r>
-              <a:rPr lang="ru-RU" dirty="0" smtClean="0"/>
-              <a:t> </a:t>
-            </a:r>
-            <a:r>
               <a:rPr lang="ru-RU" dirty="0"/>
-              <a:t>за достъп до </a:t>
-            </a:r>
-            <a:r>
-              <a:rPr lang="ru-RU" dirty="0" smtClean="0"/>
-              <a:t>елемент</a:t>
-            </a:r>
-            <a:endParaRPr lang="en-US" dirty="0" smtClean="0"/>
-          </a:p>
-          <a:p>
-            <a:r>
-              <a:rPr lang="ru-RU" dirty="0" smtClean="0"/>
-              <a:t>Отрицателният </a:t>
-            </a:r>
+              <a:t> за достъп до елемент</a:t>
+            </a:r>
+            <a:endParaRPr lang="en-US" dirty="0"/>
+          </a:p>
+          <a:p>
             <a:r>
               <a:rPr lang="ru-RU" dirty="0"/>
-              <a:t>знак ще започне да брои от </a:t>
+              <a:t>Отрицателният знак ще започне да брои от </a:t>
             </a:r>
             <a:r>
               <a:rPr lang="ru-RU" b="1" dirty="0"/>
@@ -10431,7 +10274,7 @@
           <a:lstStyle/>
           <a:p>
             <a:r>
-              <a:rPr lang="bg-BG" dirty="0" smtClean="0"/>
+              <a:rPr lang="bg-BG" dirty="0"/>
               <a:t>Използване на "–"</a:t>
             </a:r>
             <a:endParaRPr lang="en-US" dirty="0"/>
@@ -10485,26 +10328,11 @@
               <a:buSzPct val="70000"/>
             </a:pPr>
             <a:r>
-              <a:rPr lang="en-US" sz="2400" b="1" dirty="0" smtClean="0">
-                <a:latin typeface="Consolas" panose="020B0609020204030204" pitchFamily="49" charset="0"/>
-              </a:rPr>
-              <a:t>my_pets = ["</a:t>
-            </a:r>
-            <a:r>
               <a:rPr lang="en-US" sz="2400" b="1" dirty="0">
                 <a:latin typeface="Consolas" panose="020B0609020204030204" pitchFamily="49" charset="0"/>
               </a:rPr>
-              <a:t>cat", </a:t>
-            </a:r>
-            <a:r>
-              <a:rPr lang="en-US" sz="2400" b="1" dirty="0" smtClean="0">
-                <a:latin typeface="Consolas" panose="020B0609020204030204" pitchFamily="49" charset="0"/>
-              </a:rPr>
-              <a:t>"dog", "parrot"]</a:t>
-            </a:r>
-            <a:endParaRPr lang="en-US" sz="2400" b="1" dirty="0" smtClean="0">
-              <a:latin typeface="Consolas" panose="020B0609020204030204" pitchFamily="49" charset="0"/>
-            </a:endParaRPr>
+              <a:t>my_pets = ["cat", "dog", "parrot"]</a:t>
+            </a:r>
           </a:p>
           <a:p>
             <a:pPr eaLnBrk="0" hangingPunct="0">
@@ -10520,19 +10348,13 @@
               <a:buSzPct val="70000"/>
             </a:pPr>
             <a:r>
-              <a:rPr lang="en-US" sz="2400" b="1" dirty="0" smtClean="0">
-                <a:latin typeface="Consolas" panose="020B0609020204030204" pitchFamily="49" charset="0"/>
-              </a:rPr>
-              <a:t>print(</a:t>
-            </a:r>
-            <a:r>
               <a:rPr lang="en-US" sz="2400" b="1" dirty="0">
                 <a:latin typeface="Consolas" panose="020B0609020204030204" pitchFamily="49" charset="0"/>
               </a:rPr>
-              <a:t>my_pets</a:t>
-            </a:r>
-            <a:r>
-              <a:rPr lang="en-US" sz="2400" b="1" dirty="0" smtClean="0">
+              <a:t>print(my_pets</a:t>
+            </a:r>
+            <a:r>
+              <a:rPr lang="en-US" sz="2400" b="1" dirty="0">
                 <a:solidFill>
                   <a:schemeClr val="bg1"/>
                 </a:solidFill>
@@ -10541,13 +10363,13 @@
               <a:t>[-1]</a:t>
             </a:r>
             <a:r>
-              <a:rPr lang="en-US" sz="2400" b="1" dirty="0" smtClean="0">
+              <a:rPr lang="en-US" sz="2400" b="1" dirty="0">
                 <a:latin typeface="Consolas" panose="020B0609020204030204" pitchFamily="49" charset="0"/>
               </a:rPr>
               <a:t>) </a:t>
             </a:r>
             <a:r>
-              <a:rPr lang="en-US" sz="2400" b="1" i="1" dirty="0" smtClean="0">
+              <a:rPr lang="en-US" sz="2400" b="1" i="1" dirty="0">
                 <a:solidFill>
                   <a:schemeClr val="accent2"/>
                 </a:solidFill>
@@ -10570,19 +10392,13 @@
               <a:buSzPct val="70000"/>
             </a:pPr>
             <a:r>
-              <a:rPr lang="en-US" sz="2400" b="1" dirty="0" smtClean="0">
-                <a:latin typeface="Consolas" panose="020B0609020204030204" pitchFamily="49" charset="0"/>
-              </a:rPr>
-              <a:t>print(</a:t>
-            </a:r>
-            <a:r>
               <a:rPr lang="en-US" sz="2400" b="1" dirty="0">
                 <a:latin typeface="Consolas" panose="020B0609020204030204" pitchFamily="49" charset="0"/>
               </a:rPr>
-              <a:t>my_pets</a:t>
-            </a:r>
-            <a:r>
-              <a:rPr lang="en-US" sz="2400" b="1" dirty="0" smtClean="0">
+              <a:t>print(my_pets</a:t>
+            </a:r>
+            <a:r>
+              <a:rPr lang="en-US" sz="2400" b="1" dirty="0">
                 <a:solidFill>
                   <a:schemeClr val="bg1"/>
                 </a:solidFill>
@@ -10591,13 +10407,13 @@
               <a:t>[-2]</a:t>
             </a:r>
             <a:r>
-              <a:rPr lang="en-US" sz="2400" b="1" dirty="0" smtClean="0">
+              <a:rPr lang="en-US" sz="2400" b="1" dirty="0">
                 <a:latin typeface="Consolas" panose="020B0609020204030204" pitchFamily="49" charset="0"/>
               </a:rPr>
               <a:t>) </a:t>
             </a:r>
             <a:r>
-              <a:rPr lang="en-US" sz="2400" b="1" i="1" dirty="0" smtClean="0">
+              <a:rPr lang="en-US" sz="2400" b="1" i="1" dirty="0">
                 <a:solidFill>
                   <a:schemeClr val="accent2"/>
                 </a:solidFill>
@@ -10626,19 +10442,13 @@
               <a:buSzPct val="70000"/>
             </a:pPr>
             <a:r>
-              <a:rPr lang="en-US" sz="2400" b="1" dirty="0" smtClean="0">
-                <a:latin typeface="Consolas" panose="020B0609020204030204" pitchFamily="49" charset="0"/>
-              </a:rPr>
-              <a:t>print(</a:t>
-            </a:r>
-            <a:r>
               <a:rPr lang="en-US" sz="2400" b="1" dirty="0">
                 <a:latin typeface="Consolas" panose="020B0609020204030204" pitchFamily="49" charset="0"/>
               </a:rPr>
-              <a:t>my_pets</a:t>
-            </a:r>
-            <a:r>
-              <a:rPr lang="en-US" sz="2400" b="1" dirty="0" smtClean="0">
+              <a:t>print(my_pets</a:t>
+            </a:r>
+            <a:r>
+              <a:rPr lang="en-US" sz="2400" b="1" dirty="0">
                 <a:solidFill>
                   <a:schemeClr val="bg1"/>
                 </a:solidFill>
@@ -10647,13 +10457,13 @@
               <a:t>[-3]</a:t>
             </a:r>
             <a:r>
-              <a:rPr lang="en-US" sz="2400" b="1" dirty="0" smtClean="0">
+              <a:rPr lang="en-US" sz="2400" b="1" dirty="0">
                 <a:latin typeface="Consolas" panose="020B0609020204030204" pitchFamily="49" charset="0"/>
               </a:rPr>
               <a:t>) </a:t>
             </a:r>
             <a:r>
-              <a:rPr lang="en-US" sz="2400" b="1" i="1" dirty="0" smtClean="0">
+              <a:rPr lang="en-US" sz="2400" b="1" i="1" dirty="0">
                 <a:solidFill>
                   <a:schemeClr val="accent2"/>
                 </a:solidFill>
@@ -11073,26 +10883,22 @@
               <a:t> изглеждат </a:t>
             </a:r>
             <a:r>
-              <a:rPr lang="ru-RU" b="1" dirty="0" smtClean="0"/>
+              <a:rPr lang="ru-RU" b="1" dirty="0"/>
               <a:t>странно</a:t>
             </a:r>
             <a:r>
-              <a:rPr lang="ru-RU" dirty="0" smtClean="0"/>
+              <a:rPr lang="ru-RU" dirty="0"/>
               <a:t>:</a:t>
             </a:r>
           </a:p>
           <a:p>
             <a:pPr lvl="1"/>
             <a:r>
-              <a:rPr lang="ru-RU" dirty="0" smtClean="0"/>
-              <a:t>Ще </a:t>
-            </a:r>
-            <a:r>
               <a:rPr lang="ru-RU" dirty="0"/>
-              <a:t>получите </a:t>
-            </a:r>
-            <a:r>
-              <a:rPr lang="ru-RU" b="1" dirty="0" smtClean="0">
+              <a:t>Ще получите </a:t>
+            </a:r>
+            <a:r>
+              <a:rPr lang="ru-RU" b="1" dirty="0">
                 <a:solidFill>
                   <a:schemeClr val="bg1"/>
                 </a:solidFill>
@@ -11100,27 +10906,15 @@
               <a:t>3 входни текста</a:t>
             </a:r>
             <a:r>
-              <a:rPr lang="ru-RU" dirty="0" smtClean="0"/>
-              <a:t>: </a:t>
-            </a:r>
-            <a:r>
               <a:rPr lang="ru-RU" dirty="0"/>
-              <a:t>(опашка, тяло, </a:t>
-            </a:r>
-            <a:r>
-              <a:rPr lang="ru-RU" dirty="0" smtClean="0"/>
-              <a:t>глава)</a:t>
+              <a:t>: (опашка, тяло, глава)</a:t>
             </a:r>
           </a:p>
           <a:p>
             <a:pPr lvl="1"/>
             <a:r>
-              <a:rPr lang="ru-RU" b="1" dirty="0" smtClean="0"/>
-              <a:t>Пренаредете </a:t>
-            </a:r>
-            <a:r>
               <a:rPr lang="ru-RU" b="1" dirty="0"/>
-              <a:t>елементите</a:t>
+              <a:t>Пренаредете елементите</a:t>
             </a:r>
             <a:r>
               <a:rPr lang="ru-RU" dirty="0"/>
@@ -11154,7 +10948,7 @@
           <a:lstStyle/>
           <a:p>
             <a:r>
-              <a:rPr lang="bg-BG" dirty="0" smtClean="0"/>
+              <a:rPr lang="bg-BG" dirty="0"/>
               <a:t>Чудат зоопарк – условие</a:t>
             </a:r>
             <a:endParaRPr lang="en-US" dirty="0"/>
@@ -11208,7 +11002,7 @@
               <a:buSzPct val="70000"/>
             </a:pPr>
             <a:r>
-              <a:rPr lang="en-US" sz="2400" b="1" dirty="0" smtClean="0">
+              <a:rPr lang="en-US" sz="2400" b="1" dirty="0">
                 <a:latin typeface="Consolas" panose="020B0609020204030204" pitchFamily="49" charset="0"/>
               </a:rPr>
               <a:t>my tail</a:t>
@@ -11228,7 +11022,7 @@
               <a:buSzPct val="70000"/>
             </a:pPr>
             <a:r>
-              <a:rPr lang="en-US" sz="2400" b="1" dirty="0" smtClean="0">
+              <a:rPr lang="en-US" sz="2400" b="1" dirty="0">
                 <a:latin typeface="Consolas" panose="020B0609020204030204" pitchFamily="49" charset="0"/>
               </a:rPr>
               <a:t>my body seems on place</a:t>
@@ -11248,7 +11042,7 @@
               <a:buSzPct val="70000"/>
             </a:pPr>
             <a:r>
-              <a:rPr lang="en-US" sz="2400" b="1" dirty="0" smtClean="0">
+              <a:rPr lang="en-US" sz="2400" b="1" dirty="0">
                 <a:latin typeface="Consolas" panose="020B0609020204030204" pitchFamily="49" charset="0"/>
               </a:rPr>
               <a:t>my head is on the wrong end!</a:t>
@@ -11306,16 +11100,10 @@
               <a:buSzPct val="70000"/>
             </a:pPr>
             <a:r>
-              <a:rPr lang="en-US" sz="2400" b="1" dirty="0" smtClean="0">
+              <a:rPr lang="en-US" sz="2400" b="1" dirty="0">
                 <a:latin typeface="Consolas" panose="020B0609020204030204" pitchFamily="49" charset="0"/>
               </a:rPr>
-              <a:t>['my head is on the wrong end</a:t>
-            </a:r>
-            <a:r>
-              <a:rPr lang="en-US" sz="2400" b="1" dirty="0" smtClean="0">
-                <a:latin typeface="Consolas" panose="020B0609020204030204" pitchFamily="49" charset="0"/>
-              </a:rPr>
-              <a:t>!', 'my body seems on place', 'my tail']</a:t>
+              <a:t>['my head is on the wrong end!', 'my body seems on place', 'my tail']</a:t>
             </a:r>
             <a:endParaRPr lang="bg-BG" sz="2400" b="1" dirty="0">
               <a:latin typeface="Consolas" panose="020B0609020204030204" pitchFamily="49" charset="0"/>
@@ -11723,7 +11511,7 @@
           <a:lstStyle/>
           <a:p>
             <a:r>
-              <a:rPr lang="bg-BG" dirty="0" smtClean="0"/>
+              <a:rPr lang="bg-BG" dirty="0"/>
               <a:t>Чудат зоопарк – решение</a:t>
             </a:r>
             <a:endParaRPr lang="en-US" dirty="0"/>
@@ -11896,11 +11684,7 @@
             </a:pPr>
             <a:r>
               <a:rPr lang="en-US" dirty="0"/>
-              <a:t>print(meerkat</a:t>
-            </a:r>
-            <a:r>
-              <a:rPr lang="en-US" dirty="0" smtClean="0"/>
-              <a:t>)</a:t>
+              <a:t>print(meerkat)</a:t>
             </a:r>
             <a:endParaRPr lang="bg-BG" dirty="0"/>
           </a:p>
@@ -11924,13 +11708,6 @@
       <p:transition spd="slow" advClick="0" advTm="5000"/>
     </mc:Fallback>
   </mc:AlternateContent>
-  <p:timing>
-    <p:tnLst>
-      <p:par>
-        <p:cTn id="1" dur="indefinite" restart="never" nodeType="tmRoot"/>
-      </p:par>
-    </p:tnLst>
-  </p:timing>
 </p:sld>
 </file>
 
@@ -11967,7 +11744,7 @@
           <a:lstStyle/>
           <a:p>
             <a:r>
-              <a:rPr lang="bg-BG" dirty="0" smtClean="0"/>
+              <a:rPr lang="bg-BG" dirty="0"/>
               <a:t>Използване на вградени функции</a:t>
             </a:r>
             <a:endParaRPr lang="en-US" dirty="0"/>
@@ -11991,7 +11768,7 @@
           <a:p>
             <a:r>
               <a:rPr lang="bg-BG" dirty="0"/>
-              <a:t>Манипулиране на списъци</a:t>
+              <a:t>Обработка на списъци</a:t>
             </a:r>
             <a:endParaRPr lang="en-US" dirty="0"/>
           </a:p>
@@ -12045,13 +11822,6 @@
       <p:transition spd="slow" advClick="0" advTm="5000"/>
     </mc:Fallback>
   </mc:AlternateContent>
-  <p:timing>
-    <p:tnLst>
-      <p:par>
-        <p:cTn id="1" dur="indefinite" restart="never" nodeType="tmRoot"/>
-      </p:par>
-    </p:tnLst>
-  </p:timing>
 </p:sld>
 </file>
 
@@ -12093,11 +11863,11 @@
           <a:lstStyle/>
           <a:p>
             <a:r>
-              <a:rPr lang="bg-BG" dirty="0" smtClean="0"/>
+              <a:rPr lang="bg-BG" dirty="0"/>
               <a:t>Използвайте </a:t>
             </a:r>
             <a:r>
-              <a:rPr lang="en-US" b="1" dirty="0" smtClean="0">
+              <a:rPr lang="en-US" b="1" dirty="0">
                 <a:solidFill>
                   <a:schemeClr val="bg1"/>
                 </a:solidFill>
@@ -12105,15 +11875,15 @@
               <a:t>append</a:t>
             </a:r>
             <a:r>
-              <a:rPr lang="en-US" dirty="0" smtClean="0"/>
+              <a:rPr lang="en-US" dirty="0"/>
               <a:t> </a:t>
             </a:r>
             <a:r>
-              <a:rPr lang="bg-BG" b="1" dirty="0" smtClean="0"/>
+              <a:rPr lang="bg-BG" b="1" dirty="0"/>
               <a:t>функцията</a:t>
             </a:r>
             <a:r>
-              <a:rPr lang="bg-BG" dirty="0" smtClean="0"/>
+              <a:rPr lang="bg-BG" dirty="0"/>
               <a:t>, за да добавите нов елемент към списъка</a:t>
             </a:r>
           </a:p>
@@ -12141,15 +11911,15 @@
           <a:lstStyle/>
           <a:p>
             <a:r>
-              <a:rPr lang="bg-BG" dirty="0" smtClean="0"/>
+              <a:rPr lang="bg-BG" dirty="0"/>
               <a:t>Добавяне на елемент</a:t>
             </a:r>
             <a:r>
-              <a:rPr lang="en-US" dirty="0" smtClean="0"/>
+              <a:rPr lang="en-US" dirty="0"/>
               <a:t> </a:t>
             </a:r>
             <a:r>
-              <a:rPr lang="bg-BG" dirty="0" smtClean="0"/>
+              <a:rPr lang="bg-BG" dirty="0"/>
               <a:t>към списък</a:t>
             </a:r>
             <a:endParaRPr lang="en-US" dirty="0"/>
@@ -12206,7 +11976,7 @@
               <a:buSzPct val="70000"/>
             </a:pPr>
             <a:r>
-              <a:rPr lang="en-US" sz="2400" b="1" dirty="0" smtClean="0">
+              <a:rPr lang="en-US" sz="2400" b="1" dirty="0">
                 <a:latin typeface="Consolas" panose="020B0609020204030204" pitchFamily="49" charset="0"/>
               </a:rPr>
               <a:t>empty_list = []</a:t>
@@ -12229,13 +11999,13 @@
               <a:buSzPct val="70000"/>
             </a:pPr>
             <a:r>
-              <a:rPr lang="en-US" sz="2400" b="1" dirty="0" smtClean="0">
+              <a:rPr lang="en-US" sz="2400" b="1" dirty="0">
                 <a:latin typeface="Consolas" panose="020B0609020204030204" pitchFamily="49" charset="0"/>
               </a:rPr>
               <a:t>empty_list.</a:t>
             </a:r>
             <a:r>
-              <a:rPr lang="en-US" sz="2400" b="1" dirty="0" smtClean="0">
+              <a:rPr lang="en-US" sz="2400" b="1" dirty="0">
                 <a:solidFill>
                   <a:schemeClr val="bg1"/>
                 </a:solidFill>
@@ -12244,13 +12014,13 @@
               <a:t>append(</a:t>
             </a:r>
             <a:r>
-              <a:rPr lang="en-US" sz="2400" b="1" dirty="0" smtClean="0">
+              <a:rPr lang="en-US" sz="2400" b="1" dirty="0">
                 <a:latin typeface="Consolas" panose="020B0609020204030204" pitchFamily="49" charset="0"/>
               </a:rPr>
               <a:t>2</a:t>
             </a:r>
             <a:r>
-              <a:rPr lang="en-US" sz="2400" b="1" dirty="0" smtClean="0">
+              <a:rPr lang="en-US" sz="2400" b="1" dirty="0">
                 <a:solidFill>
                   <a:schemeClr val="bg1"/>
                 </a:solidFill>
@@ -12276,13 +12046,13 @@
               <a:buSzPct val="70000"/>
             </a:pPr>
             <a:r>
-              <a:rPr lang="en-US" sz="2400" b="1" dirty="0" smtClean="0">
+              <a:rPr lang="en-US" sz="2400" b="1" dirty="0">
                 <a:latin typeface="Consolas" panose="020B0609020204030204" pitchFamily="49" charset="0"/>
               </a:rPr>
               <a:t>empty_list.</a:t>
             </a:r>
             <a:r>
-              <a:rPr lang="en-US" sz="2400" b="1" dirty="0" smtClean="0">
+              <a:rPr lang="en-US" sz="2400" b="1" dirty="0">
                 <a:solidFill>
                   <a:schemeClr val="bg1"/>
                 </a:solidFill>
@@ -12291,7 +12061,7 @@
               <a:t>append(</a:t>
             </a:r>
             <a:r>
-              <a:rPr lang="en-US" sz="2400" b="1" dirty="0" smtClean="0">
+              <a:rPr lang="en-US" sz="2400" b="1" dirty="0">
                 <a:latin typeface="Consolas" panose="020B0609020204030204" pitchFamily="49" charset="0"/>
               </a:rPr>
               <a:t>3</a:t>
@@ -12329,13 +12099,13 @@
               <a:buSzPct val="70000"/>
             </a:pPr>
             <a:r>
-              <a:rPr lang="en-US" sz="2400" b="1" dirty="0" smtClean="0">
+              <a:rPr lang="en-US" sz="2400" b="1" dirty="0">
                 <a:latin typeface="Consolas" panose="020B0609020204030204" pitchFamily="49" charset="0"/>
               </a:rPr>
               <a:t>print(empty_list) </a:t>
             </a:r>
             <a:r>
-              <a:rPr lang="en-US" sz="2400" b="1" i="1" dirty="0" smtClean="0">
+              <a:rPr lang="en-US" sz="2400" b="1" i="1" dirty="0">
                 <a:solidFill>
                   <a:schemeClr val="accent2"/>
                 </a:solidFill>
@@ -12793,96 +12563,105 @@
           <a:lstStyle/>
           <a:p>
             <a:r>
-              <a:rPr lang="bg-BG" dirty="0" smtClean="0"/>
+              <a:rPr lang="bg-BG" dirty="0"/>
               <a:t>͏</a:t>
             </a:r>
             <a:r>
-              <a:rPr lang="bg-BG" b="1" dirty="0" smtClean="0">
+              <a:rPr lang="bg-BG" b="1" dirty="0">
                 <a:solidFill>
                   <a:schemeClr val="bg1"/>
                 </a:solidFill>
               </a:rPr>
               <a:t>Списъци</a:t>
             </a:r>
-            <a:endParaRPr lang="bg-BG" b="1" dirty="0" smtClean="0">
-              <a:solidFill>
-                <a:schemeClr val="bg1"/>
-              </a:solidFill>
-            </a:endParaRPr>
-          </a:p>
-          <a:p>
-            <a:r>
-              <a:rPr lang="bg-BG" dirty="0" smtClean="0"/>
+          </a:p>
+          <a:p>
+            <a:r>
+              <a:rPr lang="bg-BG" dirty="0"/>
               <a:t>͏</a:t>
             </a:r>
             <a:r>
-              <a:rPr lang="bg-BG" b="1" dirty="0" smtClean="0"/>
+              <a:rPr lang="bg-BG" b="1" dirty="0"/>
               <a:t>Съхранение</a:t>
             </a:r>
             <a:r>
-              <a:rPr lang="bg-BG" dirty="0" smtClean="0"/>
-              <a:t> </a:t>
-            </a:r>
-            <a:r>
-              <a:rPr lang="bg-BG" dirty="0" smtClean="0"/>
-              <a:t>на </a:t>
-            </a:r>
-            <a:r>
-              <a:rPr lang="bg-BG" b="1" dirty="0" smtClean="0"/>
+              <a:rPr lang="bg-BG" dirty="0"/>
+              <a:t> на </a:t>
+            </a:r>
+            <a:r>
+              <a:rPr lang="bg-BG" b="1" dirty="0"/>
               <a:t>данни</a:t>
             </a:r>
           </a:p>
           <a:p>
             <a:r>
-              <a:rPr lang="bg-BG" dirty="0" smtClean="0"/>
+              <a:rPr lang="bg-BG" dirty="0"/>
               <a:t>͏</a:t>
             </a:r>
             <a:r>
-              <a:rPr lang="bg-BG" b="1" dirty="0" smtClean="0"/>
+              <a:rPr lang="bg-BG" b="1" dirty="0"/>
               <a:t>Създаване</a:t>
             </a:r>
             <a:r>
-              <a:rPr lang="bg-BG" dirty="0" smtClean="0"/>
-              <a:t> </a:t>
-            </a:r>
-            <a:r>
-              <a:rPr lang="bg-BG" dirty="0" smtClean="0"/>
-              <a:t>на списък</a:t>
-            </a:r>
-          </a:p>
-          <a:p>
-            <a:r>
-              <a:rPr lang="bg-BG" dirty="0" smtClean="0"/>
+              <a:rPr lang="bg-BG" dirty="0"/>
+              <a:t> на списък</a:t>
+            </a:r>
+          </a:p>
+          <a:p>
+            <a:r>
+              <a:rPr lang="bg-BG" dirty="0"/>
               <a:t>͏</a:t>
             </a:r>
             <a:r>
-              <a:rPr lang="bg-BG" b="1" dirty="0" smtClean="0"/>
+              <a:rPr lang="bg-BG" b="1" dirty="0"/>
               <a:t>Достъпване</a:t>
             </a:r>
             <a:r>
-              <a:rPr lang="bg-BG" dirty="0" smtClean="0"/>
-              <a:t> </a:t>
-            </a:r>
-            <a:r>
-              <a:rPr lang="bg-BG" dirty="0" smtClean="0"/>
-              <a:t>на </a:t>
-            </a:r>
-            <a:r>
-              <a:rPr lang="bg-BG" b="1" dirty="0" smtClean="0"/>
+              <a:rPr lang="bg-BG" dirty="0"/>
+              <a:t> на </a:t>
+            </a:r>
+            <a:r>
+              <a:rPr lang="bg-BG" b="1" dirty="0"/>
               <a:t>елементи</a:t>
             </a:r>
           </a:p>
           <a:p>
             <a:r>
-              <a:rPr lang="bg-BG" dirty="0" smtClean="0"/>
+              <a:rPr lang="bg-BG" dirty="0"/>
               <a:t>͏</a:t>
             </a:r>
             <a:r>
-              <a:rPr lang="bg-BG" b="1" dirty="0" smtClean="0"/>
+              <a:rPr lang="bg-BG" b="1" dirty="0"/>
               <a:t>Манипулиране</a:t>
             </a:r>
             <a:r>
-              <a:rPr lang="bg-BG" dirty="0" smtClean="0"/>
+              <a:rPr lang="bg-BG" dirty="0"/>
+              <a:t> на списъци</a:t>
+            </a:r>
+            <a:endParaRPr lang="en-US" dirty="0"/>
+          </a:p>
+          <a:p>
+            <a:r>
+              <a:rPr lang="ru-RU" dirty="0"/>
+              <a:t>Преминаване през списъци с </a:t>
+            </a:r>
+            <a:r>
+              <a:rPr lang="ru-RU" b="1" dirty="0"/>
+              <a:t>цикли</a:t>
+            </a:r>
+            <a:endParaRPr lang="en-US" b="1" dirty="0"/>
+          </a:p>
+          <a:p>
+            <a:r>
+              <a:rPr lang="ru-RU" dirty="0"/>
+              <a:t>͏</a:t>
+            </a:r>
+            <a:r>
+              <a:rPr lang="ru-RU" b="1" dirty="0"/>
+              <a:t>Търсене</a:t>
+            </a:r>
+            <a:r>
+              <a:rPr lang="en-US" dirty="0"/>
               <a:t> </a:t>
             </a:r>
             <a:r>
@@ -12890,40 +12669,6 @@
               <a:t>на </a:t>
             </a:r>
             <a:r>
-              <a:rPr lang="bg-BG" dirty="0" smtClean="0"/>
-              <a:t>списъци</a:t>
-            </a:r>
-            <a:endParaRPr lang="en-US" dirty="0" smtClean="0"/>
-          </a:p>
-          <a:p>
-            <a:r>
-              <a:rPr lang="ru-RU" dirty="0"/>
-              <a:t>Преминаване през списъци с </a:t>
-            </a:r>
-            <a:r>
-              <a:rPr lang="ru-RU" b="1" dirty="0" smtClean="0"/>
-              <a:t>цикли</a:t>
-            </a:r>
-            <a:endParaRPr lang="en-US" b="1" dirty="0" smtClean="0"/>
-          </a:p>
-          <a:p>
-            <a:r>
-              <a:rPr lang="ru-RU" dirty="0" smtClean="0"/>
-              <a:t>͏</a:t>
-            </a:r>
-            <a:r>
-              <a:rPr lang="ru-RU" b="1" dirty="0" smtClean="0"/>
-              <a:t>Търсене</a:t>
-            </a:r>
-            <a:r>
-              <a:rPr lang="en-US" dirty="0" smtClean="0"/>
-              <a:t> </a:t>
-            </a:r>
-            <a:r>
-              <a:rPr lang="bg-BG" dirty="0"/>
-              <a:t>на </a:t>
-            </a:r>
-            <a:r>
               <a:rPr lang="bg-BG" b="1" dirty="0"/>
               <a:t>елементи</a:t>
             </a:r>
@@ -12931,7 +12676,7 @@
               <a:rPr lang="ru-RU" dirty="0"/>
               <a:t> в списък</a:t>
             </a:r>
-            <a:endParaRPr lang="bg-BG" dirty="0" smtClean="0"/>
+            <a:endParaRPr lang="bg-BG" dirty="0"/>
           </a:p>
         </p:txBody>
       </p:sp>
@@ -13395,11 +13140,11 @@
           <a:lstStyle/>
           <a:p>
             <a:r>
-              <a:rPr lang="bg-BG" dirty="0" smtClean="0"/>
+              <a:rPr lang="bg-BG" dirty="0"/>
               <a:t>Използвайте </a:t>
             </a:r>
             <a:r>
-              <a:rPr lang="en-US" b="1" dirty="0" smtClean="0">
+              <a:rPr lang="en-US" b="1" dirty="0">
                 <a:solidFill>
                   <a:schemeClr val="bg1"/>
                 </a:solidFill>
@@ -13407,15 +13152,15 @@
               <a:t>remove</a:t>
             </a:r>
             <a:r>
-              <a:rPr lang="en-US" dirty="0" smtClean="0"/>
+              <a:rPr lang="en-US" dirty="0"/>
               <a:t> </a:t>
             </a:r>
             <a:r>
-              <a:rPr lang="bg-BG" b="1" dirty="0" smtClean="0"/>
+              <a:rPr lang="bg-BG" b="1" dirty="0"/>
               <a:t>функцията</a:t>
             </a:r>
             <a:r>
-              <a:rPr lang="bg-BG" dirty="0" smtClean="0"/>
+              <a:rPr lang="bg-BG" dirty="0"/>
               <a:t>, за да премахнете специфичен елемент от списъка</a:t>
             </a:r>
           </a:p>
@@ -13443,15 +13188,15 @@
           <a:lstStyle/>
           <a:p>
             <a:r>
-              <a:rPr lang="bg-BG" dirty="0" smtClean="0"/>
+              <a:rPr lang="bg-BG" dirty="0"/>
               <a:t>Изтриване на елемент</a:t>
             </a:r>
             <a:r>
-              <a:rPr lang="en-US" dirty="0" smtClean="0"/>
+              <a:rPr lang="en-US" dirty="0"/>
               <a:t> </a:t>
             </a:r>
             <a:r>
-              <a:rPr lang="bg-BG" dirty="0" smtClean="0"/>
+              <a:rPr lang="bg-BG" dirty="0"/>
               <a:t>от списък</a:t>
             </a:r>
             <a:endParaRPr lang="en-US" dirty="0"/>
@@ -13508,16 +13253,10 @@
               <a:buSzPct val="70000"/>
             </a:pPr>
             <a:r>
-              <a:rPr lang="en-US" sz="2400" b="1" dirty="0" smtClean="0">
+              <a:rPr lang="en-US" sz="2400" b="1" dirty="0">
                 <a:latin typeface="Consolas" panose="020B0609020204030204" pitchFamily="49" charset="0"/>
               </a:rPr>
-              <a:t>list_of</a:t>
-            </a:r>
-            <a:r>
-              <a:rPr lang="en-US" sz="2400" b="1" dirty="0" smtClean="0">
-                <a:latin typeface="Consolas" panose="020B0609020204030204" pitchFamily="49" charset="0"/>
-              </a:rPr>
-              <a:t>_numbers = [1, 2, 3, 4, 5]</a:t>
+              <a:t>list_of_numbers = [1, 2, 3, 4, 5]</a:t>
             </a:r>
           </a:p>
           <a:p>
@@ -13537,13 +13276,13 @@
               <a:buSzPct val="70000"/>
             </a:pPr>
             <a:r>
-              <a:rPr lang="en-US" sz="2400" b="1" dirty="0" smtClean="0">
+              <a:rPr lang="en-US" sz="2400" b="1" dirty="0">
                 <a:latin typeface="Consolas" panose="020B0609020204030204" pitchFamily="49" charset="0"/>
               </a:rPr>
               <a:t>list_of_numbers.</a:t>
             </a:r>
             <a:r>
-              <a:rPr lang="en-US" sz="2400" b="1" dirty="0" smtClean="0">
+              <a:rPr lang="en-US" sz="2400" b="1" dirty="0">
                 <a:solidFill>
                   <a:schemeClr val="bg1"/>
                 </a:solidFill>
@@ -13552,13 +13291,13 @@
               <a:t>remove(</a:t>
             </a:r>
             <a:r>
-              <a:rPr lang="en-US" sz="2400" b="1" dirty="0" smtClean="0">
+              <a:rPr lang="en-US" sz="2400" b="1" dirty="0">
                 <a:latin typeface="Consolas" panose="020B0609020204030204" pitchFamily="49" charset="0"/>
               </a:rPr>
               <a:t>3</a:t>
             </a:r>
             <a:r>
-              <a:rPr lang="en-US" sz="2400" b="1" dirty="0" smtClean="0">
+              <a:rPr lang="en-US" sz="2400" b="1" dirty="0">
                 <a:solidFill>
                   <a:schemeClr val="bg1"/>
                 </a:solidFill>
@@ -13584,13 +13323,13 @@
               <a:buSzPct val="70000"/>
             </a:pPr>
             <a:r>
-              <a:rPr lang="en-US" sz="2400" b="1" dirty="0" smtClean="0">
+              <a:rPr lang="en-US" sz="2400" b="1" dirty="0">
                 <a:latin typeface="Consolas" panose="020B0609020204030204" pitchFamily="49" charset="0"/>
               </a:rPr>
               <a:t>list_of_numbers.</a:t>
             </a:r>
             <a:r>
-              <a:rPr lang="en-US" sz="2400" b="1" dirty="0" smtClean="0">
+              <a:rPr lang="en-US" sz="2400" b="1" dirty="0">
                 <a:solidFill>
                   <a:schemeClr val="bg1"/>
                 </a:solidFill>
@@ -13599,13 +13338,13 @@
               <a:t>remove(</a:t>
             </a:r>
             <a:r>
-              <a:rPr lang="en-US" sz="2400" b="1" dirty="0" smtClean="0">
+              <a:rPr lang="en-US" sz="2400" b="1" dirty="0">
                 <a:latin typeface="Consolas" panose="020B0609020204030204" pitchFamily="49" charset="0"/>
               </a:rPr>
               <a:t>1</a:t>
             </a:r>
             <a:r>
-              <a:rPr lang="en-US" sz="2400" b="1" dirty="0" smtClean="0">
+              <a:rPr lang="en-US" sz="2400" b="1" dirty="0">
                 <a:solidFill>
                   <a:schemeClr val="bg1"/>
                 </a:solidFill>
@@ -13613,12 +13352,6 @@
               </a:rPr>
               <a:t>)</a:t>
             </a:r>
-            <a:endParaRPr lang="en-US" sz="2400" b="1" dirty="0">
-              <a:solidFill>
-                <a:schemeClr val="bg1"/>
-              </a:solidFill>
-              <a:latin typeface="Consolas" panose="020B0609020204030204" pitchFamily="49" charset="0"/>
-            </a:endParaRPr>
           </a:p>
           <a:p>
             <a:pPr eaLnBrk="0" hangingPunct="0">
@@ -13637,19 +13370,13 @@
               <a:buSzPct val="70000"/>
             </a:pPr>
             <a:r>
-              <a:rPr lang="en-US" sz="2400" b="1" dirty="0" smtClean="0">
-                <a:latin typeface="Consolas" panose="020B0609020204030204" pitchFamily="49" charset="0"/>
-              </a:rPr>
-              <a:t>print(list_of_numbers)</a:t>
-            </a:r>
-            <a:r>
               <a:rPr lang="en-US" sz="2400" b="1" dirty="0">
                 <a:latin typeface="Consolas" panose="020B0609020204030204" pitchFamily="49" charset="0"/>
               </a:rPr>
-              <a:t> </a:t>
-            </a:r>
-            <a:r>
-              <a:rPr lang="en-US" sz="2400" b="1" i="1" dirty="0" smtClean="0">
+              <a:t>print(list_of_numbers) </a:t>
+            </a:r>
+            <a:r>
+              <a:rPr lang="en-US" sz="2400" b="1" i="1" dirty="0">
                 <a:solidFill>
                   <a:schemeClr val="accent2"/>
                 </a:solidFill>
@@ -13994,15 +13721,15 @@
           <a:lstStyle/>
           <a:p>
             <a:r>
-              <a:rPr lang="bg-BG" dirty="0" smtClean="0"/>
+              <a:rPr lang="bg-BG" dirty="0"/>
               <a:t>Създайте програма, която чете </a:t>
             </a:r>
             <a:r>
-              <a:rPr lang="bg-BG" b="1" dirty="0" smtClean="0"/>
+              <a:rPr lang="bg-BG" b="1" dirty="0"/>
               <a:t>цяло число </a:t>
             </a:r>
             <a:r>
-              <a:rPr lang="en-US" b="1" dirty="0" smtClean="0">
+              <a:rPr lang="en-US" b="1" dirty="0">
                 <a:solidFill>
                   <a:schemeClr val="bg1"/>
                 </a:solidFill>
@@ -14013,11 +13740,11 @@
           <a:p>
             <a:pPr lvl="1"/>
             <a:r>
-              <a:rPr lang="bg-BG" dirty="0" smtClean="0"/>
+              <a:rPr lang="bg-BG" dirty="0"/>
               <a:t>На следващите </a:t>
             </a:r>
             <a:r>
-              <a:rPr lang="en-US" b="1" dirty="0" smtClean="0">
+              <a:rPr lang="en-US" b="1" dirty="0">
                 <a:solidFill>
                   <a:schemeClr val="bg1"/>
                 </a:solidFill>
@@ -14025,58 +13752,58 @@
               <a:t>n</a:t>
             </a:r>
             <a:r>
-              <a:rPr lang="en-US" dirty="0" smtClean="0"/>
+              <a:rPr lang="en-US" dirty="0"/>
               <a:t> </a:t>
             </a:r>
             <a:r>
-              <a:rPr lang="bg-BG" dirty="0" smtClean="0"/>
+              <a:rPr lang="bg-BG" dirty="0"/>
               <a:t>на брой </a:t>
             </a:r>
             <a:r>
-              <a:rPr lang="bg-BG" b="1" dirty="0" smtClean="0"/>
+              <a:rPr lang="bg-BG" b="1" dirty="0"/>
               <a:t>реда</a:t>
             </a:r>
             <a:r>
-              <a:rPr lang="bg-BG" dirty="0" smtClean="0"/>
+              <a:rPr lang="bg-BG" dirty="0"/>
               <a:t> ще получите </a:t>
             </a:r>
             <a:r>
-              <a:rPr lang="bg-BG" b="1" dirty="0" smtClean="0"/>
+              <a:rPr lang="bg-BG" b="1" dirty="0"/>
               <a:t>имената</a:t>
             </a:r>
             <a:r>
-              <a:rPr lang="bg-BG" dirty="0" smtClean="0"/>
+              <a:rPr lang="bg-BG" dirty="0"/>
               <a:t> на различни</a:t>
             </a:r>
             <a:r>
-              <a:rPr lang="bg-BG" b="1" dirty="0" smtClean="0"/>
+              <a:rPr lang="bg-BG" b="1" dirty="0"/>
               <a:t> курсове</a:t>
             </a:r>
           </a:p>
           <a:p>
             <a:pPr lvl="1"/>
             <a:r>
-              <a:rPr lang="bg-BG" dirty="0" smtClean="0"/>
+              <a:rPr lang="bg-BG" dirty="0"/>
               <a:t>Трябва да </a:t>
             </a:r>
             <a:r>
-              <a:rPr lang="bg-BG" b="1" dirty="0" smtClean="0"/>
+              <a:rPr lang="bg-BG" b="1" dirty="0"/>
               <a:t>създадете</a:t>
             </a:r>
             <a:r>
-              <a:rPr lang="bg-BG" dirty="0" smtClean="0"/>
+              <a:rPr lang="bg-BG" dirty="0"/>
               <a:t> </a:t>
             </a:r>
             <a:r>
-              <a:rPr lang="bg-BG" b="1" dirty="0" smtClean="0"/>
+              <a:rPr lang="bg-BG" b="1" dirty="0"/>
               <a:t>списък</a:t>
             </a:r>
             <a:r>
-              <a:rPr lang="bg-BG" dirty="0" smtClean="0"/>
+              <a:rPr lang="bg-BG" dirty="0"/>
               <a:t> от тях и да го </a:t>
             </a:r>
             <a:r>
-              <a:rPr lang="bg-BG" b="1" dirty="0" smtClean="0"/>
+              <a:rPr lang="bg-BG" b="1" dirty="0"/>
               <a:t>принтирате</a:t>
             </a:r>
           </a:p>
@@ -14098,7 +13825,7 @@
           <a:lstStyle/>
           <a:p>
             <a:r>
-              <a:rPr lang="bg-BG" dirty="0" smtClean="0"/>
+              <a:rPr lang="bg-BG" dirty="0"/>
               <a:t>Курсове – условие</a:t>
             </a:r>
             <a:endParaRPr lang="en-US" dirty="0"/>
@@ -14152,7 +13879,7 @@
               <a:buSzPct val="70000"/>
             </a:pPr>
             <a:r>
-              <a:rPr lang="bg-BG" sz="2400" b="1" dirty="0" smtClean="0">
+              <a:rPr lang="bg-BG" sz="2400" b="1" dirty="0">
                 <a:latin typeface="Consolas" panose="020B0609020204030204" pitchFamily="49" charset="0"/>
               </a:rPr>
               <a:t>2</a:t>
@@ -14172,7 +13899,7 @@
               <a:buSzPct val="70000"/>
             </a:pPr>
             <a:r>
-              <a:rPr lang="en-US" sz="2400" b="1" dirty="0" smtClean="0">
+              <a:rPr lang="en-US" sz="2400" b="1" dirty="0">
                 <a:latin typeface="Consolas" panose="020B0609020204030204" pitchFamily="49" charset="0"/>
               </a:rPr>
               <a:t>Math</a:t>
@@ -14192,7 +13919,7 @@
               <a:buSzPct val="70000"/>
             </a:pPr>
             <a:r>
-              <a:rPr lang="en-US" sz="2400" b="1" dirty="0" smtClean="0">
+              <a:rPr lang="en-US" sz="2400" b="1" dirty="0">
                 <a:latin typeface="Consolas" panose="020B0609020204030204" pitchFamily="49" charset="0"/>
               </a:rPr>
               <a:t>IT</a:t>
@@ -14250,7 +13977,7 @@
               <a:buSzPct val="70000"/>
             </a:pPr>
             <a:r>
-              <a:rPr lang="en-US" sz="2400" b="1" dirty="0" smtClean="0">
+              <a:rPr lang="en-US" sz="2400" b="1" dirty="0">
                 <a:latin typeface="Consolas" panose="020B0609020204030204" pitchFamily="49" charset="0"/>
               </a:rPr>
               <a:t>['Math', 'IT']</a:t>
@@ -14662,11 +14389,7 @@
           <a:p>
             <a:r>
               <a:rPr lang="bg-BG" dirty="0"/>
-              <a:t>Курсове – </a:t>
-            </a:r>
-            <a:r>
-              <a:rPr lang="bg-BG" dirty="0" smtClean="0"/>
-              <a:t>решение</a:t>
+              <a:t>Курсове – решение</a:t>
             </a:r>
             <a:endParaRPr lang="en-US" dirty="0"/>
           </a:p>
@@ -14742,13 +14465,7 @@
               <a:rPr lang="en-US" sz="2400" b="1" dirty="0">
                 <a:latin typeface="Consolas" panose="020B0609020204030204" pitchFamily="49" charset="0"/>
               </a:rPr>
-              <a:t>courses = </a:t>
-            </a:r>
-            <a:r>
-              <a:rPr lang="en-US" sz="2400" b="1" dirty="0" smtClean="0">
-                <a:latin typeface="Consolas" panose="020B0609020204030204" pitchFamily="49" charset="0"/>
-              </a:rPr>
-              <a:t>[]</a:t>
+              <a:t>courses = []</a:t>
             </a:r>
           </a:p>
           <a:p>
@@ -14825,13 +14542,7 @@
               <a:rPr lang="en-US" sz="2400" b="1" dirty="0">
                 <a:latin typeface="Consolas" panose="020B0609020204030204" pitchFamily="49" charset="0"/>
               </a:rPr>
-              <a:t>    </a:t>
-            </a:r>
-            <a:r>
-              <a:rPr lang="en-US" sz="2400" b="1" dirty="0" smtClean="0">
-                <a:latin typeface="Consolas" panose="020B0609020204030204" pitchFamily="49" charset="0"/>
-              </a:rPr>
-              <a:t>courses.append(current_course)</a:t>
+              <a:t>    courses.append(current_course)</a:t>
             </a:r>
           </a:p>
           <a:p>
@@ -14865,16 +14576,10 @@
               <a:buSzPct val="70000"/>
             </a:pPr>
             <a:r>
-              <a:rPr lang="en-US" sz="2400" b="1" dirty="0" smtClean="0">
-                <a:latin typeface="Consolas" panose="020B0609020204030204" pitchFamily="49" charset="0"/>
-              </a:rPr>
-              <a:t>print(courses</a:t>
-            </a:r>
-            <a:r>
               <a:rPr lang="en-US" sz="2400" b="1" dirty="0">
                 <a:latin typeface="Consolas" panose="020B0609020204030204" pitchFamily="49" charset="0"/>
               </a:rPr>
-              <a:t>)</a:t>
+              <a:t>print(courses)</a:t>
             </a:r>
             <a:endParaRPr lang="bg-BG" sz="2400" b="1" dirty="0">
               <a:latin typeface="Consolas" panose="020B0609020204030204" pitchFamily="49" charset="0"/>
@@ -14930,13 +14635,6 @@
       <p:transition spd="slow" advClick="0" advTm="5000"/>
     </mc:Fallback>
   </mc:AlternateContent>
-  <p:timing>
-    <p:tnLst>
-      <p:par>
-        <p:cTn id="1" dur="indefinite" restart="never" nodeType="tmRoot"/>
-      </p:par>
-    </p:tnLst>
-  </p:timing>
 </p:sld>
 </file>
 
@@ -14979,11 +14677,7 @@
           <a:p>
             <a:r>
               <a:rPr lang="ru-RU" dirty="0"/>
-              <a:t>Преминаване през списъци </a:t>
-            </a:r>
-            <a:r>
-              <a:rPr lang="ru-RU" dirty="0" smtClean="0"/>
-              <a:t>с цикли</a:t>
+              <a:t>Преминаване през списъци с цикли</a:t>
             </a:r>
             <a:endParaRPr lang="en-US" dirty="0"/>
           </a:p>
@@ -15048,13 +14742,6 @@
       <p:transition spd="slow" advClick="0" advTm="5000"/>
     </mc:Fallback>
   </mc:AlternateContent>
-  <p:timing>
-    <p:tnLst>
-      <p:par>
-        <p:cTn id="1" dur="indefinite" restart="never" nodeType="tmRoot"/>
-      </p:par>
-    </p:tnLst>
-  </p:timing>
 </p:sld>
 </file>
 
@@ -15091,27 +14778,27 @@
           <a:lstStyle/>
           <a:p>
             <a:r>
-              <a:rPr lang="bg-BG" dirty="0" smtClean="0"/>
+              <a:rPr lang="bg-BG" dirty="0"/>
               <a:t>Има два варианта, с които може да </a:t>
             </a:r>
             <a:r>
-              <a:rPr lang="bg-BG" b="1" dirty="0" smtClean="0"/>
+              <a:rPr lang="bg-BG" b="1" dirty="0"/>
               <a:t>преминете</a:t>
             </a:r>
             <a:r>
-              <a:rPr lang="bg-BG" dirty="0" smtClean="0"/>
+              <a:rPr lang="bg-BG" dirty="0"/>
               <a:t> през </a:t>
             </a:r>
             <a:r>
-              <a:rPr lang="bg-BG" b="1" dirty="0" smtClean="0"/>
+              <a:rPr lang="bg-BG" b="1" dirty="0"/>
               <a:t>списък</a:t>
             </a:r>
             <a:r>
-              <a:rPr lang="bg-BG" dirty="0" smtClean="0"/>
+              <a:rPr lang="bg-BG" dirty="0"/>
               <a:t>, използвайки </a:t>
             </a:r>
             <a:r>
-              <a:rPr lang="en-US" b="1" dirty="0" smtClean="0">
+              <a:rPr lang="en-US" b="1" dirty="0">
                 <a:solidFill>
                   <a:schemeClr val="bg1"/>
                 </a:solidFill>
@@ -15119,15 +14806,15 @@
               <a:t>for</a:t>
             </a:r>
             <a:r>
-              <a:rPr lang="en-US" b="1" dirty="0" smtClean="0"/>
+              <a:rPr lang="en-US" b="1" dirty="0"/>
               <a:t> </a:t>
             </a:r>
             <a:r>
-              <a:rPr lang="bg-BG" b="1" dirty="0" smtClean="0"/>
+              <a:rPr lang="bg-BG" b="1" dirty="0"/>
               <a:t>цикъл</a:t>
             </a:r>
             <a:r>
-              <a:rPr lang="en-US" dirty="0" smtClean="0"/>
+              <a:rPr lang="en-US" dirty="0"/>
               <a:t>:</a:t>
             </a:r>
           </a:p>
@@ -15138,14 +14825,14 @@
               </a:spcAft>
             </a:pPr>
             <a:r>
-              <a:rPr lang="bg-BG" b="1" dirty="0" smtClean="0"/>
+              <a:rPr lang="bg-BG" b="1" dirty="0"/>
               <a:t>Итерация</a:t>
             </a:r>
             <a:r>
-              <a:rPr lang="bg-BG" dirty="0" smtClean="0"/>
+              <a:rPr lang="bg-BG" dirty="0"/>
               <a:t> на отделните елементи</a:t>
             </a:r>
-            <a:endParaRPr lang="en-US" dirty="0" smtClean="0"/>
+            <a:endParaRPr lang="en-US" dirty="0"/>
           </a:p>
           <a:p>
             <a:pPr lvl="1"/>
@@ -15155,16 +14842,16 @@
             <a:pPr marL="442912" lvl="1" indent="0">
               <a:buNone/>
             </a:pPr>
-            <a:endParaRPr lang="en-US" dirty="0" smtClean="0"/>
+            <a:endParaRPr lang="en-US" dirty="0"/>
           </a:p>
           <a:p>
             <a:pPr lvl="1"/>
             <a:r>
-              <a:rPr lang="bg-BG" dirty="0" smtClean="0"/>
+              <a:rPr lang="bg-BG" dirty="0"/>
               <a:t>Използване на </a:t>
             </a:r>
             <a:r>
-              <a:rPr lang="bg-BG" b="1" dirty="0" smtClean="0"/>
+              <a:rPr lang="bg-BG" b="1" dirty="0"/>
               <a:t>индекси</a:t>
             </a:r>
             <a:endParaRPr lang="en-US" b="1" dirty="0"/>
@@ -15187,15 +14874,15 @@
           <a:lstStyle/>
           <a:p>
             <a:r>
-              <a:rPr lang="bg-BG" dirty="0" smtClean="0"/>
+              <a:rPr lang="bg-BG" dirty="0"/>
               <a:t>Използване на </a:t>
             </a:r>
             <a:r>
-              <a:rPr lang="en-US" dirty="0" smtClean="0"/>
+              <a:rPr lang="en-US" dirty="0"/>
               <a:t>for </a:t>
             </a:r>
             <a:r>
-              <a:rPr lang="bg-BG" dirty="0" smtClean="0"/>
+              <a:rPr lang="bg-BG" dirty="0"/>
               <a:t>цикъл</a:t>
             </a:r>
             <a:endParaRPr lang="en-US" dirty="0"/>
@@ -15252,13 +14939,7 @@
               <a:rPr lang="en-US" sz="2400" b="1" dirty="0">
                 <a:latin typeface="Consolas" panose="020B0609020204030204" pitchFamily="49" charset="0"/>
               </a:rPr>
-              <a:t>my_pets = ["cat", "dog", </a:t>
-            </a:r>
-            <a:r>
-              <a:rPr lang="en-US" sz="2400" b="1" dirty="0" smtClean="0">
-                <a:latin typeface="Consolas" panose="020B0609020204030204" pitchFamily="49" charset="0"/>
-              </a:rPr>
-              <a:t>"fish"]</a:t>
+              <a:t>my_pets = ["cat", "dog", "fish"]</a:t>
             </a:r>
           </a:p>
           <a:p>
@@ -15275,13 +14956,13 @@
               <a:buSzPct val="70000"/>
             </a:pPr>
             <a:r>
-              <a:rPr lang="en-US" sz="2400" b="1" dirty="0" smtClean="0">
+              <a:rPr lang="en-US" sz="2400" b="1" dirty="0">
                 <a:latin typeface="Consolas" panose="020B0609020204030204" pitchFamily="49" charset="0"/>
               </a:rPr>
               <a:t>for </a:t>
             </a:r>
             <a:r>
-              <a:rPr lang="en-US" sz="2400" b="1" dirty="0" smtClean="0">
+              <a:rPr lang="en-US" sz="2400" b="1" dirty="0">
                 <a:solidFill>
                   <a:schemeClr val="bg1"/>
                 </a:solidFill>
@@ -15290,13 +14971,13 @@
               <a:t>element</a:t>
             </a:r>
             <a:r>
-              <a:rPr lang="en-US" sz="2400" b="1" dirty="0" smtClean="0">
+              <a:rPr lang="en-US" sz="2400" b="1" dirty="0">
                 <a:latin typeface="Consolas" panose="020B0609020204030204" pitchFamily="49" charset="0"/>
               </a:rPr>
               <a:t> in </a:t>
             </a:r>
             <a:r>
-              <a:rPr lang="en-US" sz="2400" b="1" dirty="0" smtClean="0">
+              <a:rPr lang="en-US" sz="2400" b="1" dirty="0">
                 <a:solidFill>
                   <a:schemeClr val="bg1"/>
                 </a:solidFill>
@@ -15305,7 +14986,7 @@
               <a:t>my_pets</a:t>
             </a:r>
             <a:r>
-              <a:rPr lang="en-US" sz="2400" b="1" dirty="0" smtClean="0">
+              <a:rPr lang="en-US" sz="2400" b="1" dirty="0">
                 <a:latin typeface="Consolas" panose="020B0609020204030204" pitchFamily="49" charset="0"/>
               </a:rPr>
               <a:t>:</a:t>
@@ -15328,29 +15009,17 @@
               <a:rPr lang="en-US" sz="2400" b="1" dirty="0">
                 <a:latin typeface="Consolas" panose="020B0609020204030204" pitchFamily="49" charset="0"/>
               </a:rPr>
-              <a:t>	</a:t>
-            </a:r>
-            <a:r>
-              <a:rPr lang="en-US" sz="2400" b="1" dirty="0" smtClean="0">
+              <a:t>	print(element, end=" ") </a:t>
+            </a:r>
+            <a:r>
+              <a:rPr lang="en-US" sz="2400" b="1" i="1" dirty="0">
+                <a:solidFill>
+                  <a:schemeClr val="accent2"/>
+                </a:solidFill>
                 <a:latin typeface="Consolas" panose="020B0609020204030204" pitchFamily="49" charset="0"/>
               </a:rPr>
-              <a:t>print(element, end=" ") </a:t>
-            </a:r>
-            <a:r>
-              <a:rPr lang="en-US" sz="2400" b="1" i="1" dirty="0" smtClean="0">
-                <a:solidFill>
-                  <a:schemeClr val="accent2"/>
-                </a:solidFill>
-                <a:latin typeface="Consolas" panose="020B0609020204030204" pitchFamily="49" charset="0"/>
-              </a:rPr>
               <a:t># cat, dog, fish</a:t>
             </a:r>
-            <a:endParaRPr lang="en-US" sz="2400" b="1" i="1" dirty="0">
-              <a:solidFill>
-                <a:schemeClr val="accent2"/>
-              </a:solidFill>
-              <a:latin typeface="Consolas" panose="020B0609020204030204" pitchFamily="49" charset="0"/>
-            </a:endParaRPr>
           </a:p>
         </p:txBody>
       </p:sp>
@@ -15404,13 +15073,7 @@
               <a:rPr lang="en-US" sz="2400" b="1" dirty="0">
                 <a:latin typeface="Consolas" panose="020B0609020204030204" pitchFamily="49" charset="0"/>
               </a:rPr>
-              <a:t>my_pets = ["cat", "dog", </a:t>
-            </a:r>
-            <a:r>
-              <a:rPr lang="en-US" sz="2400" b="1" dirty="0" smtClean="0">
-                <a:latin typeface="Consolas" panose="020B0609020204030204" pitchFamily="49" charset="0"/>
-              </a:rPr>
-              <a:t>"fish"]</a:t>
+              <a:t>my_pets = ["cat", "dog", "fish"]</a:t>
             </a:r>
           </a:p>
           <a:p>
@@ -15427,13 +15090,13 @@
               <a:buSzPct val="70000"/>
             </a:pPr>
             <a:r>
-              <a:rPr lang="en-US" sz="2400" b="1" dirty="0" smtClean="0">
+              <a:rPr lang="en-US" sz="2400" b="1" dirty="0">
                 <a:latin typeface="Consolas" panose="020B0609020204030204" pitchFamily="49" charset="0"/>
               </a:rPr>
               <a:t>for </a:t>
             </a:r>
             <a:r>
-              <a:rPr lang="en-US" sz="2400" b="1" dirty="0" smtClean="0">
+              <a:rPr lang="en-US" sz="2400" b="1" dirty="0">
                 <a:solidFill>
                   <a:schemeClr val="bg1"/>
                 </a:solidFill>
@@ -15442,13 +15105,13 @@
               <a:t>index</a:t>
             </a:r>
             <a:r>
-              <a:rPr lang="en-US" sz="2400" b="1" dirty="0" smtClean="0">
+              <a:rPr lang="en-US" sz="2400" b="1" dirty="0">
                 <a:latin typeface="Consolas" panose="020B0609020204030204" pitchFamily="49" charset="0"/>
               </a:rPr>
               <a:t> in </a:t>
             </a:r>
             <a:r>
-              <a:rPr lang="en-US" sz="2400" b="1" dirty="0" smtClean="0">
+              <a:rPr lang="en-US" sz="2400" b="1" dirty="0">
                 <a:solidFill>
                   <a:schemeClr val="bg1"/>
                 </a:solidFill>
@@ -15457,40 +15120,22 @@
               <a:t>range</a:t>
             </a:r>
             <a:r>
-              <a:rPr lang="en-US" sz="2400" b="1" dirty="0" smtClean="0">
+              <a:rPr lang="en-US" sz="2400" b="1" dirty="0">
                 <a:latin typeface="Consolas" panose="020B0609020204030204" pitchFamily="49" charset="0"/>
               </a:rPr>
               <a:t>(</a:t>
             </a:r>
             <a:r>
-              <a:rPr lang="en-US" sz="2400" b="1" dirty="0" smtClean="0">
+              <a:rPr lang="en-US" sz="2400" b="1" dirty="0">
                 <a:solidFill>
                   <a:schemeClr val="bg1"/>
                 </a:solidFill>
                 <a:latin typeface="Consolas" panose="020B0609020204030204" pitchFamily="49" charset="0"/>
               </a:rPr>
-              <a:t>len(</a:t>
+              <a:t>len(my_pets)</a:t>
             </a:r>
             <a:r>
               <a:rPr lang="en-US" sz="2400" b="1" dirty="0">
-                <a:solidFill>
-                  <a:schemeClr val="bg1"/>
-                </a:solidFill>
-                <a:latin typeface="Consolas" panose="020B0609020204030204" pitchFamily="49" charset="0"/>
-              </a:rPr>
-              <a:t>my_pets</a:t>
-            </a:r>
-            <a:r>
-              <a:rPr lang="en-US" sz="2400" b="1" dirty="0" smtClean="0">
-                <a:solidFill>
-                  <a:schemeClr val="bg1"/>
-                </a:solidFill>
-                <a:latin typeface="Consolas" panose="020B0609020204030204" pitchFamily="49" charset="0"/>
-              </a:rPr>
-              <a:t>)</a:t>
-            </a:r>
-            <a:r>
-              <a:rPr lang="en-US" sz="2400" b="1" dirty="0" smtClean="0">
                 <a:latin typeface="Consolas" panose="020B0609020204030204" pitchFamily="49" charset="0"/>
               </a:rPr>
               <a:t>):</a:t>
@@ -15513,29 +15158,17 @@
               <a:rPr lang="en-US" sz="2400" b="1" dirty="0">
                 <a:latin typeface="Consolas" panose="020B0609020204030204" pitchFamily="49" charset="0"/>
               </a:rPr>
-              <a:t>	</a:t>
-            </a:r>
-            <a:r>
-              <a:rPr lang="en-US" sz="2400" b="1" dirty="0" smtClean="0">
+              <a:t>	print(my_pets[index], end=" ") </a:t>
+            </a:r>
+            <a:r>
+              <a:rPr lang="en-US" sz="2400" b="1" i="1" dirty="0">
+                <a:solidFill>
+                  <a:schemeClr val="accent2"/>
+                </a:solidFill>
                 <a:latin typeface="Consolas" panose="020B0609020204030204" pitchFamily="49" charset="0"/>
               </a:rPr>
-              <a:t>print(my_pets[index], end=" ") </a:t>
-            </a:r>
-            <a:r>
-              <a:rPr lang="en-US" sz="2400" b="1" i="1" dirty="0" smtClean="0">
-                <a:solidFill>
-                  <a:schemeClr val="accent2"/>
-                </a:solidFill>
-                <a:latin typeface="Consolas" panose="020B0609020204030204" pitchFamily="49" charset="0"/>
-              </a:rPr>
               <a:t># cat, dog, fish</a:t>
             </a:r>
-            <a:endParaRPr lang="en-US" sz="2400" b="1" i="1" dirty="0">
-              <a:solidFill>
-                <a:schemeClr val="accent2"/>
-              </a:solidFill>
-              <a:latin typeface="Consolas" panose="020B0609020204030204" pitchFamily="49" charset="0"/>
-            </a:endParaRPr>
           </a:p>
         </p:txBody>
       </p:sp>
@@ -15859,46 +15492,22 @@
             </a:r>
             <a:r>
               <a:rPr lang="ru-RU" sz="3600" b="1" dirty="0"/>
-              <a:t> </a:t>
-            </a:r>
-            <a:r>
-              <a:rPr lang="ru-RU" sz="3600" b="1" dirty="0" smtClean="0"/>
-              <a:t>цикъл</a:t>
-            </a:r>
-            <a:r>
-              <a:rPr lang="ru-RU" sz="3600" dirty="0" smtClean="0"/>
-              <a:t> </a:t>
+              <a:t> цикъл</a:t>
             </a:r>
             <a:r>
               <a:rPr lang="ru-RU" sz="3600" dirty="0"/>
-              <a:t>за </a:t>
-            </a:r>
-            <a:r>
-              <a:rPr lang="ru-RU" sz="3600" dirty="0" smtClean="0"/>
-              <a:t>итерация</a:t>
+              <a:t> за итерация</a:t>
             </a:r>
           </a:p>
           <a:p>
             <a:pPr lvl="1"/>
             <a:r>
               <a:rPr lang="ru-RU" sz="3200" dirty="0"/>
-              <a:t>В първия пример </a:t>
-            </a:r>
-            <a:r>
-              <a:rPr lang="ru-RU" sz="3200" dirty="0" smtClean="0"/>
-              <a:t>итерираме през елементите, </a:t>
-            </a:r>
-            <a:r>
-              <a:rPr lang="ru-RU" sz="3200" dirty="0"/>
-              <a:t>докато достигнем </a:t>
+              <a:t>В първия пример итерираме през елементите, докато достигнем </a:t>
             </a:r>
             <a:r>
               <a:rPr lang="ru-RU" sz="3200" b="1" dirty="0"/>
-              <a:t>края на </a:t>
-            </a:r>
-            <a:r>
-              <a:rPr lang="ru-RU" sz="3200" b="1" dirty="0" smtClean="0"/>
-              <a:t>списъка</a:t>
+              <a:t>края на списъка</a:t>
             </a:r>
           </a:p>
           <a:p>
@@ -15939,15 +15548,15 @@
           <a:lstStyle/>
           <a:p>
             <a:r>
-              <a:rPr lang="bg-BG" dirty="0" smtClean="0"/>
+              <a:rPr lang="bg-BG" dirty="0"/>
               <a:t>Използване на </a:t>
             </a:r>
             <a:r>
-              <a:rPr lang="en-US" dirty="0" smtClean="0"/>
+              <a:rPr lang="en-US" dirty="0"/>
               <a:t>while </a:t>
             </a:r>
             <a:r>
-              <a:rPr lang="bg-BG" dirty="0" smtClean="0"/>
+              <a:rPr lang="bg-BG" dirty="0"/>
               <a:t>цикъл</a:t>
             </a:r>
             <a:endParaRPr lang="en-US" dirty="0"/>
@@ -16070,7 +15679,6 @@
               <a:rPr lang="en-US" dirty="0"/>
               <a:t>	i += i	</a:t>
             </a:r>
-            <a:endParaRPr lang="en-US" dirty="0"/>
           </a:p>
         </p:txBody>
       </p:sp>
@@ -16128,12 +15736,8 @@
           </a:lstStyle>
           <a:p>
             <a:r>
-              <a:rPr lang="en-US" dirty="0" smtClean="0"/>
-              <a:t>my_list </a:t>
-            </a:r>
-            <a:r>
               <a:rPr lang="en-US" dirty="0"/>
-              <a:t>= ["cat", "dog", "fish"]</a:t>
+              <a:t>my_list = ["cat", "dog", "fish"]</a:t>
             </a:r>
             <a:endParaRPr lang="bg-BG" dirty="0"/>
           </a:p>
@@ -16158,13 +15762,8 @@
           <a:p>
             <a:r>
               <a:rPr lang="en-US" dirty="0"/>
-              <a:t>	my_list.remove(current_element</a:t>
-            </a:r>
-            <a:r>
-              <a:rPr lang="en-US" dirty="0" smtClean="0"/>
-              <a:t>)</a:t>
-            </a:r>
-            <a:endParaRPr lang="en-US" dirty="0"/>
+              <a:t>	my_list.remove(current_element)</a:t>
+            </a:r>
           </a:p>
         </p:txBody>
       </p:sp>
@@ -16468,15 +16067,15 @@
           <a:lstStyle/>
           <a:p>
             <a:r>
-              <a:rPr lang="bg-BG" dirty="0" smtClean="0"/>
+              <a:rPr lang="bg-BG" dirty="0"/>
               <a:t>Ще получите </a:t>
             </a:r>
             <a:r>
-              <a:rPr lang="bg-BG" b="1" dirty="0" smtClean="0"/>
+              <a:rPr lang="bg-BG" b="1" dirty="0"/>
               <a:t>цяло число </a:t>
             </a:r>
             <a:r>
-              <a:rPr lang="en-US" b="1" dirty="0" smtClean="0">
+              <a:rPr lang="en-US" b="1" dirty="0">
                 <a:solidFill>
                   <a:schemeClr val="bg1"/>
                 </a:solidFill>
@@ -16503,60 +16102,40 @@
             </a:r>
             <a:r>
               <a:rPr lang="ru-RU" dirty="0"/>
-              <a:t>ще </a:t>
-            </a:r>
-            <a:r>
-              <a:rPr lang="ru-RU" dirty="0" smtClean="0"/>
-              <a:t>получ</a:t>
-            </a:r>
-            <a:r>
-              <a:rPr lang="bg-BG" dirty="0" smtClean="0"/>
+              <a:t>ще получ</a:t>
+            </a:r>
+            <a:r>
+              <a:rPr lang="bg-BG" dirty="0"/>
               <a:t>авате</a:t>
             </a:r>
             <a:r>
-              <a:rPr lang="ru-RU" dirty="0" smtClean="0"/>
+              <a:rPr lang="ru-RU" dirty="0"/>
               <a:t> </a:t>
             </a:r>
             <a:r>
               <a:rPr lang="ru-RU" b="1" dirty="0"/>
-              <a:t>цели </a:t>
-            </a:r>
-            <a:r>
-              <a:rPr lang="ru-RU" b="1" dirty="0" smtClean="0"/>
-              <a:t>числа</a:t>
-            </a:r>
-          </a:p>
-          <a:p>
-            <a:r>
-              <a:rPr lang="ru-RU" dirty="0" smtClean="0"/>
-              <a:t>Създайте </a:t>
-            </a:r>
+              <a:t>цели числа</a:t>
+            </a:r>
+          </a:p>
+          <a:p>
             <a:r>
               <a:rPr lang="ru-RU" dirty="0"/>
-              <a:t>и отпечатайте </a:t>
+              <a:t>Създайте и отпечатайте </a:t>
             </a:r>
             <a:r>
               <a:rPr lang="ru-RU" b="1" dirty="0"/>
-              <a:t>два </a:t>
-            </a:r>
-            <a:r>
-              <a:rPr lang="ru-RU" b="1" dirty="0" smtClean="0"/>
-              <a:t>списъка</a:t>
-            </a:r>
-            <a:r>
-              <a:rPr lang="ru-RU" dirty="0" smtClean="0"/>
+              <a:t>два списъка</a:t>
+            </a:r>
+            <a:r>
+              <a:rPr lang="ru-RU" dirty="0"/>
               <a:t>:</a:t>
             </a:r>
           </a:p>
           <a:p>
             <a:pPr lvl="1"/>
             <a:r>
-              <a:rPr lang="ru-RU" dirty="0" smtClean="0"/>
-              <a:t>Един </a:t>
-            </a:r>
-            <a:r>
               <a:rPr lang="ru-RU" dirty="0"/>
-              <a:t>с всички </a:t>
+              <a:t>Един с всички </a:t>
             </a:r>
             <a:r>
               <a:rPr lang="ru-RU" b="1" dirty="0">
@@ -16579,19 +16158,15 @@
               <a:t>) </a:t>
             </a:r>
             <a:r>
-              <a:rPr lang="ru-RU" b="1" dirty="0" smtClean="0"/>
+              <a:rPr lang="ru-RU" b="1" dirty="0"/>
               <a:t>числа</a:t>
             </a:r>
           </a:p>
           <a:p>
             <a:pPr lvl="1"/>
             <a:r>
-              <a:rPr lang="ru-RU" dirty="0" smtClean="0"/>
-              <a:t>Един </a:t>
-            </a:r>
-            <a:r>
               <a:rPr lang="ru-RU" dirty="0"/>
-              <a:t>с всички </a:t>
+              <a:t>Един с всички </a:t>
             </a:r>
             <a:r>
               <a:rPr lang="ru-RU" b="1" dirty="0">
@@ -16603,23 +16178,14 @@
             </a:r>
             <a:r>
               <a:rPr lang="ru-RU" b="1" dirty="0"/>
-              <a:t> </a:t>
-            </a:r>
-            <a:r>
-              <a:rPr lang="ru-RU" b="1" dirty="0" smtClean="0"/>
-              <a:t>числа</a:t>
-            </a:r>
-          </a:p>
-          <a:p>
-            <a:r>
-              <a:rPr lang="ru-RU" dirty="0" smtClean="0"/>
-              <a:t>Накрая </a:t>
-            </a:r>
+              <a:t> числа</a:t>
+            </a:r>
+          </a:p>
+          <a:p>
             <a:r>
               <a:rPr lang="ru-RU" dirty="0"/>
-              <a:t>отпечатайте следното: </a:t>
-            </a:r>
-            <a:endParaRPr lang="ru-RU" dirty="0" smtClean="0"/>
+              <a:t>Накрая отпечатайте следното: </a:t>
+            </a:r>
           </a:p>
           <a:p>
             <a:pPr marL="442912" lvl="1" indent="0">
@@ -16629,18 +16195,13 @@
               <a:buNone/>
             </a:pPr>
             <a:r>
-              <a:rPr lang="ru-RU" dirty="0" smtClean="0"/>
+              <a:rPr lang="ru-RU" dirty="0"/>
               <a:t>"</a:t>
             </a:r>
             <a:r>
-              <a:rPr lang="ru-RU" b="1" dirty="0" smtClean="0"/>
-              <a:t>Брой </a:t>
-            </a:r>
-            <a:r>
               <a:rPr lang="ru-RU" b="1" dirty="0"/>
-              <a:t>на положителните числа: {count_positives} </a:t>
-            </a:r>
-            <a:endParaRPr lang="ru-RU" b="1" dirty="0" smtClean="0"/>
+              <a:t>Брой на положителните числа: {count_positives} </a:t>
+            </a:r>
           </a:p>
           <a:p>
             <a:pPr marL="442912" lvl="1" indent="0">
@@ -16650,19 +16211,11 @@
               <a:buNone/>
             </a:pPr>
             <a:r>
-              <a:rPr lang="ru-RU" b="1" dirty="0" smtClean="0"/>
-              <a:t>Сума </a:t>
-            </a:r>
-            <a:r>
               <a:rPr lang="ru-RU" b="1" dirty="0"/>
-              <a:t>на отрицателните: {sum_of_negatives</a:t>
-            </a:r>
-            <a:r>
-              <a:rPr lang="ru-RU" b="1" dirty="0" smtClean="0"/>
-              <a:t>}</a:t>
-            </a:r>
-            <a:r>
-              <a:rPr lang="ru-RU" dirty="0" smtClean="0"/>
+              <a:t>Сума на отрицателните: {sum_of_negatives}</a:t>
+            </a:r>
+            <a:r>
+              <a:rPr lang="ru-RU" dirty="0"/>
               <a:t>"</a:t>
             </a:r>
             <a:endParaRPr lang="en-US" dirty="0"/>
@@ -16685,7 +16238,7 @@
           <a:lstStyle/>
           <a:p>
             <a:r>
-              <a:rPr lang="bg-BG" dirty="0" smtClean="0"/>
+              <a:rPr lang="bg-BG" dirty="0"/>
               <a:t>Статисика – условие</a:t>
             </a:r>
             <a:endParaRPr lang="en-US" dirty="0"/>
@@ -17154,7 +16707,7 @@
           <a:lstStyle/>
           <a:p>
             <a:r>
-              <a:rPr lang="bg-BG" dirty="0" smtClean="0"/>
+              <a:rPr lang="bg-BG" dirty="0"/>
               <a:t>Статистика – решение</a:t>
             </a:r>
             <a:endParaRPr lang="en-US" dirty="0"/>
@@ -17211,13 +16764,7 @@
               <a:rPr lang="en-US" sz="2400" b="1" dirty="0">
                 <a:latin typeface="Consolas" panose="020B0609020204030204" pitchFamily="49" charset="0"/>
               </a:rPr>
-              <a:t>n = int(input</a:t>
-            </a:r>
-            <a:r>
-              <a:rPr lang="en-US" sz="2400" b="1" dirty="0" smtClean="0">
-                <a:latin typeface="Consolas" panose="020B0609020204030204" pitchFamily="49" charset="0"/>
-              </a:rPr>
-              <a:t>())</a:t>
+              <a:t>n = int(input())</a:t>
             </a:r>
           </a:p>
           <a:p>
@@ -17233,7 +16780,7 @@
               </a:buClr>
               <a:buSzPct val="70000"/>
             </a:pPr>
-            <a:endParaRPr lang="bg-BG" sz="2400" b="1" dirty="0" smtClean="0">
+            <a:endParaRPr lang="bg-BG" sz="2400" b="1" dirty="0">
               <a:latin typeface="Consolas" panose="020B0609020204030204" pitchFamily="49" charset="0"/>
             </a:endParaRPr>
           </a:p>
@@ -17251,24 +16798,12 @@
               <a:buSzPct val="70000"/>
             </a:pPr>
             <a:r>
-              <a:rPr lang="en-US" sz="2400" b="1" dirty="0" smtClean="0">
-                <a:latin typeface="Consolas" panose="020B0609020204030204" pitchFamily="49" charset="0"/>
-              </a:rPr>
-              <a:t>positives </a:t>
-            </a:r>
-            <a:r>
               <a:rPr lang="en-US" sz="2400" b="1" dirty="0">
                 <a:latin typeface="Consolas" panose="020B0609020204030204" pitchFamily="49" charset="0"/>
               </a:rPr>
-              <a:t>= </a:t>
-            </a:r>
-            <a:r>
-              <a:rPr lang="en-US" sz="2400" b="1" dirty="0" smtClean="0">
-                <a:latin typeface="Consolas" panose="020B0609020204030204" pitchFamily="49" charset="0"/>
-              </a:rPr>
-              <a:t>[]</a:t>
-            </a:r>
-            <a:endParaRPr lang="bg-BG" sz="2400" b="1" dirty="0" smtClean="0">
+              <a:t>positives = []</a:t>
+            </a:r>
+            <a:endParaRPr lang="bg-BG" sz="2400" b="1" dirty="0">
               <a:latin typeface="Consolas" panose="020B0609020204030204" pitchFamily="49" charset="0"/>
             </a:endParaRPr>
           </a:p>
@@ -17286,20 +16821,11 @@
               <a:buSzPct val="70000"/>
             </a:pPr>
             <a:r>
-              <a:rPr lang="en-US" sz="2400" b="1" dirty="0" smtClean="0">
-                <a:latin typeface="Consolas" panose="020B0609020204030204" pitchFamily="49" charset="0"/>
-              </a:rPr>
-              <a:t>negatives </a:t>
-            </a:r>
-            <a:r>
               <a:rPr lang="en-US" sz="2400" b="1" dirty="0">
                 <a:latin typeface="Consolas" panose="020B0609020204030204" pitchFamily="49" charset="0"/>
               </a:rPr>
-              <a:t>= [] </a:t>
-            </a:r>
-            <a:endParaRPr lang="en-US" sz="2400" b="1" dirty="0" smtClean="0">
-              <a:latin typeface="Consolas" panose="020B0609020204030204" pitchFamily="49" charset="0"/>
-            </a:endParaRPr>
+              <a:t>negatives = [] </a:t>
+            </a:r>
           </a:p>
           <a:p>
             <a:pPr eaLnBrk="0" hangingPunct="0">
@@ -17314,7 +16840,7 @@
               </a:buClr>
               <a:buSzPct val="70000"/>
             </a:pPr>
-            <a:endParaRPr lang="bg-BG" sz="2400" b="1" dirty="0" smtClean="0">
+            <a:endParaRPr lang="bg-BG" sz="2400" b="1" dirty="0">
               <a:latin typeface="Consolas" panose="020B0609020204030204" pitchFamily="49" charset="0"/>
             </a:endParaRPr>
           </a:p>
@@ -17332,18 +16858,12 @@
               <a:buSzPct val="70000"/>
             </a:pPr>
             <a:r>
-              <a:rPr lang="en-US" sz="2400" b="1" dirty="0" smtClean="0">
-                <a:latin typeface="Consolas" panose="020B0609020204030204" pitchFamily="49" charset="0"/>
-              </a:rPr>
-              <a:t>for </a:t>
-            </a:r>
-            <a:r>
               <a:rPr lang="en-US" sz="2400" b="1" dirty="0">
                 <a:latin typeface="Consolas" panose="020B0609020204030204" pitchFamily="49" charset="0"/>
               </a:rPr>
-              <a:t>n in range(n): </a:t>
-            </a:r>
-            <a:endParaRPr lang="bg-BG" sz="2400" b="1" dirty="0" smtClean="0">
+              <a:t>for n in range(n): </a:t>
+            </a:r>
+            <a:endParaRPr lang="bg-BG" sz="2400" b="1" dirty="0">
               <a:latin typeface="Consolas" panose="020B0609020204030204" pitchFamily="49" charset="0"/>
             </a:endParaRPr>
           </a:p>
@@ -17367,7 +16887,7 @@
               <a:t>	</a:t>
             </a:r>
             <a:r>
-              <a:rPr lang="en-US" sz="2400" b="1" i="1" dirty="0" smtClean="0">
+              <a:rPr lang="en-US" sz="2400" b="1" i="1" dirty="0">
                 <a:solidFill>
                   <a:schemeClr val="accent2"/>
                 </a:solidFill>
@@ -17376,7 +16896,7 @@
               <a:t># </a:t>
             </a:r>
             <a:r>
-              <a:rPr lang="bg-BG" sz="2400" b="1" i="1" dirty="0" smtClean="0">
+              <a:rPr lang="bg-BG" sz="2400" b="1" i="1" dirty="0">
                 <a:solidFill>
                   <a:schemeClr val="accent2"/>
                 </a:solidFill>
@@ -17385,7 +16905,7 @@
               <a:t>Прочетете числата от потребителя и ги </a:t>
             </a:r>
             <a:r>
-              <a:rPr lang="en-US" sz="2400" b="1" i="1" dirty="0" smtClean="0">
+              <a:rPr lang="en-US" sz="2400" b="1" i="1" dirty="0">
                 <a:solidFill>
                   <a:schemeClr val="accent2"/>
                 </a:solidFill>
@@ -17394,7 +16914,7 @@
               <a:t>	</a:t>
             </a:r>
             <a:r>
-              <a:rPr lang="bg-BG" sz="2400" b="1" i="1" dirty="0" smtClean="0">
+              <a:rPr lang="bg-BG" sz="2400" b="1" i="1" dirty="0">
                 <a:solidFill>
                   <a:schemeClr val="accent2"/>
                 </a:solidFill>
@@ -17403,7 +16923,7 @@
               <a:t>добавете в подходящия списък</a:t>
             </a:r>
             <a:r>
-              <a:rPr lang="en-US" sz="2400" b="1" i="1" dirty="0" smtClean="0">
+              <a:rPr lang="en-US" sz="2400" b="1" i="1" dirty="0">
                 <a:solidFill>
                   <a:schemeClr val="accent2"/>
                 </a:solidFill>
@@ -17411,7 +16931,7 @@
               </a:rPr>
               <a:t> </a:t>
             </a:r>
-            <a:endParaRPr lang="bg-BG" sz="2400" b="1" i="1" dirty="0" smtClean="0">
+            <a:endParaRPr lang="bg-BG" sz="2400" b="1" i="1" dirty="0">
               <a:solidFill>
                 <a:schemeClr val="accent2"/>
               </a:solidFill>
@@ -17431,7 +16951,7 @@
               </a:buClr>
               <a:buSzPct val="70000"/>
             </a:pPr>
-            <a:endParaRPr lang="bg-BG" sz="2400" dirty="0" smtClean="0">
+            <a:endParaRPr lang="bg-BG" sz="2400" dirty="0">
               <a:latin typeface="Consolas" panose="020B0609020204030204" pitchFamily="49" charset="0"/>
             </a:endParaRPr>
           </a:p>
@@ -17449,7 +16969,7 @@
               <a:buSzPct val="70000"/>
             </a:pPr>
             <a:r>
-              <a:rPr lang="en-US" sz="2400" b="1" i="1" dirty="0" smtClean="0">
+              <a:rPr lang="en-US" sz="2400" b="1" i="1" dirty="0">
                 <a:solidFill>
                   <a:schemeClr val="accent2"/>
                 </a:solidFill>
@@ -17458,7 +16978,7 @@
               <a:t># </a:t>
             </a:r>
             <a:r>
-              <a:rPr lang="bg-BG" sz="2400" b="1" i="1" dirty="0" smtClean="0">
+              <a:rPr lang="bg-BG" sz="2400" b="1" i="1" dirty="0">
                 <a:solidFill>
                   <a:schemeClr val="accent2"/>
                 </a:solidFill>
@@ -17481,7 +17001,7 @@
               <a:buSzPct val="70000"/>
             </a:pPr>
             <a:r>
-              <a:rPr lang="en-US" sz="2400" b="1" i="1" dirty="0" smtClean="0">
+              <a:rPr lang="en-US" sz="2400" b="1" i="1" dirty="0">
                 <a:solidFill>
                   <a:schemeClr val="accent2"/>
                 </a:solidFill>
@@ -17496,32 +17016,8 @@
                 </a:solidFill>
                 <a:latin typeface="Consolas" panose="020B0609020204030204" pitchFamily="49" charset="0"/>
               </a:rPr>
-              <a:t>Отпечатайте списъка с </a:t>
-            </a:r>
-            <a:r>
-              <a:rPr lang="bg-BG" sz="2400" b="1" i="1" dirty="0" smtClean="0">
-                <a:solidFill>
-                  <a:schemeClr val="accent2"/>
-                </a:solidFill>
-                <a:latin typeface="Consolas" panose="020B0609020204030204" pitchFamily="49" charset="0"/>
-              </a:rPr>
-              <a:t>отрицателни </a:t>
-            </a:r>
-            <a:r>
-              <a:rPr lang="bg-BG" sz="2400" b="1" i="1" dirty="0">
-                <a:solidFill>
-                  <a:schemeClr val="accent2"/>
-                </a:solidFill>
-                <a:latin typeface="Consolas" panose="020B0609020204030204" pitchFamily="49" charset="0"/>
-              </a:rPr>
-              <a:t>числа</a:t>
-            </a:r>
-            <a:endParaRPr lang="bg-BG" sz="2400" b="1" i="1" dirty="0" smtClean="0">
-              <a:solidFill>
-                <a:schemeClr val="accent2"/>
-              </a:solidFill>
-              <a:latin typeface="Consolas" panose="020B0609020204030204" pitchFamily="49" charset="0"/>
-            </a:endParaRPr>
+              <a:t>Отпечатайте списъка с отрицателни числа</a:t>
+            </a:r>
           </a:p>
           <a:p>
             <a:pPr eaLnBrk="0" hangingPunct="0">
@@ -17537,7 +17033,7 @@
               <a:buSzPct val="70000"/>
             </a:pPr>
             <a:r>
-              <a:rPr lang="en-US" sz="2400" b="1" i="1" dirty="0" smtClean="0">
+              <a:rPr lang="en-US" sz="2400" b="1" i="1" dirty="0">
                 <a:solidFill>
                   <a:schemeClr val="accent2"/>
                 </a:solidFill>
@@ -17552,23 +17048,8 @@
                 </a:solidFill>
                 <a:latin typeface="Consolas" panose="020B0609020204030204" pitchFamily="49" charset="0"/>
               </a:rPr>
-              <a:t>Отпечатайте </a:t>
-            </a:r>
-            <a:r>
-              <a:rPr lang="bg-BG" sz="2400" b="1" i="1" dirty="0" smtClean="0">
-                <a:solidFill>
-                  <a:schemeClr val="accent2"/>
-                </a:solidFill>
-                <a:latin typeface="Consolas" panose="020B0609020204030204" pitchFamily="49" charset="0"/>
-              </a:rPr>
-              <a:t>статистиките</a:t>
-            </a:r>
-            <a:endParaRPr lang="bg-BG" sz="2400" b="1" i="1" dirty="0">
-              <a:solidFill>
-                <a:schemeClr val="accent2"/>
-              </a:solidFill>
-              <a:latin typeface="Consolas" panose="020B0609020204030204" pitchFamily="49" charset="0"/>
-            </a:endParaRPr>
+              <a:t>Отпечатайте статистиките</a:t>
+            </a:r>
           </a:p>
         </p:txBody>
       </p:sp>
@@ -17590,13 +17071,6 @@
       <p:transition spd="slow" advClick="0" advTm="5000"/>
     </mc:Fallback>
   </mc:AlternateContent>
-  <p:timing>
-    <p:tnLst>
-      <p:par>
-        <p:cTn id="1" dur="indefinite" restart="never" nodeType="tmRoot"/>
-      </p:par>
-    </p:tnLst>
-  </p:timing>
 </p:sld>
 </file>
 
@@ -17633,7 +17107,7 @@
           <a:lstStyle/>
           <a:p>
             <a:r>
-              <a:rPr lang="bg-BG" dirty="0" smtClean="0"/>
+              <a:rPr lang="bg-BG" dirty="0"/>
               <a:t>Използване на вградени функции</a:t>
             </a:r>
             <a:endParaRPr lang="en-US" dirty="0"/>
@@ -17665,23 +17139,11 @@
             </a:r>
             <a:r>
               <a:rPr lang="bg-BG" dirty="0"/>
-              <a:t>на </a:t>
-            </a:r>
-            <a:r>
-              <a:rPr lang="bg-BG" dirty="0" smtClean="0"/>
-              <a:t>елемент</a:t>
-            </a:r>
-            <a:r>
-              <a:rPr lang="bg-BG" dirty="0"/>
-              <a:t>и</a:t>
-            </a:r>
-            <a:r>
-              <a:rPr lang="ru-RU" dirty="0" smtClean="0"/>
-              <a:t> </a:t>
+              <a:t>на елементи</a:t>
             </a:r>
             <a:r>
               <a:rPr lang="ru-RU" dirty="0"/>
-              <a:t>в списък</a:t>
+              <a:t> в списък</a:t>
             </a:r>
             <a:endParaRPr lang="en-US" dirty="0"/>
           </a:p>
@@ -17746,13 +17208,6 @@
       <p:transition spd="slow" advClick="0" advTm="5000"/>
     </mc:Fallback>
   </mc:AlternateContent>
-  <p:timing>
-    <p:tnLst>
-      <p:par>
-        <p:cTn id="1" dur="indefinite" restart="never" nodeType="tmRoot"/>
-      </p:par>
-    </p:tnLst>
-  </p:timing>
 </p:sld>
 </file>
 
@@ -17797,7 +17252,7 @@
               <a:t>"</a:t>
             </a:r>
             <a:r>
-              <a:rPr lang="en-US" b="1" dirty="0" smtClean="0">
+              <a:rPr lang="en-US" b="1" dirty="0">
                 <a:solidFill>
                   <a:schemeClr val="bg1"/>
                 </a:solidFill>
@@ -17805,35 +17260,35 @@
               <a:t>in</a:t>
             </a:r>
             <a:r>
-              <a:rPr lang="en-US" dirty="0" smtClean="0"/>
+              <a:rPr lang="en-US" dirty="0"/>
               <a:t>" </a:t>
             </a:r>
             <a:r>
-              <a:rPr lang="bg-BG" dirty="0" smtClean="0"/>
+              <a:rPr lang="bg-BG" dirty="0"/>
               <a:t>се използва, за да се провери дали търсеният</a:t>
             </a:r>
             <a:r>
-              <a:rPr lang="bg-BG" b="1" dirty="0" smtClean="0"/>
+              <a:rPr lang="bg-BG" b="1" dirty="0"/>
               <a:t> </a:t>
             </a:r>
             <a:r>
-              <a:rPr lang="bg-BG" dirty="0" smtClean="0"/>
+              <a:rPr lang="bg-BG" dirty="0"/>
               <a:t>елемент</a:t>
             </a:r>
             <a:r>
-              <a:rPr lang="bg-BG" b="1" dirty="0" smtClean="0"/>
+              <a:rPr lang="bg-BG" b="1" dirty="0"/>
               <a:t> </a:t>
             </a:r>
             <a:r>
-              <a:rPr lang="bg-BG" dirty="0" smtClean="0"/>
+              <a:rPr lang="bg-BG" dirty="0"/>
               <a:t>е в</a:t>
             </a:r>
             <a:r>
-              <a:rPr lang="bg-BG" b="1" dirty="0" smtClean="0"/>
+              <a:rPr lang="bg-BG" b="1" dirty="0"/>
               <a:t> </a:t>
             </a:r>
             <a:r>
-              <a:rPr lang="bg-BG" dirty="0" smtClean="0"/>
+              <a:rPr lang="bg-BG" dirty="0"/>
               <a:t>списъка</a:t>
             </a:r>
           </a:p>
@@ -17841,11 +17296,11 @@
             <a:endParaRPr lang="bg-BG" dirty="0"/>
           </a:p>
           <a:p>
-            <a:endParaRPr lang="bg-BG" dirty="0" smtClean="0"/>
-          </a:p>
-          <a:p>
-            <a:r>
-              <a:rPr lang="bg-BG" dirty="0" smtClean="0"/>
+            <a:endParaRPr lang="bg-BG" dirty="0"/>
+          </a:p>
+          <a:p>
+            <a:r>
+              <a:rPr lang="bg-BG" dirty="0"/>
               <a:t>Обикновено </a:t>
             </a:r>
             <a:r>
@@ -17862,33 +17317,28 @@
             </a:r>
             <a:r>
               <a:rPr lang="en-US" dirty="0"/>
-              <a:t>"</a:t>
-            </a:r>
-            <a:r>
-              <a:rPr lang="en-US" dirty="0" smtClean="0"/>
+              <a:t>" </a:t>
+            </a:r>
+            <a:r>
+              <a:rPr lang="bg-BG" dirty="0"/>
+              <a:t>се използва в </a:t>
+            </a:r>
+            <a:r>
+              <a:rPr lang="en-US" b="1" dirty="0">
+                <a:solidFill>
+                  <a:schemeClr val="bg1"/>
+                </a:solidFill>
+              </a:rPr>
+              <a:t>if-else</a:t>
+            </a:r>
+            <a:r>
+              <a:rPr lang="en-US" b="1" dirty="0"/>
               <a:t> </a:t>
             </a:r>
             <a:r>
-              <a:rPr lang="bg-BG" dirty="0" smtClean="0"/>
-              <a:t>се използва в </a:t>
-            </a:r>
-            <a:r>
-              <a:rPr lang="en-US" b="1" dirty="0" smtClean="0">
-                <a:solidFill>
-                  <a:schemeClr val="bg1"/>
-                </a:solidFill>
-              </a:rPr>
-              <a:t>if-else</a:t>
-            </a:r>
-            <a:r>
-              <a:rPr lang="en-US" b="1" dirty="0" smtClean="0"/>
-              <a:t> </a:t>
-            </a:r>
-            <a:r>
-              <a:rPr lang="bg-BG" b="1" dirty="0" smtClean="0"/>
+              <a:rPr lang="bg-BG" b="1" dirty="0"/>
               <a:t>конструкция</a:t>
             </a:r>
-            <a:endParaRPr lang="bg-BG" b="1" dirty="0"/>
           </a:p>
         </p:txBody>
       </p:sp>
@@ -17908,14 +17358,13 @@
           <a:lstStyle/>
           <a:p>
             <a:r>
-              <a:rPr lang="bg-BG" dirty="0" smtClean="0"/>
+              <a:rPr lang="bg-BG" dirty="0"/>
               <a:t>Ключовата дума </a:t>
             </a:r>
             <a:r>
-              <a:rPr lang="en-US" dirty="0" smtClean="0"/>
+              <a:rPr lang="en-US" dirty="0"/>
               <a:t>"in"</a:t>
             </a:r>
-            <a:endParaRPr lang="en-US" dirty="0"/>
           </a:p>
         </p:txBody>
       </p:sp>
@@ -17966,7 +17415,7 @@
               <a:buSzPct val="70000"/>
             </a:pPr>
             <a:r>
-              <a:rPr lang="en-US" sz="2400" b="1" dirty="0" smtClean="0">
+              <a:rPr lang="en-US" sz="2400" b="1" dirty="0">
                 <a:latin typeface="Consolas" panose="020B0609020204030204" pitchFamily="49" charset="0"/>
               </a:rPr>
               <a:t>my_list = [1, 2, 3, 4]</a:t>
@@ -17986,13 +17435,13 @@
               <a:buSzPct val="70000"/>
             </a:pPr>
             <a:r>
-              <a:rPr lang="en-US" sz="2400" b="1" dirty="0" smtClean="0">
+              <a:rPr lang="en-US" sz="2400" b="1" dirty="0">
                 <a:latin typeface="Consolas" panose="020B0609020204030204" pitchFamily="49" charset="0"/>
               </a:rPr>
               <a:t>if 3 </a:t>
             </a:r>
             <a:r>
-              <a:rPr lang="en-US" sz="2400" b="1" dirty="0" smtClean="0">
+              <a:rPr lang="en-US" sz="2400" b="1" dirty="0">
                 <a:solidFill>
                   <a:schemeClr val="bg1"/>
                 </a:solidFill>
@@ -18001,7 +17450,7 @@
               <a:t>in</a:t>
             </a:r>
             <a:r>
-              <a:rPr lang="en-US" sz="2400" b="1" dirty="0" smtClean="0">
+              <a:rPr lang="en-US" sz="2400" b="1" dirty="0">
                 <a:latin typeface="Consolas" panose="020B0609020204030204" pitchFamily="49" charset="0"/>
               </a:rPr>
               <a:t> my_list:</a:t>
@@ -18024,29 +17473,20 @@
               <a:rPr lang="en-US" sz="2400" b="1" dirty="0">
                 <a:latin typeface="Consolas" panose="020B0609020204030204" pitchFamily="49" charset="0"/>
               </a:rPr>
-              <a:t>	</a:t>
-            </a:r>
-            <a:r>
-              <a:rPr lang="en-US" sz="2400" b="1" dirty="0" smtClean="0">
+              <a:t>	print("</a:t>
+            </a:r>
+            <a:r>
+              <a:rPr lang="bg-BG" sz="2400" b="1" dirty="0">
                 <a:latin typeface="Consolas" panose="020B0609020204030204" pitchFamily="49" charset="0"/>
               </a:rPr>
-              <a:t>print("</a:t>
-            </a:r>
-            <a:r>
-              <a:rPr lang="bg-BG" sz="2400" b="1" dirty="0" smtClean="0">
+              <a:t>Числото 3 е в списъка</a:t>
+            </a:r>
+            <a:r>
+              <a:rPr lang="en-US" sz="2400" b="1" dirty="0">
                 <a:latin typeface="Consolas" panose="020B0609020204030204" pitchFamily="49" charset="0"/>
               </a:rPr>
-              <a:t>Числото 3 е в списъка</a:t>
-            </a:r>
-            <a:r>
-              <a:rPr lang="en-US" sz="2400" b="1" dirty="0" smtClean="0">
-                <a:latin typeface="Consolas" panose="020B0609020204030204" pitchFamily="49" charset="0"/>
-              </a:rPr>
               <a:t>")</a:t>
             </a:r>
-            <a:endParaRPr lang="en-US" sz="2400" b="1" dirty="0">
-              <a:latin typeface="Consolas" panose="020B0609020204030204" pitchFamily="49" charset="0"/>
-            </a:endParaRPr>
           </a:p>
         </p:txBody>
       </p:sp>
@@ -18071,7 +17511,7 @@
           <a:lstStyle/>
           <a:p>
             <a:r>
-              <a:rPr lang="bg-BG" noProof="0" dirty="0" smtClean="0"/>
+              <a:rPr lang="bg-BG" noProof="0" dirty="0"/>
               <a:t>29</a:t>
             </a:r>
           </a:p>
@@ -18259,11 +17699,7 @@
           <a:p>
             <a:r>
               <a:rPr lang="ru-RU" dirty="0"/>
-              <a:t>Определение и </a:t>
-            </a:r>
-            <a:r>
-              <a:rPr lang="ru-RU" dirty="0" smtClean="0"/>
-              <a:t>употреба</a:t>
+              <a:t>Определение и употреба</a:t>
             </a:r>
             <a:endParaRPr lang="en-US" dirty="0"/>
           </a:p>
@@ -18285,7 +17721,7 @@
           <a:lstStyle/>
           <a:p>
             <a:r>
-              <a:rPr lang="bg-BG" dirty="0" smtClean="0"/>
+              <a:rPr lang="bg-BG" dirty="0"/>
               <a:t>Списъци</a:t>
             </a:r>
             <a:endParaRPr lang="en-US" dirty="0"/>
@@ -18351,13 +17787,6 @@
       <p:transition spd="slow" advClick="0" advTm="5000"/>
     </mc:Fallback>
   </mc:AlternateContent>
-  <p:timing>
-    <p:tnLst>
-      <p:par>
-        <p:cTn id="1" dur="indefinite" restart="never" nodeType="tmRoot"/>
-      </p:par>
-    </p:tnLst>
-  </p:timing>
 </p:sld>
 </file>
 
@@ -18394,91 +17823,87 @@
           <a:lstStyle/>
           <a:p>
             <a:r>
-              <a:rPr lang="bg-BG" b="1" dirty="0" smtClean="0"/>
+              <a:rPr lang="bg-BG" b="1" dirty="0"/>
               <a:t>Изразът </a:t>
-            </a:r>
-            <a:r>
-              <a:rPr lang="en-US" dirty="0" smtClean="0"/>
-              <a:t>"</a:t>
-            </a:r>
-            <a:r>
-              <a:rPr lang="en-US" b="1" dirty="0" smtClean="0">
-                <a:solidFill>
-                  <a:schemeClr val="bg1"/>
-                </a:solidFill>
-              </a:rPr>
-              <a:t>not in</a:t>
-            </a:r>
-            <a:r>
-              <a:rPr lang="en-US" dirty="0" smtClean="0"/>
-              <a:t>" </a:t>
-            </a:r>
-            <a:r>
-              <a:rPr lang="bg-BG" dirty="0" smtClean="0"/>
-              <a:t>се използва, за да се провери дали търсеният</a:t>
-            </a:r>
-            <a:r>
-              <a:rPr lang="bg-BG" b="1" dirty="0" smtClean="0"/>
-              <a:t> </a:t>
-            </a:r>
-            <a:r>
-              <a:rPr lang="bg-BG" dirty="0" smtClean="0"/>
-              <a:t>елемент</a:t>
-            </a:r>
-            <a:r>
-              <a:rPr lang="bg-BG" b="1" dirty="0" smtClean="0"/>
-              <a:t> НЕ </a:t>
-            </a:r>
-            <a:r>
-              <a:rPr lang="bg-BG" dirty="0" smtClean="0"/>
-              <a:t>е в</a:t>
-            </a:r>
-            <a:r>
-              <a:rPr lang="bg-BG" b="1" dirty="0" smtClean="0"/>
-              <a:t> </a:t>
-            </a:r>
-            <a:r>
-              <a:rPr lang="bg-BG" dirty="0" smtClean="0"/>
-              <a:t>списъка</a:t>
-            </a:r>
-          </a:p>
-          <a:p>
-            <a:endParaRPr lang="bg-BG" dirty="0"/>
-          </a:p>
-          <a:p>
-            <a:endParaRPr lang="bg-BG" dirty="0" smtClean="0"/>
-          </a:p>
-          <a:p>
-            <a:r>
-              <a:rPr lang="bg-BG" dirty="0" smtClean="0"/>
-              <a:t>Обикновено </a:t>
-            </a:r>
-            <a:r>
-              <a:rPr lang="en-US" dirty="0" smtClean="0"/>
-              <a:t>"</a:t>
-            </a:r>
-            <a:r>
-              <a:rPr lang="en-US" b="1" dirty="0" smtClean="0">
-                <a:solidFill>
-                  <a:schemeClr val="bg1"/>
-                </a:solidFill>
-              </a:rPr>
-              <a:t>not in</a:t>
             </a:r>
             <a:r>
               <a:rPr lang="en-US" dirty="0"/>
               <a:t>"</a:t>
             </a:r>
             <a:r>
-              <a:rPr lang="en-US" dirty="0" smtClean="0"/>
+              <a:rPr lang="en-US" b="1" dirty="0">
+                <a:solidFill>
+                  <a:schemeClr val="bg1"/>
+                </a:solidFill>
+              </a:rPr>
+              <a:t>not in</a:t>
+            </a:r>
+            <a:r>
+              <a:rPr lang="en-US" dirty="0"/>
+              <a:t>" </a:t>
+            </a:r>
+            <a:r>
+              <a:rPr lang="bg-BG" dirty="0"/>
+              <a:t>се използва, за да се провери дали търсеният</a:t>
+            </a:r>
+            <a:r>
+              <a:rPr lang="bg-BG" b="1" dirty="0"/>
               <a:t> </a:t>
             </a:r>
             <a:r>
-              <a:rPr lang="bg-BG" dirty="0" smtClean="0"/>
+              <a:rPr lang="bg-BG" dirty="0"/>
+              <a:t>елемент</a:t>
+            </a:r>
+            <a:r>
+              <a:rPr lang="bg-BG" b="1" dirty="0"/>
+              <a:t> НЕ </a:t>
+            </a:r>
+            <a:r>
+              <a:rPr lang="bg-BG" dirty="0"/>
+              <a:t>е в</a:t>
+            </a:r>
+            <a:r>
+              <a:rPr lang="bg-BG" b="1" dirty="0"/>
+              <a:t> </a:t>
+            </a:r>
+            <a:r>
+              <a:rPr lang="bg-BG" dirty="0"/>
+              <a:t>списъка</a:t>
+            </a:r>
+          </a:p>
+          <a:p>
+            <a:endParaRPr lang="bg-BG" dirty="0"/>
+          </a:p>
+          <a:p>
+            <a:endParaRPr lang="bg-BG" dirty="0"/>
+          </a:p>
+          <a:p>
+            <a:r>
+              <a:rPr lang="bg-BG" dirty="0"/>
+              <a:t>Обикновено </a:t>
+            </a:r>
+            <a:r>
+              <a:rPr lang="en-US" dirty="0"/>
+              <a:t>"</a:t>
+            </a:r>
+            <a:r>
+              <a:rPr lang="en-US" b="1" dirty="0">
+                <a:solidFill>
+                  <a:schemeClr val="bg1"/>
+                </a:solidFill>
+              </a:rPr>
+              <a:t>not in</a:t>
+            </a:r>
+            <a:r>
+              <a:rPr lang="en-US" dirty="0"/>
+              <a:t>" </a:t>
+            </a:r>
+            <a:r>
+              <a:rPr lang="bg-BG" dirty="0"/>
               <a:t>също се използва в </a:t>
             </a:r>
             <a:r>
-              <a:rPr lang="en-US" b="1" dirty="0" smtClean="0">
+              <a:rPr lang="en-US" b="1" dirty="0">
                 <a:solidFill>
                   <a:schemeClr val="bg1"/>
                 </a:solidFill>
@@ -18486,14 +17911,13 @@
               <a:t>if-else</a:t>
             </a:r>
             <a:r>
-              <a:rPr lang="en-US" b="1" dirty="0" smtClean="0"/>
+              <a:rPr lang="en-US" b="1" dirty="0"/>
               <a:t> </a:t>
             </a:r>
             <a:r>
-              <a:rPr lang="bg-BG" b="1" dirty="0" smtClean="0"/>
+              <a:rPr lang="bg-BG" b="1" dirty="0"/>
               <a:t>конструкция</a:t>
             </a:r>
-            <a:endParaRPr lang="bg-BG" b="1" dirty="0"/>
           </a:p>
         </p:txBody>
       </p:sp>
@@ -18517,10 +17941,9 @@
               <a:t>Изразът </a:t>
             </a:r>
             <a:r>
-              <a:rPr lang="en-US" dirty="0" smtClean="0"/>
+              <a:rPr lang="en-US" dirty="0"/>
               <a:t>"not in"</a:t>
             </a:r>
-            <a:endParaRPr lang="en-US" dirty="0"/>
           </a:p>
         </p:txBody>
       </p:sp>
@@ -18571,7 +17994,7 @@
               <a:buSzPct val="70000"/>
             </a:pPr>
             <a:r>
-              <a:rPr lang="en-US" sz="2400" b="1" dirty="0" smtClean="0">
+              <a:rPr lang="en-US" sz="2400" b="1" dirty="0">
                 <a:latin typeface="Consolas" panose="020B0609020204030204" pitchFamily="49" charset="0"/>
               </a:rPr>
               <a:t>my_list = [1, 2, 3, 4]</a:t>
@@ -18591,25 +18014,25 @@
               <a:buSzPct val="70000"/>
             </a:pPr>
             <a:r>
-              <a:rPr lang="en-US" sz="2400" b="1" dirty="0" smtClean="0">
+              <a:rPr lang="en-US" sz="2400" b="1" dirty="0">
                 <a:latin typeface="Consolas" panose="020B0609020204030204" pitchFamily="49" charset="0"/>
               </a:rPr>
               <a:t>if </a:t>
             </a:r>
             <a:r>
-              <a:rPr lang="bg-BG" sz="2400" b="1" dirty="0" smtClean="0">
+              <a:rPr lang="bg-BG" sz="2400" b="1" dirty="0">
                 <a:latin typeface="Consolas" panose="020B0609020204030204" pitchFamily="49" charset="0"/>
               </a:rPr>
               <a:t>5</a:t>
             </a:r>
             <a:r>
-              <a:rPr lang="en-US" sz="2400" b="1" dirty="0" smtClean="0">
+              <a:rPr lang="en-US" sz="2400" b="1" dirty="0">
                 <a:latin typeface="Consolas" panose="020B0609020204030204" pitchFamily="49" charset="0"/>
               </a:rPr>
               <a:t> </a:t>
             </a:r>
             <a:r>
-              <a:rPr lang="en-US" sz="2400" b="1" dirty="0" smtClean="0">
+              <a:rPr lang="en-US" sz="2400" b="1" dirty="0">
                 <a:solidFill>
                   <a:schemeClr val="bg1"/>
                 </a:solidFill>
@@ -18618,7 +18041,7 @@
               <a:t>not in </a:t>
             </a:r>
             <a:r>
-              <a:rPr lang="en-US" sz="2400" b="1" dirty="0" smtClean="0">
+              <a:rPr lang="en-US" sz="2400" b="1" dirty="0">
                 <a:latin typeface="Consolas" panose="020B0609020204030204" pitchFamily="49" charset="0"/>
               </a:rPr>
               <a:t>my_list:</a:t>
@@ -18641,41 +18064,32 @@
               <a:rPr lang="en-US" sz="2400" b="1" dirty="0">
                 <a:latin typeface="Consolas" panose="020B0609020204030204" pitchFamily="49" charset="0"/>
               </a:rPr>
-              <a:t>	</a:t>
-            </a:r>
-            <a:r>
-              <a:rPr lang="en-US" sz="2400" b="1" dirty="0" smtClean="0">
+              <a:t>	print("</a:t>
+            </a:r>
+            <a:r>
+              <a:rPr lang="bg-BG" sz="2400" b="1" dirty="0">
                 <a:latin typeface="Consolas" panose="020B0609020204030204" pitchFamily="49" charset="0"/>
               </a:rPr>
-              <a:t>print("</a:t>
-            </a:r>
-            <a:r>
-              <a:rPr lang="bg-BG" sz="2400" b="1" dirty="0" smtClean="0">
+              <a:t>Числото </a:t>
+            </a:r>
+            <a:r>
+              <a:rPr lang="en-US" sz="2400" b="1" dirty="0">
                 <a:latin typeface="Consolas" panose="020B0609020204030204" pitchFamily="49" charset="0"/>
               </a:rPr>
-              <a:t>Числото </a:t>
-            </a:r>
-            <a:r>
-              <a:rPr lang="en-US" sz="2400" b="1" dirty="0" smtClean="0">
+              <a:t>5</a:t>
+            </a:r>
+            <a:r>
+              <a:rPr lang="bg-BG" sz="2400" b="1" dirty="0">
                 <a:latin typeface="Consolas" panose="020B0609020204030204" pitchFamily="49" charset="0"/>
               </a:rPr>
-              <a:t>5</a:t>
-            </a:r>
-            <a:r>
-              <a:rPr lang="bg-BG" sz="2400" b="1" dirty="0" smtClean="0">
+              <a:t> не е в списъка</a:t>
+            </a:r>
+            <a:r>
+              <a:rPr lang="en-US" sz="2400" b="1" dirty="0">
                 <a:latin typeface="Consolas" panose="020B0609020204030204" pitchFamily="49" charset="0"/>
               </a:rPr>
-              <a:t> не е в списъка</a:t>
-            </a:r>
-            <a:r>
-              <a:rPr lang="en-US" sz="2400" b="1" dirty="0" smtClean="0">
-                <a:latin typeface="Consolas" panose="020B0609020204030204" pitchFamily="49" charset="0"/>
-              </a:rPr>
               <a:t>")</a:t>
             </a:r>
-            <a:endParaRPr lang="en-US" sz="2400" b="1" dirty="0">
-              <a:latin typeface="Consolas" panose="020B0609020204030204" pitchFamily="49" charset="0"/>
-            </a:endParaRPr>
           </a:p>
         </p:txBody>
       </p:sp>
@@ -18700,7 +18114,7 @@
           <a:lstStyle/>
           <a:p>
             <a:r>
-              <a:rPr lang="bg-BG" noProof="0" dirty="0" smtClean="0"/>
+              <a:rPr lang="bg-BG" noProof="0" dirty="0"/>
               <a:t>30</a:t>
             </a:r>
           </a:p>
@@ -18911,15 +18325,15 @@
           <a:lstStyle/>
           <a:p>
             <a:r>
-              <a:rPr lang="bg-BG" dirty="0" smtClean="0"/>
+              <a:rPr lang="bg-BG" dirty="0"/>
               <a:t>Ще получите </a:t>
             </a:r>
             <a:r>
-              <a:rPr lang="bg-BG" b="1" dirty="0" smtClean="0"/>
+              <a:rPr lang="bg-BG" b="1" dirty="0"/>
               <a:t>цяло число </a:t>
             </a:r>
             <a:r>
-              <a:rPr lang="en-US" b="1" dirty="0" smtClean="0">
+              <a:rPr lang="en-US" b="1" dirty="0">
                 <a:solidFill>
                   <a:schemeClr val="bg1"/>
                 </a:solidFill>
@@ -18927,15 +18341,15 @@
               <a:t>n</a:t>
             </a:r>
             <a:r>
-              <a:rPr lang="en-US" b="1" dirty="0" smtClean="0"/>
+              <a:rPr lang="en-US" b="1" dirty="0"/>
               <a:t> </a:t>
             </a:r>
             <a:r>
-              <a:rPr lang="bg-BG" dirty="0" smtClean="0"/>
+              <a:rPr lang="bg-BG" dirty="0"/>
               <a:t>и </a:t>
             </a:r>
             <a:r>
-              <a:rPr lang="bg-BG" b="1" dirty="0" smtClean="0">
+              <a:rPr lang="bg-BG" b="1" dirty="0">
                 <a:solidFill>
                   <a:schemeClr val="bg1"/>
                 </a:solidFill>
@@ -18945,11 +18359,11 @@
           </a:p>
           <a:p>
             <a:r>
-              <a:rPr lang="bg-BG" dirty="0" smtClean="0"/>
+              <a:rPr lang="bg-BG" dirty="0"/>
               <a:t>На следващите </a:t>
             </a:r>
             <a:r>
-              <a:rPr lang="en-US" b="1" dirty="0" smtClean="0">
+              <a:rPr lang="en-US" b="1" dirty="0">
                 <a:solidFill>
                   <a:schemeClr val="bg1"/>
                 </a:solidFill>
@@ -18957,53 +18371,49 @@
               <a:t>n</a:t>
             </a:r>
             <a:r>
-              <a:rPr lang="en-US" b="1" dirty="0" smtClean="0"/>
+              <a:rPr lang="en-US" b="1" dirty="0"/>
               <a:t> </a:t>
             </a:r>
             <a:r>
-              <a:rPr lang="bg-BG" dirty="0" smtClean="0"/>
+              <a:rPr lang="bg-BG" dirty="0"/>
               <a:t>на брой </a:t>
             </a:r>
             <a:r>
-              <a:rPr lang="bg-BG" b="1" dirty="0" smtClean="0"/>
+              <a:rPr lang="bg-BG" b="1" dirty="0"/>
               <a:t>реда </a:t>
             </a:r>
             <a:r>
-              <a:rPr lang="bg-BG" dirty="0" smtClean="0"/>
+              <a:rPr lang="bg-BG" dirty="0"/>
               <a:t>ще получавате </a:t>
             </a:r>
             <a:r>
-              <a:rPr lang="bg-BG" b="1" dirty="0" smtClean="0"/>
+              <a:rPr lang="bg-BG" b="1" dirty="0"/>
               <a:t>текст</a:t>
             </a:r>
-            <a:endParaRPr lang="en-US" b="1" dirty="0" smtClean="0"/>
-          </a:p>
-          <a:p>
-            <a:r>
-              <a:rPr lang="ru-RU" b="1" dirty="0" smtClean="0"/>
+            <a:endParaRPr lang="en-US" b="1" dirty="0"/>
+          </a:p>
+          <a:p>
+            <a:r>
+              <a:rPr lang="ru-RU" b="1" dirty="0"/>
               <a:t>Добав</a:t>
             </a:r>
             <a:r>
-              <a:rPr lang="bg-BG" b="1" dirty="0" smtClean="0"/>
+              <a:rPr lang="bg-BG" b="1" dirty="0"/>
               <a:t>яйте</a:t>
             </a:r>
             <a:r>
-              <a:rPr lang="bg-BG" dirty="0" smtClean="0"/>
+              <a:rPr lang="bg-BG" dirty="0"/>
               <a:t> го</a:t>
             </a:r>
             <a:r>
-              <a:rPr lang="ru-RU" dirty="0" smtClean="0"/>
-              <a:t> </a:t>
-            </a:r>
-            <a:r>
               <a:rPr lang="ru-RU" dirty="0"/>
-              <a:t>в списък и ги </a:t>
-            </a:r>
-            <a:r>
-              <a:rPr lang="ru-RU" b="1" dirty="0" smtClean="0"/>
+              <a:t> в списък и ги </a:t>
+            </a:r>
+            <a:r>
+              <a:rPr lang="ru-RU" b="1" dirty="0"/>
               <a:t>отпечатайте</a:t>
             </a:r>
-            <a:endParaRPr lang="en-US" b="1" dirty="0" smtClean="0"/>
+            <a:endParaRPr lang="en-US" b="1" dirty="0"/>
           </a:p>
           <a:p>
             <a:r>
@@ -19023,24 +18433,20 @@
               <a:t> само </a:t>
             </a:r>
             <a:r>
-              <a:rPr lang="bg-BG" b="1" dirty="0" smtClean="0"/>
+              <a:rPr lang="bg-BG" b="1" dirty="0"/>
               <a:t>елементите</a:t>
             </a:r>
             <a:r>
-              <a:rPr lang="bg-BG" dirty="0" smtClean="0"/>
+              <a:rPr lang="bg-BG" dirty="0"/>
               <a:t> от </a:t>
             </a:r>
             <a:r>
-              <a:rPr lang="bg-BG" b="1" dirty="0" smtClean="0"/>
+              <a:rPr lang="bg-BG" b="1" dirty="0"/>
               <a:t>списъка</a:t>
             </a:r>
             <a:r>
-              <a:rPr lang="ru-RU" dirty="0" smtClean="0"/>
-              <a:t>, </a:t>
-            </a:r>
-            <a:r>
               <a:rPr lang="ru-RU" dirty="0"/>
-              <a:t>които </a:t>
+              <a:t>, които </a:t>
             </a:r>
             <a:r>
               <a:rPr lang="ru-RU" b="1" dirty="0"/>
@@ -19048,25 +18454,21 @@
             </a:r>
             <a:r>
               <a:rPr lang="ru-RU" dirty="0"/>
+              <a:t> дадената </a:t>
+            </a:r>
+            <a:r>
+              <a:rPr lang="ru-RU" b="1" dirty="0"/>
+              <a:t>дума</a:t>
+            </a:r>
+            <a:r>
+              <a:rPr lang="en-US" b="1" dirty="0"/>
               <a:t> </a:t>
             </a:r>
             <a:r>
-              <a:rPr lang="ru-RU" dirty="0" smtClean="0"/>
-              <a:t>дадената </a:t>
-            </a:r>
-            <a:r>
-              <a:rPr lang="ru-RU" b="1" dirty="0" smtClean="0"/>
-              <a:t>дума</a:t>
-            </a:r>
-            <a:r>
-              <a:rPr lang="en-US" b="1" dirty="0" smtClean="0"/>
-              <a:t> </a:t>
-            </a:r>
-            <a:r>
-              <a:rPr lang="bg-BG" dirty="0" smtClean="0"/>
+              <a:rPr lang="bg-BG" dirty="0"/>
               <a:t>и принтирайте списъка отново</a:t>
             </a:r>
-            <a:endParaRPr lang="en-US" b="1" dirty="0" smtClean="0"/>
+            <a:endParaRPr lang="en-US" b="1" dirty="0"/>
           </a:p>
           <a:p>
             <a:endParaRPr lang="en-US" dirty="0"/>
@@ -19089,7 +18491,7 @@
           <a:lstStyle/>
           <a:p>
             <a:r>
-              <a:rPr lang="bg-BG" dirty="0" smtClean="0"/>
+              <a:rPr lang="bg-BG" dirty="0"/>
               <a:t>Търсене – условие</a:t>
             </a:r>
             <a:endParaRPr lang="en-US" dirty="0"/>
@@ -19352,11 +18754,7 @@
           <a:p>
             <a:r>
               <a:rPr lang="bg-BG" dirty="0"/>
-              <a:t>Търсене</a:t>
-            </a:r>
-            <a:r>
-              <a:rPr lang="bg-BG" dirty="0" smtClean="0"/>
-              <a:t> – решение</a:t>
+              <a:t>Търсене – решение</a:t>
             </a:r>
             <a:endParaRPr lang="en-US" dirty="0"/>
           </a:p>
@@ -19412,15 +18810,9 @@
               <a:rPr lang="en-US" sz="2400" b="1" dirty="0">
                 <a:latin typeface="Consolas" panose="020B0609020204030204" pitchFamily="49" charset="0"/>
               </a:rPr>
-              <a:t>n = int(input</a:t>
-            </a:r>
-            <a:r>
-              <a:rPr lang="en-US" sz="2400" b="1" dirty="0" smtClean="0">
-                <a:latin typeface="Consolas" panose="020B0609020204030204" pitchFamily="49" charset="0"/>
-              </a:rPr>
-              <a:t>())</a:t>
-            </a:r>
-            <a:endParaRPr lang="bg-BG" sz="2400" b="1" dirty="0" smtClean="0">
+              <a:t>n = int(input())</a:t>
+            </a:r>
+            <a:endParaRPr lang="bg-BG" sz="2400" b="1" dirty="0">
               <a:latin typeface="Consolas" panose="020B0609020204030204" pitchFamily="49" charset="0"/>
             </a:endParaRPr>
           </a:p>
@@ -19438,203 +18830,11 @@
               <a:buSzPct val="70000"/>
             </a:pPr>
             <a:r>
-              <a:rPr lang="en-US" sz="2400" b="1" dirty="0" smtClean="0">
-                <a:latin typeface="Consolas" panose="020B0609020204030204" pitchFamily="49" charset="0"/>
-              </a:rPr>
-              <a:t>word </a:t>
-            </a:r>
-            <a:r>
               <a:rPr lang="en-US" sz="2400" b="1" dirty="0">
                 <a:latin typeface="Consolas" panose="020B0609020204030204" pitchFamily="49" charset="0"/>
               </a:rPr>
-              <a:t>= input</a:t>
-            </a:r>
-            <a:r>
-              <a:rPr lang="en-US" sz="2400" b="1" dirty="0" smtClean="0">
-                <a:latin typeface="Consolas" panose="020B0609020204030204" pitchFamily="49" charset="0"/>
-              </a:rPr>
-              <a:t>()</a:t>
-            </a:r>
-          </a:p>
-          <a:p>
-            <a:pPr eaLnBrk="0" hangingPunct="0">
-              <a:lnSpc>
-                <a:spcPct val="110000"/>
-              </a:lnSpc>
-              <a:buClr>
-                <a:schemeClr val="accent5">
-                  <a:lumMod val="40000"/>
-                  <a:lumOff val="60000"/>
-                </a:schemeClr>
-              </a:buClr>
-              <a:buSzPct val="70000"/>
-            </a:pPr>
-            <a:endParaRPr lang="bg-BG" sz="2400" b="1" dirty="0" smtClean="0">
-              <a:latin typeface="Consolas" panose="020B0609020204030204" pitchFamily="49" charset="0"/>
-            </a:endParaRPr>
-          </a:p>
-          <a:p>
-            <a:pPr eaLnBrk="0" hangingPunct="0">
-              <a:lnSpc>
-                <a:spcPct val="110000"/>
-              </a:lnSpc>
-              <a:buClr>
-                <a:schemeClr val="accent5">
-                  <a:lumMod val="40000"/>
-                  <a:lumOff val="60000"/>
-                </a:schemeClr>
-              </a:buClr>
-              <a:buSzPct val="70000"/>
-            </a:pPr>
-            <a:r>
-              <a:rPr lang="en-US" sz="2400" b="1" dirty="0" smtClean="0">
-                <a:latin typeface="Consolas" panose="020B0609020204030204" pitchFamily="49" charset="0"/>
-              </a:rPr>
-              <a:t>strings </a:t>
-            </a:r>
-            <a:r>
-              <a:rPr lang="en-US" sz="2400" b="1" dirty="0">
-                <a:latin typeface="Consolas" panose="020B0609020204030204" pitchFamily="49" charset="0"/>
-              </a:rPr>
-              <a:t>= </a:t>
-            </a:r>
-            <a:r>
-              <a:rPr lang="en-US" sz="2400" b="1" dirty="0" smtClean="0">
-                <a:latin typeface="Consolas" panose="020B0609020204030204" pitchFamily="49" charset="0"/>
-              </a:rPr>
-              <a:t>[]</a:t>
-            </a:r>
-            <a:endParaRPr lang="bg-BG" sz="2400" b="1" dirty="0" smtClean="0">
-              <a:latin typeface="Consolas" panose="020B0609020204030204" pitchFamily="49" charset="0"/>
-            </a:endParaRPr>
-          </a:p>
-          <a:p>
-            <a:pPr eaLnBrk="0" hangingPunct="0">
-              <a:lnSpc>
-                <a:spcPct val="110000"/>
-              </a:lnSpc>
-              <a:buClr>
-                <a:schemeClr val="accent5">
-                  <a:lumMod val="40000"/>
-                  <a:lumOff val="60000"/>
-                </a:schemeClr>
-              </a:buClr>
-              <a:buSzPct val="70000"/>
-            </a:pPr>
-            <a:r>
-              <a:rPr lang="en-US" sz="2400" b="1" dirty="0" smtClean="0">
-                <a:latin typeface="Consolas" panose="020B0609020204030204" pitchFamily="49" charset="0"/>
-              </a:rPr>
-              <a:t>for </a:t>
-            </a:r>
-            <a:r>
-              <a:rPr lang="en-US" sz="2400" b="1" dirty="0">
-                <a:latin typeface="Consolas" panose="020B0609020204030204" pitchFamily="49" charset="0"/>
-              </a:rPr>
-              <a:t>i in range(n): </a:t>
-            </a:r>
-            <a:endParaRPr lang="bg-BG" sz="2400" b="1" dirty="0" smtClean="0">
-              <a:latin typeface="Consolas" panose="020B0609020204030204" pitchFamily="49" charset="0"/>
-            </a:endParaRPr>
-          </a:p>
-          <a:p>
-            <a:pPr eaLnBrk="0" hangingPunct="0">
-              <a:lnSpc>
-                <a:spcPct val="110000"/>
-              </a:lnSpc>
-              <a:buClr>
-                <a:schemeClr val="accent5">
-                  <a:lumMod val="40000"/>
-                  <a:lumOff val="60000"/>
-                </a:schemeClr>
-              </a:buClr>
-              <a:buSzPct val="70000"/>
-            </a:pPr>
-            <a:r>
-              <a:rPr lang="bg-BG" sz="2400" b="1" dirty="0">
-                <a:latin typeface="Consolas" panose="020B0609020204030204" pitchFamily="49" charset="0"/>
-              </a:rPr>
-              <a:t>	</a:t>
-            </a:r>
-            <a:r>
-              <a:rPr lang="en-US" sz="2400" b="1" dirty="0" smtClean="0">
-                <a:latin typeface="Consolas" panose="020B0609020204030204" pitchFamily="49" charset="0"/>
-              </a:rPr>
-              <a:t>current_string </a:t>
-            </a:r>
-            <a:r>
-              <a:rPr lang="en-US" sz="2400" b="1" dirty="0">
-                <a:latin typeface="Consolas" panose="020B0609020204030204" pitchFamily="49" charset="0"/>
-              </a:rPr>
-              <a:t>= input() </a:t>
-            </a:r>
-            <a:endParaRPr lang="bg-BG" sz="2400" b="1" dirty="0" smtClean="0">
-              <a:latin typeface="Consolas" panose="020B0609020204030204" pitchFamily="49" charset="0"/>
-            </a:endParaRPr>
-          </a:p>
-          <a:p>
-            <a:pPr eaLnBrk="0" hangingPunct="0">
-              <a:lnSpc>
-                <a:spcPct val="110000"/>
-              </a:lnSpc>
-              <a:buClr>
-                <a:schemeClr val="accent5">
-                  <a:lumMod val="40000"/>
-                  <a:lumOff val="60000"/>
-                </a:schemeClr>
-              </a:buClr>
-              <a:buSzPct val="70000"/>
-            </a:pPr>
-            <a:r>
-              <a:rPr lang="bg-BG" sz="2400" b="1" dirty="0">
-                <a:latin typeface="Consolas" panose="020B0609020204030204" pitchFamily="49" charset="0"/>
-              </a:rPr>
-              <a:t>	</a:t>
-            </a:r>
-            <a:r>
-              <a:rPr lang="en-US" sz="2400" b="1" dirty="0" smtClean="0">
-                <a:latin typeface="Consolas" panose="020B0609020204030204" pitchFamily="49" charset="0"/>
-              </a:rPr>
-              <a:t>strings.append(current_string</a:t>
-            </a:r>
-            <a:r>
-              <a:rPr lang="en-US" sz="2400" b="1" dirty="0">
-                <a:latin typeface="Consolas" panose="020B0609020204030204" pitchFamily="49" charset="0"/>
-              </a:rPr>
-              <a:t>) </a:t>
-            </a:r>
-            <a:endParaRPr lang="bg-BG" sz="2400" b="1" dirty="0" smtClean="0">
-              <a:latin typeface="Consolas" panose="020B0609020204030204" pitchFamily="49" charset="0"/>
-            </a:endParaRPr>
-          </a:p>
-          <a:p>
-            <a:pPr eaLnBrk="0" hangingPunct="0">
-              <a:lnSpc>
-                <a:spcPct val="110000"/>
-              </a:lnSpc>
-              <a:buClr>
-                <a:schemeClr val="accent5">
-                  <a:lumMod val="40000"/>
-                  <a:lumOff val="60000"/>
-                </a:schemeClr>
-              </a:buClr>
-              <a:buSzPct val="70000"/>
-            </a:pPr>
-            <a:r>
-              <a:rPr lang="en-US" sz="2400" b="1" dirty="0" smtClean="0">
-                <a:latin typeface="Consolas" panose="020B0609020204030204" pitchFamily="49" charset="0"/>
-              </a:rPr>
-              <a:t>print(strings</a:t>
-            </a:r>
-            <a:r>
-              <a:rPr lang="en-US" sz="2400" b="1" dirty="0">
-                <a:latin typeface="Consolas" panose="020B0609020204030204" pitchFamily="49" charset="0"/>
-              </a:rPr>
-              <a:t>) </a:t>
-            </a:r>
-            <a:endParaRPr lang="bg-BG" sz="2400" b="1" dirty="0" smtClean="0">
-              <a:latin typeface="Consolas" panose="020B0609020204030204" pitchFamily="49" charset="0"/>
-            </a:endParaRPr>
+              <a:t>word = input()</a:t>
+            </a:r>
           </a:p>
           <a:p>
             <a:pPr eaLnBrk="0" hangingPunct="0">
@@ -19667,18 +18867,12 @@
               <a:buSzPct val="70000"/>
             </a:pPr>
             <a:r>
-              <a:rPr lang="en-US" sz="2400" b="1" dirty="0" smtClean="0">
-                <a:latin typeface="Consolas" panose="020B0609020204030204" pitchFamily="49" charset="0"/>
-              </a:rPr>
-              <a:t>for </a:t>
-            </a:r>
-            <a:r>
               <a:rPr lang="en-US" sz="2400" b="1" dirty="0">
                 <a:latin typeface="Consolas" panose="020B0609020204030204" pitchFamily="49" charset="0"/>
               </a:rPr>
-              <a:t>i in range(len(strings) - 1, -1, -1): </a:t>
-            </a:r>
-            <a:endParaRPr lang="bg-BG" sz="2400" b="1" dirty="0" smtClean="0">
+              <a:t>strings = []</a:t>
+            </a:r>
+            <a:endParaRPr lang="bg-BG" sz="2400" b="1" dirty="0">
               <a:latin typeface="Consolas" panose="020B0609020204030204" pitchFamily="49" charset="0"/>
             </a:endParaRPr>
           </a:p>
@@ -19696,30 +18890,12 @@
               <a:buSzPct val="70000"/>
             </a:pPr>
             <a:r>
-              <a:rPr lang="bg-BG" sz="2400" b="1" dirty="0">
-                <a:latin typeface="Consolas" panose="020B0609020204030204" pitchFamily="49" charset="0"/>
-              </a:rPr>
-              <a:t>	</a:t>
-            </a:r>
-            <a:r>
-              <a:rPr lang="en-US" sz="2400" b="1" dirty="0" smtClean="0">
-                <a:latin typeface="Consolas" panose="020B0609020204030204" pitchFamily="49" charset="0"/>
-              </a:rPr>
-              <a:t>if </a:t>
-            </a:r>
-            <a:r>
               <a:rPr lang="en-US" sz="2400" b="1" dirty="0">
                 <a:latin typeface="Consolas" panose="020B0609020204030204" pitchFamily="49" charset="0"/>
               </a:rPr>
-              <a:t>word not in strings[i</a:t>
-            </a:r>
-            <a:r>
-              <a:rPr lang="en-US" sz="2400" b="1" dirty="0" smtClean="0">
-                <a:latin typeface="Consolas" panose="020B0609020204030204" pitchFamily="49" charset="0"/>
-              </a:rPr>
-              <a:t>]:</a:t>
-            </a:r>
-            <a:endParaRPr lang="bg-BG" sz="2400" b="1" dirty="0" smtClean="0">
+              <a:t>for i in range(n): </a:t>
+            </a:r>
+            <a:endParaRPr lang="bg-BG" sz="2400" b="1" dirty="0">
               <a:latin typeface="Consolas" panose="020B0609020204030204" pitchFamily="49" charset="0"/>
             </a:endParaRPr>
           </a:p>
@@ -19743,18 +18919,12 @@
               <a:t>	</a:t>
             </a:r>
             <a:r>
-              <a:rPr lang="bg-BG" sz="2400" b="1" dirty="0" smtClean="0">
+              <a:rPr lang="en-US" sz="2400" b="1" dirty="0">
                 <a:latin typeface="Consolas" panose="020B0609020204030204" pitchFamily="49" charset="0"/>
               </a:rPr>
-              <a:t>	</a:t>
-            </a:r>
-            <a:r>
-              <a:rPr lang="en-US" sz="2400" b="1" dirty="0" smtClean="0">
-                <a:latin typeface="Consolas" panose="020B0609020204030204" pitchFamily="49" charset="0"/>
-              </a:rPr>
-              <a:t>strings.remove(strings[i])</a:t>
-            </a:r>
-            <a:endParaRPr lang="bg-BG" sz="2400" b="1" dirty="0" smtClean="0">
+              <a:t>current_string = input() </a:t>
+            </a:r>
+            <a:endParaRPr lang="bg-BG" sz="2400" b="1" dirty="0">
               <a:latin typeface="Consolas" panose="020B0609020204030204" pitchFamily="49" charset="0"/>
             </a:endParaRPr>
           </a:p>
@@ -19772,16 +18942,160 @@
               <a:buSzPct val="70000"/>
             </a:pPr>
             <a:r>
-              <a:rPr lang="en-US" sz="2400" b="1" dirty="0" smtClean="0">
+              <a:rPr lang="bg-BG" sz="2400" b="1" dirty="0">
                 <a:latin typeface="Consolas" panose="020B0609020204030204" pitchFamily="49" charset="0"/>
               </a:rPr>
-              <a:t>print(strings</a:t>
+              <a:t>	</a:t>
             </a:r>
             <a:r>
               <a:rPr lang="en-US" sz="2400" b="1" dirty="0">
                 <a:latin typeface="Consolas" panose="020B0609020204030204" pitchFamily="49" charset="0"/>
               </a:rPr>
-              <a:t>)</a:t>
+              <a:t>strings.append(current_string) </a:t>
+            </a:r>
+            <a:endParaRPr lang="bg-BG" sz="2400" b="1" dirty="0">
+              <a:latin typeface="Consolas" panose="020B0609020204030204" pitchFamily="49" charset="0"/>
+            </a:endParaRPr>
+          </a:p>
+          <a:p>
+            <a:pPr eaLnBrk="0" hangingPunct="0">
+              <a:lnSpc>
+                <a:spcPct val="110000"/>
+              </a:lnSpc>
+              <a:buClr>
+                <a:schemeClr val="accent5">
+                  <a:lumMod val="40000"/>
+                  <a:lumOff val="60000"/>
+                </a:schemeClr>
+              </a:buClr>
+              <a:buSzPct val="70000"/>
+            </a:pPr>
+            <a:r>
+              <a:rPr lang="en-US" sz="2400" b="1" dirty="0">
+                <a:latin typeface="Consolas" panose="020B0609020204030204" pitchFamily="49" charset="0"/>
+              </a:rPr>
+              <a:t>print(strings) </a:t>
+            </a:r>
+            <a:endParaRPr lang="bg-BG" sz="2400" b="1" dirty="0">
+              <a:latin typeface="Consolas" panose="020B0609020204030204" pitchFamily="49" charset="0"/>
+            </a:endParaRPr>
+          </a:p>
+          <a:p>
+            <a:pPr eaLnBrk="0" hangingPunct="0">
+              <a:lnSpc>
+                <a:spcPct val="110000"/>
+              </a:lnSpc>
+              <a:buClr>
+                <a:schemeClr val="accent5">
+                  <a:lumMod val="40000"/>
+                  <a:lumOff val="60000"/>
+                </a:schemeClr>
+              </a:buClr>
+              <a:buSzPct val="70000"/>
+            </a:pPr>
+            <a:endParaRPr lang="bg-BG" sz="2400" b="1" dirty="0">
+              <a:latin typeface="Consolas" panose="020B0609020204030204" pitchFamily="49" charset="0"/>
+            </a:endParaRPr>
+          </a:p>
+          <a:p>
+            <a:pPr eaLnBrk="0" hangingPunct="0">
+              <a:lnSpc>
+                <a:spcPct val="110000"/>
+              </a:lnSpc>
+              <a:buClr>
+                <a:schemeClr val="accent5">
+                  <a:lumMod val="40000"/>
+                  <a:lumOff val="60000"/>
+                </a:schemeClr>
+              </a:buClr>
+              <a:buSzPct val="70000"/>
+            </a:pPr>
+            <a:r>
+              <a:rPr lang="en-US" sz="2400" b="1" dirty="0">
+                <a:latin typeface="Consolas" panose="020B0609020204030204" pitchFamily="49" charset="0"/>
+              </a:rPr>
+              <a:t>for i in range(len(strings) - 1, -1, -1): </a:t>
+            </a:r>
+            <a:endParaRPr lang="bg-BG" sz="2400" b="1" dirty="0">
+              <a:latin typeface="Consolas" panose="020B0609020204030204" pitchFamily="49" charset="0"/>
+            </a:endParaRPr>
+          </a:p>
+          <a:p>
+            <a:pPr eaLnBrk="0" hangingPunct="0">
+              <a:lnSpc>
+                <a:spcPct val="110000"/>
+              </a:lnSpc>
+              <a:buClr>
+                <a:schemeClr val="accent5">
+                  <a:lumMod val="40000"/>
+                  <a:lumOff val="60000"/>
+                </a:schemeClr>
+              </a:buClr>
+              <a:buSzPct val="70000"/>
+            </a:pPr>
+            <a:r>
+              <a:rPr lang="bg-BG" sz="2400" b="1" dirty="0">
+                <a:latin typeface="Consolas" panose="020B0609020204030204" pitchFamily="49" charset="0"/>
+              </a:rPr>
+              <a:t>	</a:t>
+            </a:r>
+            <a:r>
+              <a:rPr lang="en-US" sz="2400" b="1" dirty="0">
+                <a:latin typeface="Consolas" panose="020B0609020204030204" pitchFamily="49" charset="0"/>
+              </a:rPr>
+              <a:t>if word not in strings[i]:</a:t>
+            </a:r>
+            <a:endParaRPr lang="bg-BG" sz="2400" b="1" dirty="0">
+              <a:latin typeface="Consolas" panose="020B0609020204030204" pitchFamily="49" charset="0"/>
+            </a:endParaRPr>
+          </a:p>
+          <a:p>
+            <a:pPr eaLnBrk="0" hangingPunct="0">
+              <a:lnSpc>
+                <a:spcPct val="110000"/>
+              </a:lnSpc>
+              <a:buClr>
+                <a:schemeClr val="accent5">
+                  <a:lumMod val="40000"/>
+                  <a:lumOff val="60000"/>
+                </a:schemeClr>
+              </a:buClr>
+              <a:buSzPct val="70000"/>
+            </a:pPr>
+            <a:r>
+              <a:rPr lang="bg-BG" sz="2400" b="1" dirty="0">
+                <a:latin typeface="Consolas" panose="020B0609020204030204" pitchFamily="49" charset="0"/>
+              </a:rPr>
+              <a:t>		</a:t>
+            </a:r>
+            <a:r>
+              <a:rPr lang="en-US" sz="2400" b="1" dirty="0">
+                <a:latin typeface="Consolas" panose="020B0609020204030204" pitchFamily="49" charset="0"/>
+              </a:rPr>
+              <a:t>strings.remove(strings[i])</a:t>
+            </a:r>
+            <a:endParaRPr lang="bg-BG" sz="2400" b="1" dirty="0">
+              <a:latin typeface="Consolas" panose="020B0609020204030204" pitchFamily="49" charset="0"/>
+            </a:endParaRPr>
+          </a:p>
+          <a:p>
+            <a:pPr eaLnBrk="0" hangingPunct="0">
+              <a:lnSpc>
+                <a:spcPct val="110000"/>
+              </a:lnSpc>
+              <a:buClr>
+                <a:schemeClr val="accent5">
+                  <a:lumMod val="40000"/>
+                  <a:lumOff val="60000"/>
+                </a:schemeClr>
+              </a:buClr>
+              <a:buSzPct val="70000"/>
+            </a:pPr>
+            <a:r>
+              <a:rPr lang="en-US" sz="2400" b="1" dirty="0">
+                <a:latin typeface="Consolas" panose="020B0609020204030204" pitchFamily="49" charset="0"/>
+              </a:rPr>
+              <a:t>print(strings)</a:t>
             </a:r>
             <a:endParaRPr lang="bg-BG" sz="2400" b="1" i="1" dirty="0">
               <a:solidFill>
@@ -19810,13 +19124,6 @@
       <p:transition spd="slow" advClick="0" advTm="5000"/>
     </mc:Fallback>
   </mc:AlternateContent>
-  <p:timing>
-    <p:tnLst>
-      <p:par>
-        <p:cTn id="1" dur="indefinite" restart="never" nodeType="tmRoot"/>
-      </p:par>
-    </p:tnLst>
-  </p:timing>
 </p:sld>
 </file>
 
@@ -20485,7 +19792,7 @@
               </a:lnSpc>
             </a:pPr>
             <a:r>
-              <a:rPr lang="bg-BG" sz="2800" b="1" dirty="0" smtClean="0">
+              <a:rPr lang="bg-BG" sz="2800" b="1" dirty="0">
                 <a:solidFill>
                   <a:schemeClr val="bg2"/>
                 </a:solidFill>
@@ -20493,7 +19800,7 @@
               <a:t>͏</a:t>
             </a:r>
             <a:r>
-              <a:rPr lang="bg-BG" sz="2800" b="1" dirty="0" smtClean="0">
+              <a:rPr lang="bg-BG" sz="2800" b="1" dirty="0">
                 <a:solidFill>
                   <a:schemeClr val="accent1">
                     <a:lumMod val="60000"/>
@@ -20504,20 +19811,28 @@
               <a:t>Списък</a:t>
             </a:r>
             <a:r>
-              <a:rPr lang="bg-BG" sz="2800" dirty="0" smtClean="0">
+              <a:rPr lang="bg-BG" sz="2800" dirty="0">
                 <a:solidFill>
                   <a:schemeClr val="bg2"/>
                 </a:solidFill>
               </a:rPr>
-              <a:t> </a:t>
-            </a:r>
-            <a:r>
-              <a:rPr lang="bg-BG" sz="2800" dirty="0">
+              <a:t> – </a:t>
+            </a:r>
+            <a:r>
+              <a:rPr lang="ru-RU" sz="2800" b="1" dirty="0">
                 <a:solidFill>
                   <a:schemeClr val="bg2"/>
                 </a:solidFill>
               </a:rPr>
-              <a:t>– </a:t>
+              <a:t>колекция</a:t>
+            </a:r>
+            <a:r>
+              <a:rPr lang="ru-RU" sz="2800" dirty="0">
+                <a:solidFill>
+                  <a:schemeClr val="bg2"/>
+                </a:solidFill>
+              </a:rPr>
+              <a:t> от </a:t>
             </a:r>
             <a:r>
               <a:rPr lang="ru-RU" sz="2800" b="1" dirty="0">
@@ -20525,7 +19840,7 @@
                   <a:schemeClr val="bg2"/>
                 </a:solidFill>
               </a:rPr>
-              <a:t>колекция</a:t>
+              <a:t>данни</a:t>
             </a:r>
             <a:r>
               <a:rPr lang="ru-RU" sz="2800" dirty="0">
@@ -20533,26 +19848,10 @@
                   <a:schemeClr val="bg2"/>
                 </a:solidFill>
               </a:rPr>
-              <a:t> от </a:t>
+              <a:t>, която поддържа </a:t>
             </a:r>
             <a:r>
               <a:rPr lang="ru-RU" sz="2800" b="1" dirty="0">
-                <a:solidFill>
-                  <a:schemeClr val="bg2"/>
-                </a:solidFill>
-              </a:rPr>
-              <a:t>данни</a:t>
-            </a:r>
-            <a:r>
-              <a:rPr lang="ru-RU" sz="2800" dirty="0">
-                <a:solidFill>
-                  <a:schemeClr val="bg2"/>
-                </a:solidFill>
-              </a:rPr>
-              <a:t>, която поддържа </a:t>
-            </a:r>
-            <a:r>
-              <a:rPr lang="ru-RU" sz="2800" b="1" dirty="0" smtClean="0">
                 <a:solidFill>
                   <a:schemeClr val="bg2"/>
                 </a:solidFill>
@@ -20572,7 +19871,7 @@
               </a:lnSpc>
             </a:pPr>
             <a:r>
-              <a:rPr lang="bg-BG" sz="2800" b="1" dirty="0" smtClean="0">
+              <a:rPr lang="bg-BG" sz="2800" b="1" dirty="0">
                 <a:solidFill>
                   <a:schemeClr val="bg2"/>
                 </a:solidFill>
@@ -20580,7 +19879,7 @@
               <a:t>Създаване</a:t>
             </a:r>
             <a:r>
-              <a:rPr lang="bg-BG" sz="2800" dirty="0" smtClean="0">
+              <a:rPr lang="bg-BG" sz="2800" dirty="0">
                 <a:solidFill>
                   <a:schemeClr val="bg2"/>
                 </a:solidFill>
@@ -20588,7 +19887,7 @@
               <a:t> на </a:t>
             </a:r>
             <a:r>
-              <a:rPr lang="bg-BG" sz="2800" b="1" dirty="0" smtClean="0">
+              <a:rPr lang="bg-BG" sz="2800" b="1" dirty="0">
                 <a:solidFill>
                   <a:schemeClr val="bg2"/>
                 </a:solidFill>
@@ -20631,7 +19930,7 @@
               </a:lnSpc>
             </a:pPr>
             <a:r>
-              <a:rPr lang="en-US" sz="2800" b="1" dirty="0" smtClean="0">
+              <a:rPr lang="en-US" sz="2800" b="1" dirty="0">
                 <a:solidFill>
                   <a:schemeClr val="bg2"/>
                 </a:solidFill>
@@ -20639,7 +19938,7 @@
               <a:t>empty_list = </a:t>
             </a:r>
             <a:r>
-              <a:rPr lang="en-US" sz="2800" b="1" dirty="0" smtClean="0">
+              <a:rPr lang="en-US" sz="2800" b="1" dirty="0">
                 <a:solidFill>
                   <a:schemeClr val="accent1">
                     <a:lumMod val="60000"/>
@@ -20657,7 +19956,7 @@
               </a:lnSpc>
             </a:pPr>
             <a:r>
-              <a:rPr lang="bg-BG" sz="2800" b="1" dirty="0" smtClean="0">
+              <a:rPr lang="bg-BG" sz="2800" b="1" dirty="0">
                 <a:solidFill>
                   <a:schemeClr val="bg2"/>
                 </a:solidFill>
@@ -20665,7 +19964,7 @@
               <a:t>Добавяне</a:t>
             </a:r>
             <a:r>
-              <a:rPr lang="bg-BG" sz="2800" dirty="0" smtClean="0">
+              <a:rPr lang="bg-BG" sz="2800" dirty="0">
                 <a:solidFill>
                   <a:schemeClr val="bg2"/>
                 </a:solidFill>
@@ -20673,7 +19972,7 @@
               <a:t> и </a:t>
             </a:r>
             <a:r>
-              <a:rPr lang="bg-BG" sz="2800" b="1" dirty="0" smtClean="0">
+              <a:rPr lang="bg-BG" sz="2800" b="1" dirty="0">
                 <a:solidFill>
                   <a:schemeClr val="bg2"/>
                 </a:solidFill>
@@ -20681,7 +19980,7 @@
               <a:t>премахване</a:t>
             </a:r>
             <a:r>
-              <a:rPr lang="bg-BG" sz="2800" dirty="0" smtClean="0">
+              <a:rPr lang="bg-BG" sz="2800" dirty="0">
                 <a:solidFill>
                   <a:schemeClr val="bg2"/>
                 </a:solidFill>
@@ -20689,7 +19988,7 @@
               <a:t> на </a:t>
             </a:r>
             <a:r>
-              <a:rPr lang="bg-BG" sz="2800" b="1" dirty="0" smtClean="0">
+              <a:rPr lang="bg-BG" sz="2800" b="1" dirty="0">
                 <a:solidFill>
                   <a:schemeClr val="bg2"/>
                 </a:solidFill>
@@ -20697,7 +19996,7 @@
               <a:t>елементи</a:t>
             </a:r>
             <a:r>
-              <a:rPr lang="bg-BG" sz="2800" dirty="0" smtClean="0">
+              <a:rPr lang="bg-BG" sz="2800" dirty="0">
                 <a:solidFill>
                   <a:schemeClr val="bg2"/>
                 </a:solidFill>
@@ -20705,7 +20004,7 @@
               <a:t> от </a:t>
             </a:r>
             <a:r>
-              <a:rPr lang="bg-BG" sz="2800" b="1" dirty="0" smtClean="0">
+              <a:rPr lang="bg-BG" sz="2800" b="1" dirty="0">
                 <a:solidFill>
                   <a:schemeClr val="bg2"/>
                 </a:solidFill>
@@ -20720,7 +20019,7 @@
               </a:lnSpc>
             </a:pPr>
             <a:r>
-              <a:rPr lang="en-US" sz="2600" dirty="0" smtClean="0">
+              <a:rPr lang="en-US" sz="2600" dirty="0">
                 <a:solidFill>
                   <a:schemeClr val="bg2"/>
                 </a:solidFill>
@@ -20728,7 +20027,7 @@
               <a:t>͏</a:t>
             </a:r>
             <a:r>
-              <a:rPr lang="en-US" sz="2600" b="1" dirty="0" smtClean="0">
+              <a:rPr lang="en-US" sz="2600" b="1" dirty="0">
                 <a:solidFill>
                   <a:schemeClr val="accent1">
                     <a:lumMod val="60000"/>
@@ -20746,7 +20045,7 @@
               </a:lnSpc>
             </a:pPr>
             <a:r>
-              <a:rPr lang="en-US" sz="2600" dirty="0" smtClean="0">
+              <a:rPr lang="en-US" sz="2600" dirty="0">
                 <a:solidFill>
                   <a:schemeClr val="bg2"/>
                 </a:solidFill>
@@ -20754,7 +20053,7 @@
               <a:t>͏</a:t>
             </a:r>
             <a:r>
-              <a:rPr lang="en-US" sz="2600" b="1" dirty="0" smtClean="0">
+              <a:rPr lang="en-US" sz="2600" b="1" dirty="0">
                 <a:solidFill>
                   <a:schemeClr val="accent1">
                     <a:lumMod val="60000"/>
@@ -20772,7 +20071,7 @@
               </a:lnSpc>
             </a:pPr>
             <a:r>
-              <a:rPr lang="bg-BG" sz="2800" b="1" dirty="0" smtClean="0">
+              <a:rPr lang="bg-BG" sz="2800" b="1" dirty="0">
                 <a:solidFill>
                   <a:schemeClr val="bg2"/>
                 </a:solidFill>
@@ -20780,7 +20079,7 @@
               <a:t>Итерация</a:t>
             </a:r>
             <a:r>
-              <a:rPr lang="bg-BG" sz="2800" dirty="0" smtClean="0">
+              <a:rPr lang="bg-BG" sz="2800" dirty="0">
                 <a:solidFill>
                   <a:schemeClr val="bg2"/>
                 </a:solidFill>
@@ -20788,7 +20087,7 @@
               <a:t> на </a:t>
             </a:r>
             <a:r>
-              <a:rPr lang="bg-BG" sz="2800" b="1" dirty="0" smtClean="0">
+              <a:rPr lang="bg-BG" sz="2800" b="1" dirty="0">
                 <a:solidFill>
                   <a:schemeClr val="bg2"/>
                 </a:solidFill>
@@ -20796,7 +20095,7 @@
               <a:t>списък</a:t>
             </a:r>
             <a:r>
-              <a:rPr lang="bg-BG" sz="2800" dirty="0" smtClean="0">
+              <a:rPr lang="bg-BG" sz="2800" dirty="0">
                 <a:solidFill>
                   <a:schemeClr val="bg2"/>
                 </a:solidFill>
@@ -20804,7 +20103,7 @@
               <a:t> и </a:t>
             </a:r>
             <a:r>
-              <a:rPr lang="bg-BG" sz="2800" b="1" dirty="0" smtClean="0">
+              <a:rPr lang="bg-BG" sz="2800" b="1" dirty="0">
                 <a:solidFill>
                   <a:schemeClr val="bg2"/>
                 </a:solidFill>
@@ -20812,7 +20111,7 @@
               <a:t>достъпване</a:t>
             </a:r>
             <a:r>
-              <a:rPr lang="bg-BG" sz="2800" dirty="0" smtClean="0">
+              <a:rPr lang="bg-BG" sz="2800" dirty="0">
                 <a:solidFill>
                   <a:schemeClr val="bg2"/>
                 </a:solidFill>
@@ -20820,7 +20119,7 @@
               <a:t> на неговите </a:t>
             </a:r>
             <a:r>
-              <a:rPr lang="bg-BG" sz="2800" b="1" dirty="0" smtClean="0">
+              <a:rPr lang="bg-BG" sz="2800" b="1" dirty="0">
                 <a:solidFill>
                   <a:schemeClr val="bg2"/>
                 </a:solidFill>
@@ -21343,7 +20642,7 @@
                 <a:hlinkClick r:id="rId3">
                   <a:extLst>
                     <a:ext uri="{A12FA001-AC4F-418D-AE19-62706E023703}">
-                      <ahyp:hlinkClr xmlns="" xmlns:ahyp="http://schemas.microsoft.com/office/drawing/2018/hyperlinkcolor" val="tx"/>
+                      <ahyp:hlinkClr xmlns:ahyp="http://schemas.microsoft.com/office/drawing/2018/hyperlinkcolor" val="tx"/>
                     </a:ext>
                   </a:extLst>
                 </a:hlinkClick>
@@ -21416,13 +20715,6 @@
       <p:transition spd="slow" advClick="0" advTm="5000"/>
     </mc:Fallback>
   </mc:AlternateContent>
-  <p:timing>
-    <p:tnLst>
-      <p:par>
-        <p:cTn id="1" dur="indefinite" restart="never" nodeType="tmRoot"/>
-      </p:par>
-    </p:tnLst>
-  </p:timing>
 </p:sld>
 </file>
 
@@ -21806,13 +21098,6 @@
       <p:transition spd="slow" advClick="0" advTm="5000"/>
     </mc:Fallback>
   </mc:AlternateContent>
-  <p:timing>
-    <p:tnLst>
-      <p:par>
-        <p:cTn id="1" dur="indefinite" restart="never" nodeType="tmRoot"/>
-      </p:par>
-    </p:tnLst>
-  </p:timing>
 </p:sld>
 </file>
 
@@ -21849,11 +21134,11 @@
           <a:lstStyle/>
           <a:p>
             <a:r>
-              <a:rPr lang="bg-BG" dirty="0" smtClean="0"/>
+              <a:rPr lang="bg-BG" dirty="0"/>
               <a:t>͏</a:t>
             </a:r>
             <a:r>
-              <a:rPr lang="bg-BG" b="1" dirty="0" smtClean="0">
+              <a:rPr lang="bg-BG" b="1" dirty="0">
                 <a:solidFill>
                   <a:schemeClr val="bg1"/>
                 </a:solidFill>
@@ -21861,54 +21146,50 @@
               <a:t>Списък</a:t>
             </a:r>
             <a:r>
-              <a:rPr lang="bg-BG" dirty="0" smtClean="0"/>
+              <a:rPr lang="bg-BG" dirty="0"/>
               <a:t> – </a:t>
             </a:r>
             <a:r>
-              <a:rPr lang="ru-RU" b="1" dirty="0" smtClean="0"/>
+              <a:rPr lang="ru-RU" b="1" dirty="0"/>
               <a:t>колекция</a:t>
             </a:r>
             <a:r>
-              <a:rPr lang="ru-RU" dirty="0" smtClean="0"/>
+              <a:rPr lang="ru-RU" dirty="0"/>
               <a:t> от </a:t>
             </a:r>
             <a:r>
-              <a:rPr lang="ru-RU" b="1" dirty="0" smtClean="0"/>
+              <a:rPr lang="ru-RU" b="1" dirty="0"/>
               <a:t>данни</a:t>
             </a:r>
             <a:r>
-              <a:rPr lang="ru-RU" dirty="0" smtClean="0"/>
-              <a:t>, </a:t>
-            </a:r>
-            <a:r>
               <a:rPr lang="ru-RU" dirty="0"/>
-              <a:t>която поддържа </a:t>
-            </a:r>
-            <a:r>
-              <a:rPr lang="ru-RU" b="1" dirty="0" smtClean="0"/>
+              <a:t>, която поддържа </a:t>
+            </a:r>
+            <a:r>
+              <a:rPr lang="ru-RU" b="1" dirty="0"/>
               <a:t>индекси</a:t>
             </a:r>
           </a:p>
           <a:p>
             <a:pPr lvl="1"/>
             <a:r>
-              <a:rPr lang="ru-RU" dirty="0" smtClean="0"/>
+              <a:rPr lang="ru-RU" dirty="0"/>
               <a:t>Тази колекция е </a:t>
             </a:r>
             <a:r>
-              <a:rPr lang="ru-RU" b="1" dirty="0" smtClean="0"/>
+              <a:rPr lang="ru-RU" b="1" dirty="0"/>
               <a:t>изменяема</a:t>
             </a:r>
             <a:r>
-              <a:rPr lang="ru-RU" dirty="0" smtClean="0"/>
+              <a:rPr lang="ru-RU" dirty="0"/>
               <a:t> (може да се </a:t>
             </a:r>
             <a:r>
-              <a:rPr lang="ru-RU" b="1" dirty="0" smtClean="0"/>
+              <a:rPr lang="ru-RU" b="1" dirty="0"/>
               <a:t>променя</a:t>
             </a:r>
             <a:r>
-              <a:rPr lang="ru-RU" dirty="0" smtClean="0"/>
+              <a:rPr lang="ru-RU" dirty="0"/>
               <a:t>)</a:t>
             </a:r>
           </a:p>
@@ -21923,11 +21204,7 @@
             </a:r>
             <a:r>
               <a:rPr lang="bg-BG" dirty="0"/>
-              <a:t> на </a:t>
-            </a:r>
-            <a:r>
-              <a:rPr lang="bg-BG" dirty="0" smtClean="0"/>
-              <a:t>елементи</a:t>
+              <a:t> на елементи</a:t>
             </a:r>
           </a:p>
           <a:p>
@@ -21955,7 +21232,7 @@
           <a:lstStyle/>
           <a:p>
             <a:r>
-              <a:rPr lang="bg-BG" dirty="0" smtClean="0"/>
+              <a:rPr lang="bg-BG" dirty="0"/>
               <a:t>Какво е списък?</a:t>
             </a:r>
             <a:endParaRPr lang="en-US" dirty="0"/>
@@ -22009,13 +21286,13 @@
               <a:buSzPct val="70000"/>
             </a:pPr>
             <a:r>
-              <a:rPr lang="en-US" sz="2400" b="1" dirty="0" smtClean="0">
+              <a:rPr lang="en-US" sz="2400" b="1" dirty="0">
                 <a:latin typeface="Consolas" panose="020B0609020204030204" pitchFamily="49" charset="0"/>
               </a:rPr>
               <a:t>list_example = </a:t>
             </a:r>
             <a:r>
-              <a:rPr lang="en-US" sz="2400" b="1" dirty="0" smtClean="0">
+              <a:rPr lang="en-US" sz="2400" b="1" dirty="0">
                 <a:solidFill>
                   <a:schemeClr val="bg1"/>
                 </a:solidFill>
@@ -22024,13 +21301,13 @@
               <a:t>[</a:t>
             </a:r>
             <a:r>
-              <a:rPr lang="en-US" sz="2400" b="1" dirty="0" smtClean="0">
+              <a:rPr lang="en-US" sz="2400" b="1" dirty="0">
                 <a:latin typeface="Consolas" panose="020B0609020204030204" pitchFamily="49" charset="0"/>
               </a:rPr>
               <a:t>"apple", "banana", "cherry"</a:t>
             </a:r>
             <a:r>
-              <a:rPr lang="en-US" sz="2400" b="1" dirty="0" smtClean="0">
+              <a:rPr lang="en-US" sz="2400" b="1" dirty="0">
                 <a:solidFill>
                   <a:schemeClr val="bg1"/>
                 </a:solidFill>
@@ -22038,12 +21315,6 @@
               </a:rPr>
               <a:t>]</a:t>
             </a:r>
-            <a:endParaRPr lang="en-US" sz="2400" b="1" dirty="0">
-              <a:solidFill>
-                <a:schemeClr val="bg1"/>
-              </a:solidFill>
-              <a:latin typeface="Consolas" panose="020B0609020204030204" pitchFamily="49" charset="0"/>
-            </a:endParaRPr>
           </a:p>
         </p:txBody>
       </p:sp>
@@ -22107,7 +21378,7 @@
           <a:p>
             <a:pPr algn="ctr"/>
             <a:r>
-              <a:rPr lang="bg-BG" sz="2800" b="1" dirty="0" smtClean="0">
+              <a:rPr lang="bg-BG" sz="2800" b="1" dirty="0">
                 <a:solidFill>
                   <a:srgbClr val="FFFFFF"/>
                 </a:solidFill>
@@ -22494,15 +21765,7 @@
                   <a:schemeClr val="bg1"/>
                 </a:solidFill>
               </a:rPr>
-              <a:t>множество </a:t>
-            </a:r>
-            <a:r>
-              <a:rPr lang="ru-RU" b="1" dirty="0" smtClean="0">
-                <a:solidFill>
-                  <a:schemeClr val="bg1"/>
-                </a:solidFill>
-              </a:rPr>
-              <a:t>елементи</a:t>
+              <a:t>множество елементи</a:t>
             </a:r>
           </a:p>
           <a:p>
@@ -22523,7 +21786,7 @@
               <a:t> и </a:t>
             </a:r>
             <a:r>
-              <a:rPr lang="ru-RU" b="1" dirty="0" smtClean="0">
+              <a:rPr lang="ru-RU" b="1" dirty="0">
                 <a:solidFill>
                   <a:schemeClr val="bg1"/>
                 </a:solidFill>
@@ -22558,15 +21821,7 @@
                   <a:schemeClr val="bg1"/>
                 </a:solidFill>
               </a:rPr>
-              <a:t>различни типове </a:t>
-            </a:r>
-            <a:r>
-              <a:rPr lang="ru-RU" b="1" dirty="0" smtClean="0">
-                <a:solidFill>
-                  <a:schemeClr val="bg1"/>
-                </a:solidFill>
-              </a:rPr>
-              <a:t>данни</a:t>
+              <a:t>различни типове данни</a:t>
             </a:r>
           </a:p>
           <a:p>
@@ -22612,11 +21867,7 @@
             </a:r>
             <a:r>
               <a:rPr lang="ru-RU" dirty="0"/>
-              <a:t> </a:t>
-            </a:r>
-            <a:r>
-              <a:rPr lang="ru-RU" dirty="0" smtClean="0"/>
-              <a:t>и др.</a:t>
+              <a:t> и др.</a:t>
             </a:r>
             <a:endParaRPr lang="en-US" dirty="0"/>
           </a:p>
@@ -22638,7 +21889,7 @@
           <a:lstStyle/>
           <a:p>
             <a:r>
-              <a:rPr lang="bg-BG" dirty="0" smtClean="0"/>
+              <a:rPr lang="bg-BG" dirty="0"/>
               <a:t>Употреба в програмирането</a:t>
             </a:r>
             <a:endParaRPr lang="en-US" dirty="0"/>
@@ -22881,7 +22132,7 @@
           <a:lstStyle/>
           <a:p>
             <a:r>
-              <a:rPr lang="bg-BG" dirty="0" smtClean="0"/>
+              <a:rPr lang="bg-BG" dirty="0"/>
               <a:t>Съхранение на данни</a:t>
             </a:r>
             <a:endParaRPr lang="en-US" dirty="0"/>
@@ -22936,13 +22187,6 @@
       <p:transition spd="slow" advClick="0" advTm="5000"/>
     </mc:Fallback>
   </mc:AlternateContent>
-  <p:timing>
-    <p:tnLst>
-      <p:par>
-        <p:cTn id="1" dur="indefinite" restart="never" nodeType="tmRoot"/>
-      </p:par>
-    </p:tnLst>
-  </p:timing>
 </p:sld>
 </file>
 
@@ -23017,82 +22261,70 @@
             </a:r>
             <a:r>
               <a:rPr lang="ru-RU" b="1" dirty="0"/>
-              <a:t>всякакъв </a:t>
-            </a:r>
-            <a:r>
-              <a:rPr lang="ru-RU" b="1" dirty="0" smtClean="0"/>
-              <a:t>тип</a:t>
-            </a:r>
-            <a:r>
-              <a:rPr lang="ru-RU" dirty="0" smtClean="0"/>
-              <a:t> </a:t>
+              <a:t>всякакъв тип</a:t>
             </a:r>
             <a:r>
               <a:rPr lang="ru-RU" dirty="0"/>
-              <a:t>като</a:t>
-            </a:r>
-            <a:r>
-              <a:rPr lang="ru-RU" dirty="0" smtClean="0"/>
-              <a:t>:</a:t>
+              <a:t> като:</a:t>
             </a:r>
           </a:p>
           <a:p>
             <a:pPr lvl="1"/>
             <a:r>
-              <a:rPr lang="bg-BG" dirty="0" smtClean="0"/>
+              <a:rPr lang="bg-BG" dirty="0"/>
               <a:t>Цели числа (</a:t>
             </a:r>
             <a:r>
-              <a:rPr lang="en-US" dirty="0" smtClean="0"/>
+              <a:rPr lang="en-US" dirty="0"/>
               <a:t>integers</a:t>
             </a:r>
             <a:r>
-              <a:rPr lang="bg-BG" dirty="0" smtClean="0"/>
+              <a:rPr lang="bg-BG" dirty="0"/>
               <a:t>)</a:t>
             </a:r>
           </a:p>
           <a:p>
             <a:pPr lvl="1"/>
             <a:r>
-              <a:rPr lang="bg-BG" dirty="0" smtClean="0"/>
+              <a:rPr lang="bg-BG" dirty="0"/>
               <a:t>Дробни числа</a:t>
             </a:r>
             <a:r>
-              <a:rPr lang="en-US" dirty="0" smtClean="0"/>
+              <a:rPr lang="en-US" dirty="0"/>
               <a:t> (floats)</a:t>
             </a:r>
-            <a:endParaRPr lang="bg-BG" dirty="0" smtClean="0"/>
+            <a:endParaRPr lang="bg-BG" dirty="0"/>
           </a:p>
           <a:p>
             <a:pPr lvl="1"/>
             <a:r>
-              <a:rPr lang="bg-BG" dirty="0" smtClean="0"/>
+              <a:rPr lang="bg-BG" dirty="0"/>
               <a:t>Текст</a:t>
             </a:r>
             <a:r>
-              <a:rPr lang="en-US" dirty="0" smtClean="0"/>
+              <a:rPr lang="en-US" dirty="0"/>
               <a:t> (string)</a:t>
             </a:r>
-            <a:endParaRPr lang="bg-BG" dirty="0" smtClean="0"/>
+            <a:endParaRPr lang="bg-BG" dirty="0"/>
           </a:p>
           <a:p>
             <a:pPr lvl="1"/>
             <a:r>
-              <a:rPr lang="bg-BG" dirty="0" smtClean="0"/>
+              <a:rPr lang="bg-BG" dirty="0"/>
               <a:t>Обекти</a:t>
             </a:r>
           </a:p>
           <a:p>
             <a:pPr lvl="1"/>
             <a:r>
-              <a:rPr lang="bg-BG" dirty="0" smtClean="0"/>
+              <a:rPr lang="bg-BG" dirty="0"/>
               <a:t>Други списъци</a:t>
             </a:r>
           </a:p>
           <a:p>
             <a:pPr lvl="1"/>
             <a:r>
-              <a:rPr lang="bg-BG" dirty="0" smtClean="0"/>
+              <a:rPr lang="bg-BG" dirty="0"/>
               <a:t>Смесени данни</a:t>
             </a:r>
             <a:endParaRPr lang="en-US" dirty="0"/>
@@ -23774,7 +23006,7 @@
           <a:lstStyle/>
           <a:p>
             <a:r>
-              <a:rPr lang="bg-BG" dirty="0" smtClean="0"/>
+              <a:rPr lang="bg-BG" dirty="0"/>
               <a:t>Примери</a:t>
             </a:r>
             <a:endParaRPr lang="en-US" dirty="0"/>
@@ -23828,38 +23060,35 @@
               <a:buSzPct val="70000"/>
             </a:pPr>
             <a:r>
-              <a:rPr lang="en-US" sz="2400" b="1" dirty="0" smtClean="0">
+              <a:rPr lang="en-US" sz="2400" b="1" dirty="0">
                 <a:latin typeface="Consolas" panose="020B0609020204030204" pitchFamily="49" charset="0"/>
               </a:rPr>
               <a:t>todo_list = ["</a:t>
             </a:r>
             <a:r>
-              <a:rPr lang="bg-BG" sz="2400" b="1" dirty="0" smtClean="0">
+              <a:rPr lang="bg-BG" sz="2400" b="1" dirty="0">
                 <a:latin typeface="Consolas" panose="020B0609020204030204" pitchFamily="49" charset="0"/>
               </a:rPr>
               <a:t>Да измия чиниите</a:t>
             </a:r>
             <a:r>
-              <a:rPr lang="en-US" sz="2400" b="1" dirty="0" smtClean="0">
+              <a:rPr lang="en-US" sz="2400" b="1" dirty="0">
                 <a:latin typeface="Consolas" panose="020B0609020204030204" pitchFamily="49" charset="0"/>
               </a:rPr>
               <a:t>", "</a:t>
             </a:r>
             <a:r>
-              <a:rPr lang="bg-BG" sz="2400" b="1" dirty="0" smtClean="0">
+              <a:rPr lang="bg-BG" sz="2400" b="1" dirty="0">
                 <a:latin typeface="Consolas" panose="020B0609020204030204" pitchFamily="49" charset="0"/>
               </a:rPr>
               <a:t>Да изчистя стаята ми</a:t>
             </a:r>
             <a:r>
-              <a:rPr lang="en-US" sz="2400" b="1" dirty="0" smtClean="0">
+              <a:rPr lang="en-US" sz="2400" b="1" dirty="0">
                 <a:latin typeface="Consolas" panose="020B0609020204030204" pitchFamily="49" charset="0"/>
               </a:rPr>
               <a:t>"]</a:t>
             </a:r>
-            <a:endParaRPr lang="en-US" sz="2400" b="1" dirty="0">
-              <a:latin typeface="Consolas" panose="020B0609020204030204" pitchFamily="49" charset="0"/>
-            </a:endParaRPr>
           </a:p>
         </p:txBody>
       </p:sp>
@@ -23910,26 +23139,11 @@
               <a:buSzPct val="70000"/>
             </a:pPr>
             <a:r>
-              <a:rPr lang="en-US" sz="2400" b="1" dirty="0" smtClean="0">
-                <a:latin typeface="Consolas" panose="020B0609020204030204" pitchFamily="49" charset="0"/>
-              </a:rPr>
-              <a:t>favourite_numbers</a:t>
-            </a:r>
-            <a:r>
               <a:rPr lang="en-US" sz="2400" b="1" dirty="0">
                 <a:latin typeface="Consolas" panose="020B0609020204030204" pitchFamily="49" charset="0"/>
               </a:rPr>
-              <a:t> = </a:t>
-            </a:r>
-            <a:r>
-              <a:rPr lang="en-US" sz="2400" b="1" dirty="0" smtClean="0">
-                <a:latin typeface="Consolas" panose="020B0609020204030204" pitchFamily="49" charset="0"/>
-              </a:rPr>
-              <a:t>[0, 7, 21, 18]</a:t>
-            </a:r>
-            <a:endParaRPr lang="en-US" sz="2400" b="1" dirty="0">
-              <a:latin typeface="Consolas" panose="020B0609020204030204" pitchFamily="49" charset="0"/>
-            </a:endParaRPr>
+              <a:t>favourite_numbers = [0, 7, 21, 18]</a:t>
+            </a:r>
           </a:p>
         </p:txBody>
       </p:sp>
@@ -23980,26 +23194,11 @@
               <a:buSzPct val="70000"/>
             </a:pPr>
             <a:r>
-              <a:rPr lang="en-US" sz="2400" b="1" dirty="0" smtClean="0">
-                <a:latin typeface="Consolas" panose="020B0609020204030204" pitchFamily="49" charset="0"/>
-              </a:rPr>
-              <a:t>random_list </a:t>
-            </a:r>
-            <a:r>
               <a:rPr lang="en-US" sz="2400" b="1" dirty="0">
                 <a:latin typeface="Consolas" panose="020B0609020204030204" pitchFamily="49" charset="0"/>
               </a:rPr>
-              <a:t>= [6, </a:t>
-            </a:r>
-            <a:r>
-              <a:rPr lang="en-US" sz="2400" b="1" dirty="0" smtClean="0">
-                <a:latin typeface="Consolas" panose="020B0609020204030204" pitchFamily="49" charset="0"/>
-              </a:rPr>
-              <a:t>"Elena", 9.99]</a:t>
-            </a:r>
-            <a:endParaRPr lang="en-US" sz="2400" b="1" dirty="0">
-              <a:latin typeface="Consolas" panose="020B0609020204030204" pitchFamily="49" charset="0"/>
-            </a:endParaRPr>
+              <a:t>random_list = [6, "Elena", 9.99]</a:t>
+            </a:r>
           </a:p>
         </p:txBody>
       </p:sp>
@@ -24059,7 +23258,7 @@
           <a:p>
             <a:pPr algn="ctr"/>
             <a:r>
-              <a:rPr lang="bg-BG" sz="2800" b="1" dirty="0" smtClean="0">
+              <a:rPr lang="bg-BG" sz="2800" b="1" dirty="0">
                 <a:solidFill>
                   <a:srgbClr val="FFFFFF"/>
                 </a:solidFill>
@@ -24144,7 +23343,7 @@
           <a:p>
             <a:pPr algn="ctr"/>
             <a:r>
-              <a:rPr lang="bg-BG" sz="2800" b="1" dirty="0" smtClean="0">
+              <a:rPr lang="bg-BG" sz="2800" b="1" dirty="0">
                 <a:solidFill>
                   <a:srgbClr val="FFFFFF"/>
                 </a:solidFill>
@@ -24229,7 +23428,7 @@
           <a:p>
             <a:pPr algn="ctr"/>
             <a:r>
-              <a:rPr lang="bg-BG" sz="2800" b="1" dirty="0" smtClean="0">
+              <a:rPr lang="bg-BG" sz="2800" b="1" dirty="0">
                 <a:solidFill>
                   <a:srgbClr val="FFFFFF"/>
                 </a:solidFill>
@@ -24497,7 +23696,7 @@
           <a:lstStyle/>
           <a:p>
             <a:r>
-              <a:rPr lang="bg-BG" dirty="0" smtClean="0"/>
+              <a:rPr lang="bg-BG" dirty="0"/>
               <a:t>Създаване на списък</a:t>
             </a:r>
             <a:endParaRPr lang="en-US" dirty="0"/>
@@ -24570,13 +23769,6 @@
       <p:transition spd="slow" advClick="0" advTm="5000"/>
     </mc:Fallback>
   </mc:AlternateContent>
-  <p:timing>
-    <p:tnLst>
-      <p:par>
-        <p:cTn id="1" dur="indefinite" restart="never" nodeType="tmRoot"/>
-      </p:par>
-    </p:tnLst>
-  </p:timing>
 </p:sld>
 </file>
 
